--- a/map.pptx
+++ b/map.pptx
@@ -9,7 +9,7 @@
   </p:notesMasterIdLst>
   <p:sldIdLst>
     <p:sldId id="257" r:id="rId2"/>
-    <p:sldId id="258" r:id="rId3"/>
+    <p:sldId id="259" r:id="rId3"/>
   </p:sldIdLst>
   <p:sldSz cx="12192000" cy="6858000"/>
   <p:notesSz cx="6858000" cy="9144000"/>
@@ -111,12 +111,12 @@
   <p:extLst>
     <p:ext uri="{EFAFB233-063F-42B5-8137-9DF3F51BA10A}">
       <p15:sldGuideLst xmlns:p15="http://schemas.microsoft.com/office/powerpoint/2012/main">
-        <p15:guide id="1" orient="horz" pos="1480" userDrawn="1">
+        <p15:guide id="1" orient="horz" pos="913" userDrawn="1">
           <p15:clr>
             <a:srgbClr val="A4A3A4"/>
           </p15:clr>
         </p15:guide>
-        <p15:guide id="2" pos="1867" userDrawn="1">
+        <p15:guide id="2" pos="3795" userDrawn="1">
           <p15:clr>
             <a:srgbClr val="A4A3A4"/>
           </p15:clr>
@@ -566,6 +566,90 @@
     <p:extLst>
       <p:ext uri="{BB962C8B-B14F-4D97-AF65-F5344CB8AC3E}">
         <p14:creationId xmlns:p14="http://schemas.microsoft.com/office/powerpoint/2010/main" val="3632650863"/>
+      </p:ext>
+    </p:extLst>
+  </p:cSld>
+  <p:clrMapOvr>
+    <a:masterClrMapping/>
+  </p:clrMapOvr>
+</p:notes>
+</file>
+
+<file path=ppt/notesSlides/notesSlide2.xml><?xml version="1.0" encoding="utf-8"?>
+<p:notes xmlns:a="http://schemas.openxmlformats.org/drawingml/2006/main" xmlns:r="http://schemas.openxmlformats.org/officeDocument/2006/relationships" xmlns:p="http://schemas.openxmlformats.org/presentationml/2006/main">
+  <p:cSld>
+    <p:spTree>
+      <p:nvGrpSpPr>
+        <p:cNvPr id="1" name=""/>
+        <p:cNvGrpSpPr/>
+        <p:nvPr/>
+      </p:nvGrpSpPr>
+      <p:grpSpPr>
+        <a:xfrm>
+          <a:off x="0" y="0"/>
+          <a:ext cx="0" cy="0"/>
+          <a:chOff x="0" y="0"/>
+          <a:chExt cx="0" cy="0"/>
+        </a:xfrm>
+      </p:grpSpPr>
+      <p:sp>
+        <p:nvSpPr>
+          <p:cNvPr id="2" name="Образ слайда 1"/>
+          <p:cNvSpPr>
+            <a:spLocks noGrp="1" noRot="1" noChangeAspect="1"/>
+          </p:cNvSpPr>
+          <p:nvPr>
+            <p:ph type="sldImg"/>
+          </p:nvPr>
+        </p:nvSpPr>
+        <p:spPr/>
+      </p:sp>
+      <p:sp>
+        <p:nvSpPr>
+          <p:cNvPr id="3" name="Заметки 2"/>
+          <p:cNvSpPr>
+            <a:spLocks noGrp="1"/>
+          </p:cNvSpPr>
+          <p:nvPr>
+            <p:ph type="body" idx="1"/>
+          </p:nvPr>
+        </p:nvSpPr>
+        <p:spPr/>
+        <p:txBody>
+          <a:bodyPr/>
+          <a:lstStyle/>
+          <a:p>
+            <a:endParaRPr lang="ru-RU"/>
+          </a:p>
+        </p:txBody>
+      </p:sp>
+      <p:sp>
+        <p:nvSpPr>
+          <p:cNvPr id="4" name="Номер слайда 3"/>
+          <p:cNvSpPr>
+            <a:spLocks noGrp="1"/>
+          </p:cNvSpPr>
+          <p:nvPr>
+            <p:ph type="sldNum" sz="quarter" idx="10"/>
+          </p:nvPr>
+        </p:nvSpPr>
+        <p:spPr/>
+        <p:txBody>
+          <a:bodyPr/>
+          <a:lstStyle/>
+          <a:p>
+            <a:fld id="{1EE182AC-F58A-4909-8484-CDC7E5932FCA}" type="slidenum">
+              <a:rPr lang="ru-RU" smtClean="0"/>
+              <a:t>2</a:t>
+            </a:fld>
+            <a:endParaRPr lang="ru-RU"/>
+          </a:p>
+        </p:txBody>
+      </p:sp>
+    </p:spTree>
+    <p:extLst>
+      <p:ext uri="{BB962C8B-B14F-4D97-AF65-F5344CB8AC3E}">
+        <p14:creationId xmlns:p14="http://schemas.microsoft.com/office/powerpoint/2010/main" val="982282230"/>
       </p:ext>
     </p:extLst>
   </p:cSld>
@@ -4584,38 +4668,476 @@
       </p:grpSpPr>
       <p:sp>
         <p:nvSpPr>
-          <p:cNvPr id="5" name="Объект 4"/>
-          <p:cNvSpPr>
-            <a:spLocks noGrp="1"/>
-          </p:cNvSpPr>
-          <p:nvPr>
-            <p:ph idx="1"/>
-          </p:nvPr>
-        </p:nvSpPr>
-        <p:spPr/>
-        <p:txBody>
-          <a:bodyPr/>
+          <p:cNvPr id="2" name="Прямоугольник 1"/>
+          <p:cNvSpPr/>
+          <p:nvPr/>
+        </p:nvSpPr>
+        <p:spPr>
+          <a:xfrm>
+            <a:off x="884420" y="651955"/>
+            <a:ext cx="10527422" cy="5441515"/>
+          </a:xfrm>
+          <a:prstGeom prst="rect">
+            <a:avLst/>
+          </a:prstGeom>
+          <a:solidFill>
+            <a:schemeClr val="accent1">
+              <a:lumMod val="40000"/>
+              <a:lumOff val="60000"/>
+            </a:schemeClr>
+          </a:solidFill>
+          <a:ln>
+            <a:solidFill>
+              <a:schemeClr val="accent1">
+                <a:lumMod val="40000"/>
+                <a:lumOff val="60000"/>
+              </a:schemeClr>
+            </a:solidFill>
+          </a:ln>
+        </p:spPr>
+        <p:style>
+          <a:lnRef idx="2">
+            <a:schemeClr val="accent1">
+              <a:shade val="50000"/>
+            </a:schemeClr>
+          </a:lnRef>
+          <a:fillRef idx="1">
+            <a:schemeClr val="accent1"/>
+          </a:fillRef>
+          <a:effectRef idx="0">
+            <a:schemeClr val="accent1"/>
+          </a:effectRef>
+          <a:fontRef idx="minor">
+            <a:schemeClr val="lt1"/>
+          </a:fontRef>
+        </p:style>
+        <p:txBody>
+          <a:bodyPr rtlCol="0" anchor="ctr"/>
           <a:lstStyle/>
           <a:p>
+            <a:pPr algn="ctr"/>
             <a:endParaRPr lang="ru-RU"/>
           </a:p>
         </p:txBody>
       </p:sp>
       <p:sp>
         <p:nvSpPr>
-          <p:cNvPr id="6" name="TextBox 5"/>
+          <p:cNvPr id="12" name="TextBox 11"/>
           <p:cNvSpPr txBox="1"/>
           <p:nvPr/>
         </p:nvSpPr>
         <p:spPr>
           <a:xfrm>
-            <a:off x="8314451" y="1179940"/>
-            <a:ext cx="3437282" cy="371253"/>
+            <a:off x="8067743" y="1852102"/>
+            <a:ext cx="1683558" cy="1391336"/>
           </a:xfrm>
           <a:prstGeom prst="rect">
             <a:avLst/>
           </a:prstGeom>
           <a:noFill/>
+          <a:ln>
+            <a:solidFill>
+              <a:schemeClr val="accent1">
+                <a:lumMod val="75000"/>
+              </a:schemeClr>
+            </a:solidFill>
+          </a:ln>
+        </p:spPr>
+        <p:txBody>
+          <a:bodyPr wrap="square" rtlCol="0">
+            <a:noAutofit/>
+          </a:bodyPr>
+          <a:lstStyle>
+            <a:defPPr>
+              <a:defRPr lang="ru-RU"/>
+            </a:defPPr>
+            <a:lvl1pPr>
+              <a:defRPr sz="1400" b="1">
+                <a:solidFill>
+                  <a:schemeClr val="accent1">
+                    <a:lumMod val="50000"/>
+                  </a:schemeClr>
+                </a:solidFill>
+              </a:defRPr>
+            </a:lvl1pPr>
+          </a:lstStyle>
+          <a:p>
+            <a:r>
+              <a:rPr lang="en-US" sz="1200" dirty="0" smtClean="0"/>
+              <a:t>User A:</a:t>
+            </a:r>
+          </a:p>
+          <a:p>
+            <a:r>
+              <a:rPr lang="en-US" sz="1200" b="0" dirty="0" smtClean="0"/>
+              <a:t>- comes to a web site</a:t>
+            </a:r>
+          </a:p>
+          <a:p>
+            <a:r>
+              <a:rPr lang="en-US" sz="1200" b="0" dirty="0" smtClean="0"/>
+              <a:t>- selects a variable</a:t>
+            </a:r>
+          </a:p>
+          <a:p>
+            <a:r>
+              <a:rPr lang="en-US" sz="1200" b="0" dirty="0" smtClean="0"/>
+              <a:t>- views the chart</a:t>
+            </a:r>
+          </a:p>
+          <a:p>
+            <a:r>
+              <a:rPr lang="en-US" sz="1200" b="0" dirty="0" smtClean="0"/>
+              <a:t>- reads variable info</a:t>
+            </a:r>
+            <a:endParaRPr lang="en-US" sz="1200" b="0" dirty="0"/>
+          </a:p>
+          <a:p>
+            <a:r>
+              <a:rPr lang="en-US" sz="1200" b="0" dirty="0" smtClean="0"/>
+              <a:t>- downloads data locally</a:t>
+            </a:r>
+          </a:p>
+          <a:p>
+            <a:r>
+              <a:rPr lang="en-US" sz="1200" b="0" dirty="0" smtClean="0"/>
+              <a:t>- shares chart on FB</a:t>
+            </a:r>
+            <a:endParaRPr lang="ru-RU" sz="1200" b="0" dirty="0"/>
+          </a:p>
+        </p:txBody>
+      </p:sp>
+      <p:sp>
+        <p:nvSpPr>
+          <p:cNvPr id="20" name="TextBox 19"/>
+          <p:cNvSpPr txBox="1"/>
+          <p:nvPr/>
+        </p:nvSpPr>
+        <p:spPr>
+          <a:xfrm>
+            <a:off x="5052165" y="4749630"/>
+            <a:ext cx="2564117" cy="497640"/>
+          </a:xfrm>
+          <a:prstGeom prst="rect">
+            <a:avLst/>
+          </a:prstGeom>
+          <a:noFill/>
+          <a:ln>
+            <a:solidFill>
+              <a:schemeClr val="accent1">
+                <a:lumMod val="75000"/>
+              </a:schemeClr>
+            </a:solidFill>
+          </a:ln>
+        </p:spPr>
+        <p:txBody>
+          <a:bodyPr wrap="square" rtlCol="0" anchor="ctr">
+            <a:noAutofit/>
+          </a:bodyPr>
+          <a:lstStyle>
+            <a:defPPr>
+              <a:defRPr lang="ru-RU"/>
+            </a:defPPr>
+            <a:lvl1pPr>
+              <a:defRPr sz="1200" b="0">
+                <a:solidFill>
+                  <a:schemeClr val="accent1">
+                    <a:lumMod val="50000"/>
+                  </a:schemeClr>
+                </a:solidFill>
+              </a:defRPr>
+            </a:lvl1pPr>
+          </a:lstStyle>
+          <a:p>
+            <a:r>
+              <a:rPr lang="en-US" b="1" dirty="0" err="1" smtClean="0"/>
+              <a:t>ru</a:t>
+            </a:r>
+            <a:r>
+              <a:rPr lang="en-US" b="1" dirty="0" smtClean="0"/>
+              <a:t>/series/VARNAME - </a:t>
+            </a:r>
+            <a:r>
+              <a:rPr lang="en-US" dirty="0" smtClean="0"/>
+              <a:t>shorter </a:t>
+            </a:r>
+            <a:r>
+              <a:rPr lang="en-US" dirty="0"/>
+              <a:t>URL syntax </a:t>
+            </a:r>
+            <a:r>
+              <a:rPr lang="en-US" dirty="0" smtClean="0"/>
+              <a:t>for </a:t>
+            </a:r>
+            <a:r>
+              <a:rPr lang="en-US" i="1" dirty="0" err="1" smtClean="0"/>
+              <a:t>datapoint</a:t>
+            </a:r>
+            <a:r>
+              <a:rPr lang="en-US" dirty="0" smtClean="0"/>
+              <a:t> and </a:t>
+            </a:r>
+            <a:r>
+              <a:rPr lang="en-US" i="1" dirty="0" smtClean="0"/>
+              <a:t>info</a:t>
+            </a:r>
+            <a:r>
+              <a:rPr lang="en-US" dirty="0" smtClean="0"/>
+              <a:t> methods</a:t>
+            </a:r>
+            <a:endParaRPr lang="ru-RU" dirty="0"/>
+          </a:p>
+        </p:txBody>
+      </p:sp>
+      <p:sp>
+        <p:nvSpPr>
+          <p:cNvPr id="22" name="TextBox 21"/>
+          <p:cNvSpPr txBox="1"/>
+          <p:nvPr/>
+        </p:nvSpPr>
+        <p:spPr>
+          <a:xfrm>
+            <a:off x="5052166" y="3604826"/>
+            <a:ext cx="2564116" cy="858170"/>
+          </a:xfrm>
+          <a:prstGeom prst="rect">
+            <a:avLst/>
+          </a:prstGeom>
+          <a:noFill/>
+          <a:ln>
+            <a:solidFill>
+              <a:schemeClr val="accent1">
+                <a:lumMod val="75000"/>
+              </a:schemeClr>
+            </a:solidFill>
+          </a:ln>
+        </p:spPr>
+        <p:txBody>
+          <a:bodyPr wrap="square" rtlCol="0" anchor="ctr">
+            <a:noAutofit/>
+          </a:bodyPr>
+          <a:lstStyle>
+            <a:defPPr>
+              <a:defRPr lang="ru-RU"/>
+            </a:defPPr>
+            <a:lvl1pPr>
+              <a:defRPr sz="1200" b="0">
+                <a:solidFill>
+                  <a:schemeClr val="accent1">
+                    <a:lumMod val="50000"/>
+                  </a:schemeClr>
+                </a:solidFill>
+              </a:defRPr>
+            </a:lvl1pPr>
+          </a:lstStyle>
+          <a:p>
+            <a:r>
+              <a:rPr lang="en-US" b="1" dirty="0" err="1"/>
+              <a:t>api</a:t>
+            </a:r>
+            <a:r>
+              <a:rPr lang="en-US" b="1" dirty="0"/>
+              <a:t>/</a:t>
+            </a:r>
+            <a:r>
+              <a:rPr lang="en-US" b="1" dirty="0" err="1"/>
+              <a:t>datapoints</a:t>
+            </a:r>
+            <a:r>
+              <a:rPr lang="en-US" b="1" dirty="0"/>
+              <a:t> </a:t>
+            </a:r>
+            <a:r>
+              <a:rPr lang="en-US" dirty="0"/>
+              <a:t>– get time series data</a:t>
+            </a:r>
+          </a:p>
+          <a:p>
+            <a:r>
+              <a:rPr lang="en-US" b="1" dirty="0" err="1" smtClean="0"/>
+              <a:t>api</a:t>
+            </a:r>
+            <a:r>
+              <a:rPr lang="en-US" b="1" dirty="0" smtClean="0"/>
+              <a:t>/info </a:t>
+            </a:r>
+            <a:r>
+              <a:rPr lang="en-US" dirty="0" smtClean="0"/>
+              <a:t>– show variable info </a:t>
+            </a:r>
+          </a:p>
+          <a:p>
+            <a:r>
+              <a:rPr lang="en-US" b="1" dirty="0" err="1" smtClean="0"/>
+              <a:t>api</a:t>
+            </a:r>
+            <a:r>
+              <a:rPr lang="en-US" b="1" dirty="0" smtClean="0"/>
+              <a:t>/names </a:t>
+            </a:r>
+            <a:r>
+              <a:rPr lang="en-US" dirty="0" smtClean="0"/>
+              <a:t>– list available variables</a:t>
+            </a:r>
+            <a:endParaRPr lang="ru-RU" dirty="0"/>
+          </a:p>
+        </p:txBody>
+      </p:sp>
+      <p:sp>
+        <p:nvSpPr>
+          <p:cNvPr id="42" name="TextBox 41"/>
+          <p:cNvSpPr txBox="1"/>
+          <p:nvPr/>
+        </p:nvSpPr>
+        <p:spPr>
+          <a:xfrm>
+            <a:off x="3649797" y="1881368"/>
+            <a:ext cx="1200574" cy="1351666"/>
+          </a:xfrm>
+          <a:prstGeom prst="rect">
+            <a:avLst/>
+          </a:prstGeom>
+          <a:noFill/>
+          <a:ln>
+            <a:solidFill>
+              <a:schemeClr val="accent1">
+                <a:lumMod val="75000"/>
+              </a:schemeClr>
+            </a:solidFill>
+          </a:ln>
+        </p:spPr>
+        <p:txBody>
+          <a:bodyPr wrap="square" rtlCol="0" anchor="t">
+            <a:noAutofit/>
+          </a:bodyPr>
+          <a:lstStyle>
+            <a:defPPr>
+              <a:defRPr lang="ru-RU"/>
+            </a:defPPr>
+            <a:lvl1pPr>
+              <a:defRPr sz="1200" b="0">
+                <a:solidFill>
+                  <a:schemeClr val="accent1">
+                    <a:lumMod val="50000"/>
+                  </a:schemeClr>
+                </a:solidFill>
+              </a:defRPr>
+            </a:lvl1pPr>
+          </a:lstStyle>
+          <a:p>
+            <a:r>
+              <a:rPr lang="en-US" dirty="0" smtClean="0"/>
+              <a:t>Run </a:t>
+            </a:r>
+            <a:r>
+              <a:rPr lang="en-US" dirty="0"/>
+              <a:t>parsers periodically and </a:t>
+            </a:r>
+            <a:r>
+              <a:rPr lang="en-US" dirty="0" smtClean="0"/>
+              <a:t>upload parser output to </a:t>
+            </a:r>
+            <a:r>
+              <a:rPr lang="en-US" dirty="0"/>
+              <a:t>database.</a:t>
+            </a:r>
+            <a:endParaRPr lang="ru-RU" dirty="0"/>
+          </a:p>
+        </p:txBody>
+      </p:sp>
+      <p:sp>
+        <p:nvSpPr>
+          <p:cNvPr id="43" name="TextBox 42"/>
+          <p:cNvSpPr txBox="1"/>
+          <p:nvPr/>
+        </p:nvSpPr>
+        <p:spPr>
+          <a:xfrm>
+            <a:off x="2289778" y="1883074"/>
+            <a:ext cx="1200574" cy="1349959"/>
+          </a:xfrm>
+          <a:prstGeom prst="rect">
+            <a:avLst/>
+          </a:prstGeom>
+          <a:noFill/>
+          <a:ln>
+            <a:solidFill>
+              <a:schemeClr val="accent1">
+                <a:lumMod val="75000"/>
+              </a:schemeClr>
+            </a:solidFill>
+          </a:ln>
+        </p:spPr>
+        <p:txBody>
+          <a:bodyPr wrap="square" rtlCol="0" anchor="t">
+            <a:noAutofit/>
+          </a:bodyPr>
+          <a:lstStyle>
+            <a:defPPr>
+              <a:defRPr lang="ru-RU"/>
+            </a:defPPr>
+            <a:lvl1pPr>
+              <a:defRPr sz="1200" b="0">
+                <a:solidFill>
+                  <a:schemeClr val="accent1">
+                    <a:lumMod val="50000"/>
+                  </a:schemeClr>
+                </a:solidFill>
+              </a:defRPr>
+            </a:lvl1pPr>
+          </a:lstStyle>
+          <a:p>
+            <a:r>
+              <a:rPr lang="en-US" dirty="0"/>
+              <a:t>Collect data </a:t>
+            </a:r>
+            <a:r>
+              <a:rPr lang="en-US" dirty="0"/>
+              <a:t>from </a:t>
+            </a:r>
+            <a:r>
+              <a:rPr lang="en-US" dirty="0"/>
+              <a:t>sources </a:t>
+            </a:r>
+            <a:r>
+              <a:rPr lang="en-US" dirty="0"/>
+              <a:t>and </a:t>
+            </a:r>
+            <a:r>
+              <a:rPr lang="en-US" dirty="0"/>
+              <a:t>extract </a:t>
+            </a:r>
+            <a:r>
+              <a:rPr lang="en-US" dirty="0" err="1" smtClean="0"/>
+              <a:t>datapoints</a:t>
+            </a:r>
+            <a:r>
+              <a:rPr lang="en-US" dirty="0" smtClean="0"/>
+              <a:t>.</a:t>
+            </a:r>
+            <a:endParaRPr lang="en-US" dirty="0"/>
+          </a:p>
+        </p:txBody>
+      </p:sp>
+      <p:sp>
+        <p:nvSpPr>
+          <p:cNvPr id="46" name="TextBox 45"/>
+          <p:cNvSpPr txBox="1"/>
+          <p:nvPr/>
+        </p:nvSpPr>
+        <p:spPr>
+          <a:xfrm>
+            <a:off x="1005913" y="1382997"/>
+            <a:ext cx="1142939" cy="342030"/>
+          </a:xfrm>
+          <a:prstGeom prst="rect">
+            <a:avLst/>
+          </a:prstGeom>
+          <a:solidFill>
+            <a:schemeClr val="accent1">
+              <a:lumMod val="50000"/>
+            </a:schemeClr>
+          </a:solidFill>
           <a:ln>
             <a:solidFill>
               <a:schemeClr val="accent1">
@@ -4626,6 +5148,53 @@
           </a:ln>
         </p:spPr>
         <p:txBody>
+          <a:bodyPr wrap="square" rtlCol="0" anchor="ctr">
+            <a:noAutofit/>
+          </a:bodyPr>
+          <a:lstStyle>
+            <a:defPPr>
+              <a:defRPr lang="ru-RU"/>
+            </a:defPPr>
+          </a:lstStyle>
+          <a:p>
+            <a:pPr algn="ctr"/>
+            <a:r>
+              <a:rPr lang="en-US" b="1" dirty="0">
+                <a:solidFill>
+                  <a:schemeClr val="bg1"/>
+                </a:solidFill>
+              </a:rPr>
+              <a:t>Sources</a:t>
+            </a:r>
+            <a:endParaRPr lang="ru-RU" b="1" dirty="0">
+              <a:solidFill>
+                <a:schemeClr val="bg1"/>
+              </a:solidFill>
+            </a:endParaRPr>
+          </a:p>
+        </p:txBody>
+      </p:sp>
+      <p:sp>
+        <p:nvSpPr>
+          <p:cNvPr id="14" name="TextBox 13"/>
+          <p:cNvSpPr txBox="1"/>
+          <p:nvPr/>
+        </p:nvSpPr>
+        <p:spPr>
+          <a:xfrm>
+            <a:off x="4982609" y="4475105"/>
+            <a:ext cx="2564117" cy="230235"/>
+          </a:xfrm>
+          <a:prstGeom prst="rect">
+            <a:avLst/>
+          </a:prstGeom>
+          <a:noFill/>
+          <a:ln>
+            <a:noFill/>
+            <a:prstDash val="dash"/>
+          </a:ln>
+        </p:spPr>
+        <p:txBody>
           <a:bodyPr wrap="square" rtlCol="0">
             <a:noAutofit/>
           </a:bodyPr>
@@ -4636,73 +5205,157 @@
           </a:lstStyle>
           <a:p>
             <a:r>
-              <a:rPr lang="en-US" dirty="0"/>
-              <a:t>Data model</a:t>
-            </a:r>
-            <a:endParaRPr lang="ru-RU" dirty="0"/>
-          </a:p>
-        </p:txBody>
-      </p:sp>
-      <p:sp>
-        <p:nvSpPr>
-          <p:cNvPr id="7" name="Прямоугольник 6"/>
-          <p:cNvSpPr/>
-          <p:nvPr/>
-        </p:nvSpPr>
-        <p:spPr>
-          <a:xfrm>
-            <a:off x="8246717" y="1654280"/>
-            <a:ext cx="3572749" cy="1477328"/>
-          </a:xfrm>
-          <a:prstGeom prst="rect">
-            <a:avLst/>
-          </a:prstGeom>
-        </p:spPr>
-        <p:txBody>
-          <a:bodyPr wrap="square">
-            <a:spAutoFit/>
-          </a:bodyPr>
-          <a:lstStyle/>
-          <a:p>
-            <a:r>
-              <a:rPr lang="en-US" dirty="0" smtClean="0"/>
-              <a:t>Every time series indicator has `name`. Every </a:t>
-            </a:r>
-            <a:r>
-              <a:rPr lang="en-US" dirty="0" err="1" smtClean="0"/>
-              <a:t>datapoint</a:t>
-            </a:r>
-            <a:r>
-              <a:rPr lang="en-US" dirty="0" smtClean="0"/>
-              <a:t> (observation) is represented by a dictionary with ‘name’, ‘</a:t>
-            </a:r>
-            <a:r>
-              <a:rPr lang="en-US" dirty="0" err="1" smtClean="0"/>
-              <a:t>freq</a:t>
-            </a:r>
-            <a:r>
-              <a:rPr lang="en-US" dirty="0" smtClean="0"/>
-              <a:t>’, ‘date’, ‘value’ keys.</a:t>
-            </a:r>
-            <a:endParaRPr lang="ru-RU" dirty="0"/>
-          </a:p>
-        </p:txBody>
-      </p:sp>
-      <p:sp>
-        <p:nvSpPr>
-          <p:cNvPr id="8" name="TextBox 7"/>
+              <a:rPr lang="en-US" sz="1200" b="1" dirty="0">
+                <a:solidFill>
+                  <a:schemeClr val="accent1">
+                    <a:lumMod val="50000"/>
+                  </a:schemeClr>
+                </a:solidFill>
+              </a:rPr>
+              <a:t>Custom </a:t>
+            </a:r>
+            <a:r>
+              <a:rPr lang="en-US" sz="1200" b="1" dirty="0" smtClean="0">
+                <a:solidFill>
+                  <a:schemeClr val="accent1">
+                    <a:lumMod val="50000"/>
+                  </a:schemeClr>
+                </a:solidFill>
+              </a:rPr>
+              <a:t>API (GET)</a:t>
+            </a:r>
+            <a:endParaRPr lang="ru-RU" sz="1200" b="1" dirty="0">
+              <a:solidFill>
+                <a:schemeClr val="accent1">
+                  <a:lumMod val="50000"/>
+                </a:schemeClr>
+              </a:solidFill>
+            </a:endParaRPr>
+          </a:p>
+        </p:txBody>
+      </p:sp>
+      <p:sp>
+        <p:nvSpPr>
+          <p:cNvPr id="61" name="TextBox 60"/>
           <p:cNvSpPr txBox="1"/>
           <p:nvPr/>
         </p:nvSpPr>
         <p:spPr>
           <a:xfrm>
-            <a:off x="468358" y="5703712"/>
-            <a:ext cx="2281907" cy="420228"/>
+            <a:off x="3632983" y="3591990"/>
+            <a:ext cx="1219048" cy="1638792"/>
           </a:xfrm>
           <a:prstGeom prst="rect">
             <a:avLst/>
           </a:prstGeom>
           <a:noFill/>
+          <a:ln>
+            <a:solidFill>
+              <a:schemeClr val="accent1">
+                <a:lumMod val="75000"/>
+              </a:schemeClr>
+            </a:solidFill>
+          </a:ln>
+        </p:spPr>
+        <p:txBody>
+          <a:bodyPr wrap="square" rtlCol="0" anchor="t">
+            <a:noAutofit/>
+          </a:bodyPr>
+          <a:lstStyle>
+            <a:defPPr>
+              <a:defRPr lang="ru-RU"/>
+            </a:defPPr>
+            <a:lvl1pPr>
+              <a:defRPr sz="1200" b="0">
+                <a:solidFill>
+                  <a:schemeClr val="accent1">
+                    <a:lumMod val="50000"/>
+                  </a:schemeClr>
+                </a:solidFill>
+              </a:defRPr>
+            </a:lvl1pPr>
+          </a:lstStyle>
+          <a:p>
+            <a:r>
+              <a:rPr lang="en-US" dirty="0" smtClean="0"/>
+              <a:t>Insert </a:t>
+            </a:r>
+            <a:r>
+              <a:rPr lang="en-US" dirty="0"/>
+              <a:t>incoming dictionaries to database, overwriting existing data.</a:t>
+            </a:r>
+            <a:endParaRPr lang="ru-RU" dirty="0"/>
+          </a:p>
+        </p:txBody>
+      </p:sp>
+      <p:sp>
+        <p:nvSpPr>
+          <p:cNvPr id="64" name="TextBox 63"/>
+          <p:cNvSpPr txBox="1"/>
+          <p:nvPr/>
+        </p:nvSpPr>
+        <p:spPr>
+          <a:xfrm>
+            <a:off x="1005914" y="1883074"/>
+            <a:ext cx="1142939" cy="638739"/>
+          </a:xfrm>
+          <a:prstGeom prst="rect">
+            <a:avLst/>
+          </a:prstGeom>
+          <a:noFill/>
+          <a:ln>
+            <a:solidFill>
+              <a:schemeClr val="accent1">
+                <a:lumMod val="75000"/>
+              </a:schemeClr>
+            </a:solidFill>
+          </a:ln>
+        </p:spPr>
+        <p:txBody>
+          <a:bodyPr wrap="square" rtlCol="0" anchor="ctr">
+            <a:noAutofit/>
+          </a:bodyPr>
+          <a:lstStyle>
+            <a:defPPr>
+              <a:defRPr lang="ru-RU"/>
+            </a:defPPr>
+            <a:lvl1pPr>
+              <a:defRPr b="1">
+                <a:solidFill>
+                  <a:schemeClr val="accent1">
+                    <a:lumMod val="50000"/>
+                  </a:schemeClr>
+                </a:solidFill>
+              </a:defRPr>
+            </a:lvl1pPr>
+          </a:lstStyle>
+          <a:p>
+            <a:r>
+              <a:rPr lang="en-US" sz="1400" b="0" dirty="0" smtClean="0"/>
+              <a:t>Statics files</a:t>
+            </a:r>
+          </a:p>
+        </p:txBody>
+      </p:sp>
+      <p:sp>
+        <p:nvSpPr>
+          <p:cNvPr id="30" name="TextBox 29"/>
+          <p:cNvSpPr txBox="1"/>
+          <p:nvPr/>
+        </p:nvSpPr>
+        <p:spPr>
+          <a:xfrm>
+            <a:off x="2289778" y="1379374"/>
+            <a:ext cx="1200574" cy="342030"/>
+          </a:xfrm>
+          <a:prstGeom prst="rect">
+            <a:avLst/>
+          </a:prstGeom>
+          <a:solidFill>
+            <a:schemeClr val="accent1">
+              <a:lumMod val="50000"/>
+            </a:schemeClr>
+          </a:solidFill>
           <a:ln>
             <a:solidFill>
               <a:schemeClr val="accent1">
@@ -4713,34 +5366,51 @@
           </a:ln>
         </p:spPr>
         <p:txBody>
-          <a:bodyPr wrap="square" rtlCol="0">
+          <a:bodyPr wrap="square" rtlCol="0" anchor="ctr">
             <a:noAutofit/>
           </a:bodyPr>
-          <a:lstStyle/>
-          <a:p>
-            <a:r>
-              <a:rPr lang="en-US" dirty="0" err="1" smtClean="0"/>
-              <a:t>Visualisation</a:t>
-            </a:r>
-            <a:endParaRPr lang="ru-RU" dirty="0"/>
-          </a:p>
-        </p:txBody>
-      </p:sp>
-      <p:sp>
-        <p:nvSpPr>
-          <p:cNvPr id="9" name="TextBox 8"/>
+          <a:lstStyle>
+            <a:defPPr>
+              <a:defRPr lang="ru-RU"/>
+            </a:defPPr>
+          </a:lstStyle>
+          <a:p>
+            <a:pPr algn="ctr"/>
+            <a:r>
+              <a:rPr lang="en-US" b="1" dirty="0" smtClean="0">
+                <a:solidFill>
+                  <a:schemeClr val="bg1"/>
+                </a:solidFill>
+              </a:rPr>
+              <a:t>Parsers</a:t>
+            </a:r>
+            <a:endParaRPr lang="ru-RU" b="1" dirty="0">
+              <a:solidFill>
+                <a:schemeClr val="bg1"/>
+              </a:solidFill>
+            </a:endParaRPr>
+          </a:p>
+        </p:txBody>
+      </p:sp>
+      <p:sp>
+        <p:nvSpPr>
+          <p:cNvPr id="31" name="TextBox 30"/>
           <p:cNvSpPr txBox="1"/>
           <p:nvPr/>
         </p:nvSpPr>
         <p:spPr>
           <a:xfrm>
-            <a:off x="2982961" y="6123939"/>
-            <a:ext cx="3434772" cy="615523"/>
+            <a:off x="5027518" y="1389308"/>
+            <a:ext cx="1375201" cy="337326"/>
           </a:xfrm>
           <a:prstGeom prst="rect">
             <a:avLst/>
           </a:prstGeom>
-          <a:noFill/>
+          <a:solidFill>
+            <a:schemeClr val="accent1">
+              <a:lumMod val="50000"/>
+            </a:schemeClr>
+          </a:solidFill>
           <a:ln>
             <a:solidFill>
               <a:schemeClr val="accent1">
@@ -4751,34 +5421,51 @@
           </a:ln>
         </p:spPr>
         <p:txBody>
-          <a:bodyPr wrap="square" rtlCol="0">
+          <a:bodyPr wrap="square" rtlCol="0" anchor="ctr">
             <a:noAutofit/>
           </a:bodyPr>
-          <a:lstStyle/>
-          <a:p>
-            <a:r>
-              <a:rPr lang="en-US" dirty="0" smtClean="0"/>
-              <a:t>Download data, visualize and present the results </a:t>
-            </a:r>
-            <a:endParaRPr lang="ru-RU" dirty="0"/>
-          </a:p>
-        </p:txBody>
-      </p:sp>
-      <p:sp>
-        <p:nvSpPr>
-          <p:cNvPr id="10" name="TextBox 9"/>
+          <a:lstStyle>
+            <a:defPPr>
+              <a:defRPr lang="ru-RU"/>
+            </a:defPPr>
+          </a:lstStyle>
+          <a:p>
+            <a:pPr algn="ctr"/>
+            <a:r>
+              <a:rPr lang="en-US" sz="1200" b="1" dirty="0" smtClean="0">
+                <a:solidFill>
+                  <a:schemeClr val="bg1"/>
+                </a:solidFill>
+              </a:rPr>
+              <a:t>Database schema</a:t>
+            </a:r>
+            <a:endParaRPr lang="ru-RU" sz="1200" b="1" dirty="0">
+              <a:solidFill>
+                <a:schemeClr val="bg1"/>
+              </a:solidFill>
+            </a:endParaRPr>
+          </a:p>
+        </p:txBody>
+      </p:sp>
+      <p:sp>
+        <p:nvSpPr>
+          <p:cNvPr id="33" name="TextBox 32"/>
           <p:cNvSpPr txBox="1"/>
           <p:nvPr/>
         </p:nvSpPr>
         <p:spPr>
           <a:xfrm>
-            <a:off x="6650430" y="6123939"/>
-            <a:ext cx="3656344" cy="615524"/>
+            <a:off x="6571500" y="1378106"/>
+            <a:ext cx="1288276" cy="342030"/>
           </a:xfrm>
           <a:prstGeom prst="rect">
             <a:avLst/>
           </a:prstGeom>
-          <a:noFill/>
+          <a:solidFill>
+            <a:schemeClr val="accent1">
+              <a:lumMod val="50000"/>
+            </a:schemeClr>
+          </a:solidFill>
           <a:ln>
             <a:solidFill>
               <a:schemeClr val="accent1">
@@ -4789,23 +5476,1152 @@
           </a:ln>
         </p:spPr>
         <p:txBody>
+          <a:bodyPr wrap="square" rtlCol="0" anchor="ctr">
+            <a:noAutofit/>
+          </a:bodyPr>
+          <a:lstStyle>
+            <a:defPPr>
+              <a:defRPr lang="ru-RU"/>
+            </a:defPPr>
+          </a:lstStyle>
+          <a:p>
+            <a:pPr algn="ctr"/>
+            <a:r>
+              <a:rPr lang="en-US" b="1" dirty="0" smtClean="0">
+                <a:solidFill>
+                  <a:schemeClr val="bg1"/>
+                </a:solidFill>
+              </a:rPr>
+              <a:t>Frontend</a:t>
+            </a:r>
+            <a:endParaRPr lang="ru-RU" b="1" dirty="0">
+              <a:solidFill>
+                <a:schemeClr val="bg1"/>
+              </a:solidFill>
+            </a:endParaRPr>
+          </a:p>
+        </p:txBody>
+      </p:sp>
+      <p:sp>
+        <p:nvSpPr>
+          <p:cNvPr id="34" name="TextBox 33"/>
+          <p:cNvSpPr txBox="1"/>
+          <p:nvPr/>
+        </p:nvSpPr>
+        <p:spPr>
+          <a:xfrm>
+            <a:off x="8039537" y="1378106"/>
+            <a:ext cx="1711764" cy="342030"/>
+          </a:xfrm>
+          <a:prstGeom prst="rect">
+            <a:avLst/>
+          </a:prstGeom>
+          <a:solidFill>
+            <a:schemeClr val="accent1">
+              <a:lumMod val="50000"/>
+            </a:schemeClr>
+          </a:solidFill>
+          <a:ln>
+            <a:solidFill>
+              <a:schemeClr val="accent1">
+                <a:lumMod val="60000"/>
+                <a:lumOff val="40000"/>
+              </a:schemeClr>
+            </a:solidFill>
+          </a:ln>
+        </p:spPr>
+        <p:txBody>
+          <a:bodyPr wrap="square" rtlCol="0" anchor="ctr">
+            <a:noAutofit/>
+          </a:bodyPr>
+          <a:lstStyle>
+            <a:defPPr>
+              <a:defRPr lang="ru-RU"/>
+            </a:defPPr>
+          </a:lstStyle>
+          <a:p>
+            <a:pPr algn="ctr"/>
+            <a:r>
+              <a:rPr lang="en-US" b="1" dirty="0" smtClean="0">
+                <a:solidFill>
+                  <a:schemeClr val="bg1"/>
+                </a:solidFill>
+              </a:rPr>
+              <a:t>User case</a:t>
+            </a:r>
+            <a:endParaRPr lang="ru-RU" b="1" dirty="0">
+              <a:solidFill>
+                <a:schemeClr val="bg1"/>
+              </a:solidFill>
+            </a:endParaRPr>
+          </a:p>
+        </p:txBody>
+      </p:sp>
+      <p:sp>
+        <p:nvSpPr>
+          <p:cNvPr id="35" name="TextBox 34"/>
+          <p:cNvSpPr txBox="1"/>
+          <p:nvPr/>
+        </p:nvSpPr>
+        <p:spPr>
+          <a:xfrm>
+            <a:off x="3649796" y="1378106"/>
+            <a:ext cx="1200574" cy="342030"/>
+          </a:xfrm>
+          <a:prstGeom prst="rect">
+            <a:avLst/>
+          </a:prstGeom>
+          <a:solidFill>
+            <a:schemeClr val="accent1">
+              <a:lumMod val="50000"/>
+            </a:schemeClr>
+          </a:solidFill>
+          <a:ln>
+            <a:solidFill>
+              <a:schemeClr val="accent1">
+                <a:lumMod val="60000"/>
+                <a:lumOff val="40000"/>
+              </a:schemeClr>
+            </a:solidFill>
+          </a:ln>
+        </p:spPr>
+        <p:txBody>
+          <a:bodyPr wrap="square" rtlCol="0" anchor="ctr">
+            <a:noAutofit/>
+          </a:bodyPr>
+          <a:lstStyle>
+            <a:defPPr>
+              <a:defRPr lang="ru-RU"/>
+            </a:defPPr>
+          </a:lstStyle>
+          <a:p>
+            <a:pPr algn="ctr"/>
+            <a:r>
+              <a:rPr lang="en-US" b="1" dirty="0" smtClean="0">
+                <a:solidFill>
+                  <a:schemeClr val="bg1"/>
+                </a:solidFill>
+              </a:rPr>
+              <a:t>Scheduler</a:t>
+            </a:r>
+            <a:endParaRPr lang="ru-RU" b="1" dirty="0">
+              <a:solidFill>
+                <a:schemeClr val="bg1"/>
+              </a:solidFill>
+            </a:endParaRPr>
+          </a:p>
+        </p:txBody>
+      </p:sp>
+      <p:sp>
+        <p:nvSpPr>
+          <p:cNvPr id="36" name="TextBox 35"/>
+          <p:cNvSpPr txBox="1"/>
+          <p:nvPr/>
+        </p:nvSpPr>
+        <p:spPr>
+          <a:xfrm>
+            <a:off x="1005913" y="2590586"/>
+            <a:ext cx="1142939" cy="642447"/>
+          </a:xfrm>
+          <a:prstGeom prst="rect">
+            <a:avLst/>
+          </a:prstGeom>
+          <a:noFill/>
+          <a:ln>
+            <a:solidFill>
+              <a:schemeClr val="accent1">
+                <a:lumMod val="75000"/>
+              </a:schemeClr>
+            </a:solidFill>
+          </a:ln>
+        </p:spPr>
+        <p:txBody>
+          <a:bodyPr wrap="square" rtlCol="0" anchor="ctr">
+            <a:noAutofit/>
+          </a:bodyPr>
+          <a:lstStyle>
+            <a:defPPr>
+              <a:defRPr lang="ru-RU"/>
+            </a:defPPr>
+            <a:lvl1pPr>
+              <a:defRPr sz="1400" b="1">
+                <a:solidFill>
+                  <a:schemeClr val="accent1">
+                    <a:lumMod val="50000"/>
+                  </a:schemeClr>
+                </a:solidFill>
+              </a:defRPr>
+            </a:lvl1pPr>
+          </a:lstStyle>
+          <a:p>
+            <a:r>
+              <a:rPr lang="en-US" b="0" dirty="0"/>
+              <a:t>Other </a:t>
+            </a:r>
+            <a:r>
+              <a:rPr lang="en-US" b="0" dirty="0" smtClean="0"/>
+              <a:t>APIs</a:t>
+            </a:r>
+            <a:endParaRPr lang="ru-RU" b="0" dirty="0"/>
+          </a:p>
+        </p:txBody>
+      </p:sp>
+      <p:sp>
+        <p:nvSpPr>
+          <p:cNvPr id="39" name="TextBox 38"/>
+          <p:cNvSpPr txBox="1"/>
+          <p:nvPr/>
+        </p:nvSpPr>
+        <p:spPr>
+          <a:xfrm>
+            <a:off x="8061482" y="3477598"/>
+            <a:ext cx="1683558" cy="1750235"/>
+          </a:xfrm>
+          <a:prstGeom prst="rect">
+            <a:avLst/>
+          </a:prstGeom>
+          <a:noFill/>
+          <a:ln>
+            <a:solidFill>
+              <a:schemeClr val="accent1">
+                <a:lumMod val="75000"/>
+              </a:schemeClr>
+            </a:solidFill>
+          </a:ln>
+        </p:spPr>
+        <p:txBody>
           <a:bodyPr wrap="square" rtlCol="0">
             <a:noAutofit/>
           </a:bodyPr>
+          <a:lstStyle>
+            <a:defPPr>
+              <a:defRPr lang="ru-RU"/>
+            </a:defPPr>
+            <a:lvl1pPr>
+              <a:defRPr sz="1400" b="1">
+                <a:solidFill>
+                  <a:schemeClr val="accent1">
+                    <a:lumMod val="50000"/>
+                  </a:schemeClr>
+                </a:solidFill>
+              </a:defRPr>
+            </a:lvl1pPr>
+          </a:lstStyle>
+          <a:p>
+            <a:r>
+              <a:rPr lang="en-US" sz="1200" dirty="0" smtClean="0"/>
+              <a:t>User B:</a:t>
+            </a:r>
+          </a:p>
+          <a:p>
+            <a:pPr marL="171450" indent="-171450">
+              <a:buFontTx/>
+              <a:buChar char="-"/>
+            </a:pPr>
+            <a:r>
+              <a:rPr lang="en-US" sz="1200" b="0" dirty="0" smtClean="0"/>
+              <a:t>downloads data using pandas or R</a:t>
+            </a:r>
+          </a:p>
+          <a:p>
+            <a:pPr marL="171450" indent="-171450">
+              <a:buFontTx/>
+              <a:buChar char="-"/>
+            </a:pPr>
+            <a:r>
+              <a:rPr lang="en-US" sz="1200" b="0" dirty="0" smtClean="0"/>
+              <a:t>draws charts </a:t>
+            </a:r>
+          </a:p>
+          <a:p>
+            <a:pPr marL="171450" indent="-171450">
+              <a:buFontTx/>
+              <a:buChar char="-"/>
+            </a:pPr>
+            <a:r>
+              <a:rPr lang="en-US" sz="1200" b="0" dirty="0" smtClean="0"/>
+              <a:t>makes models</a:t>
+            </a:r>
+          </a:p>
+          <a:p>
+            <a:pPr marL="171450" indent="-171450">
+              <a:buFontTx/>
+              <a:buChar char="-"/>
+            </a:pPr>
+            <a:r>
+              <a:rPr lang="en-US" sz="1200" b="0" dirty="0" smtClean="0"/>
+              <a:t>publishes notebook or report</a:t>
+            </a:r>
+            <a:endParaRPr lang="ru-RU" sz="1200" b="0" dirty="0"/>
+          </a:p>
+        </p:txBody>
+      </p:sp>
+      <p:sp>
+        <p:nvSpPr>
+          <p:cNvPr id="40" name="TextBox 39"/>
+          <p:cNvSpPr txBox="1"/>
+          <p:nvPr/>
+        </p:nvSpPr>
+        <p:spPr>
+          <a:xfrm>
+            <a:off x="6571499" y="1866208"/>
+            <a:ext cx="1288277" cy="1377230"/>
+          </a:xfrm>
+          <a:prstGeom prst="rect">
+            <a:avLst/>
+          </a:prstGeom>
+          <a:noFill/>
+          <a:ln>
+            <a:solidFill>
+              <a:schemeClr val="accent1">
+                <a:lumMod val="75000"/>
+              </a:schemeClr>
+            </a:solidFill>
+          </a:ln>
+        </p:spPr>
+        <p:txBody>
+          <a:bodyPr wrap="square" rtlCol="0" anchor="ctr">
+            <a:noAutofit/>
+          </a:bodyPr>
+          <a:lstStyle>
+            <a:defPPr>
+              <a:defRPr lang="ru-RU"/>
+            </a:defPPr>
+            <a:lvl1pPr>
+              <a:defRPr sz="1400" b="1">
+                <a:solidFill>
+                  <a:schemeClr val="accent1">
+                    <a:lumMod val="50000"/>
+                  </a:schemeClr>
+                </a:solidFill>
+              </a:defRPr>
+            </a:lvl1pPr>
+          </a:lstStyle>
+          <a:p>
+            <a:pPr algn="ctr"/>
+            <a:r>
+              <a:rPr lang="en-US" sz="1200" b="0" dirty="0"/>
+              <a:t>Flask-based </a:t>
+            </a:r>
+            <a:br>
+              <a:rPr lang="en-US" sz="1200" b="0" dirty="0"/>
+            </a:br>
+            <a:r>
+              <a:rPr lang="en-US" sz="1200" b="0" dirty="0"/>
+              <a:t>service to browse</a:t>
+            </a:r>
+            <a:r>
+              <a:rPr lang="en-US" sz="1200" b="0" dirty="0"/>
+              <a:t>, view and download data on the web.</a:t>
+            </a:r>
+            <a:endParaRPr lang="ru-RU" sz="1200" b="0" dirty="0"/>
+          </a:p>
+          <a:p>
+            <a:pPr algn="ctr"/>
+            <a:endParaRPr lang="en-US" sz="1200" b="0" dirty="0"/>
+          </a:p>
+        </p:txBody>
+      </p:sp>
+      <p:sp>
+        <p:nvSpPr>
+          <p:cNvPr id="45" name="TextBox 44"/>
+          <p:cNvSpPr txBox="1"/>
+          <p:nvPr/>
+        </p:nvSpPr>
+        <p:spPr>
+          <a:xfrm>
+            <a:off x="5027519" y="1877411"/>
+            <a:ext cx="1368908" cy="1355624"/>
+          </a:xfrm>
+          <a:prstGeom prst="rect">
+            <a:avLst/>
+          </a:prstGeom>
+          <a:noFill/>
+          <a:ln>
+            <a:solidFill>
+              <a:schemeClr val="accent1">
+                <a:lumMod val="75000"/>
+              </a:schemeClr>
+            </a:solidFill>
+          </a:ln>
+        </p:spPr>
+        <p:txBody>
+          <a:bodyPr wrap="square" rtlCol="0" anchor="t">
+            <a:noAutofit/>
+          </a:bodyPr>
+          <a:lstStyle>
+            <a:defPPr>
+              <a:defRPr lang="ru-RU"/>
+            </a:defPPr>
+            <a:lvl1pPr>
+              <a:defRPr sz="1200" b="1">
+                <a:solidFill>
+                  <a:schemeClr val="accent1">
+                    <a:lumMod val="50000"/>
+                  </a:schemeClr>
+                </a:solidFill>
+              </a:defRPr>
+            </a:lvl1pPr>
+          </a:lstStyle>
+          <a:p>
+            <a:r>
+              <a:rPr lang="en-US" b="0" dirty="0"/>
+              <a:t>One table with fields for ‘name’, ‘</a:t>
+            </a:r>
+            <a:r>
+              <a:rPr lang="en-US" b="0" dirty="0" err="1"/>
+              <a:t>freq</a:t>
+            </a:r>
+            <a:r>
+              <a:rPr lang="en-US" b="0" dirty="0"/>
+              <a:t>’, ‘date’ and ‘value’.</a:t>
+            </a:r>
+            <a:endParaRPr lang="ru-RU" b="0" dirty="0"/>
+          </a:p>
+        </p:txBody>
+      </p:sp>
+      <p:sp>
+        <p:nvSpPr>
+          <p:cNvPr id="3" name="Прямоугольник 2"/>
+          <p:cNvSpPr/>
+          <p:nvPr/>
+        </p:nvSpPr>
+        <p:spPr>
+          <a:xfrm>
+            <a:off x="3580208" y="3301611"/>
+            <a:ext cx="1296883" cy="276999"/>
+          </a:xfrm>
+          <a:prstGeom prst="rect">
+            <a:avLst/>
+          </a:prstGeom>
+        </p:spPr>
+        <p:txBody>
+          <a:bodyPr wrap="square">
+            <a:spAutoFit/>
+          </a:bodyPr>
           <a:lstStyle/>
           <a:p>
             <a:r>
-              <a:rPr lang="en-US" dirty="0" smtClean="0"/>
-              <a:t>Browse data on the web</a:t>
+              <a:rPr lang="en-US" sz="1200" b="1" dirty="0" smtClean="0">
+                <a:solidFill>
+                  <a:schemeClr val="accent1">
+                    <a:lumMod val="50000"/>
+                  </a:schemeClr>
+                </a:solidFill>
+              </a:rPr>
+              <a:t>Upload (POST) </a:t>
+            </a:r>
+            <a:endParaRPr lang="ru-RU" sz="1200" dirty="0">
+              <a:solidFill>
+                <a:schemeClr val="accent1">
+                  <a:lumMod val="50000"/>
+                </a:schemeClr>
+              </a:solidFill>
+            </a:endParaRPr>
+          </a:p>
+        </p:txBody>
+      </p:sp>
+      <p:sp>
+        <p:nvSpPr>
+          <p:cNvPr id="47" name="Прямоугольник 46"/>
+          <p:cNvSpPr/>
+          <p:nvPr/>
+        </p:nvSpPr>
+        <p:spPr>
+          <a:xfrm>
+            <a:off x="4978022" y="3301611"/>
+            <a:ext cx="1350555" cy="276999"/>
+          </a:xfrm>
+          <a:prstGeom prst="rect">
+            <a:avLst/>
+          </a:prstGeom>
+        </p:spPr>
+        <p:txBody>
+          <a:bodyPr wrap="square">
+            <a:spAutoFit/>
+          </a:bodyPr>
+          <a:lstStyle/>
+          <a:p>
+            <a:r>
+              <a:rPr lang="en-US" sz="1200" b="1" dirty="0" smtClean="0">
+                <a:solidFill>
+                  <a:schemeClr val="accent1">
+                    <a:lumMod val="50000"/>
+                  </a:schemeClr>
+                </a:solidFill>
+              </a:rPr>
+              <a:t>Retrieve (GET) </a:t>
+            </a:r>
+            <a:endParaRPr lang="ru-RU" sz="1200" dirty="0">
+              <a:solidFill>
+                <a:schemeClr val="accent1">
+                  <a:lumMod val="50000"/>
+                </a:schemeClr>
+              </a:solidFill>
+            </a:endParaRPr>
+          </a:p>
+        </p:txBody>
+      </p:sp>
+      <p:sp>
+        <p:nvSpPr>
+          <p:cNvPr id="4" name="Равнобедренный треугольник 3"/>
+          <p:cNvSpPr/>
+          <p:nvPr/>
+        </p:nvSpPr>
+        <p:spPr>
+          <a:xfrm>
+            <a:off x="7064060" y="3347863"/>
+            <a:ext cx="211016" cy="123842"/>
+          </a:xfrm>
+          <a:prstGeom prst="triangle">
+            <a:avLst/>
+          </a:prstGeom>
+          <a:solidFill>
+            <a:schemeClr val="accent1">
+              <a:lumMod val="50000"/>
+            </a:schemeClr>
+          </a:solidFill>
+          <a:ln>
+            <a:solidFill>
+              <a:schemeClr val="accent1">
+                <a:lumMod val="60000"/>
+                <a:lumOff val="40000"/>
+              </a:schemeClr>
+            </a:solidFill>
+          </a:ln>
+        </p:spPr>
+        <p:txBody>
+          <a:bodyPr wrap="square" rtlCol="0" anchor="ctr">
+            <a:noAutofit/>
+          </a:bodyPr>
+          <a:lstStyle/>
+          <a:p>
+            <a:pPr algn="ctr"/>
+            <a:endParaRPr lang="ru-RU" b="1">
+              <a:solidFill>
+                <a:schemeClr val="bg1"/>
+              </a:solidFill>
+            </a:endParaRPr>
+          </a:p>
+        </p:txBody>
+      </p:sp>
+      <p:sp>
+        <p:nvSpPr>
+          <p:cNvPr id="48" name="Равнобедренный треугольник 47"/>
+          <p:cNvSpPr/>
+          <p:nvPr/>
+        </p:nvSpPr>
+        <p:spPr>
+          <a:xfrm rot="5400000">
+            <a:off x="7710908" y="4936529"/>
+            <a:ext cx="211016" cy="123842"/>
+          </a:xfrm>
+          <a:prstGeom prst="triangle">
+            <a:avLst/>
+          </a:prstGeom>
+          <a:solidFill>
+            <a:schemeClr val="accent1">
+              <a:lumMod val="50000"/>
+            </a:schemeClr>
+          </a:solidFill>
+          <a:ln>
+            <a:solidFill>
+              <a:schemeClr val="accent1">
+                <a:lumMod val="60000"/>
+                <a:lumOff val="40000"/>
+              </a:schemeClr>
+            </a:solidFill>
+          </a:ln>
+        </p:spPr>
+        <p:txBody>
+          <a:bodyPr wrap="square" rtlCol="0" anchor="ctr">
+            <a:noAutofit/>
+          </a:bodyPr>
+          <a:lstStyle/>
+          <a:p>
+            <a:pPr algn="ctr"/>
+            <a:endParaRPr lang="ru-RU" b="1">
+              <a:solidFill>
+                <a:schemeClr val="bg1"/>
+              </a:solidFill>
+            </a:endParaRPr>
+          </a:p>
+        </p:txBody>
+      </p:sp>
+      <p:sp>
+        <p:nvSpPr>
+          <p:cNvPr id="49" name="TextBox 48"/>
+          <p:cNvSpPr txBox="1"/>
+          <p:nvPr/>
+        </p:nvSpPr>
+        <p:spPr>
+          <a:xfrm>
+            <a:off x="3632983" y="5431022"/>
+            <a:ext cx="3983299" cy="324361"/>
+          </a:xfrm>
+          <a:prstGeom prst="rect">
+            <a:avLst/>
+          </a:prstGeom>
+          <a:solidFill>
+            <a:schemeClr val="accent1">
+              <a:lumMod val="50000"/>
+            </a:schemeClr>
+          </a:solidFill>
+          <a:ln>
+            <a:solidFill>
+              <a:schemeClr val="accent1">
+                <a:lumMod val="60000"/>
+                <a:lumOff val="40000"/>
+              </a:schemeClr>
+            </a:solidFill>
+          </a:ln>
+        </p:spPr>
+        <p:txBody>
+          <a:bodyPr wrap="square" rtlCol="0" anchor="ctr">
+            <a:noAutofit/>
+          </a:bodyPr>
+          <a:lstStyle>
+            <a:defPPr>
+              <a:defRPr lang="ru-RU"/>
+            </a:defPPr>
+          </a:lstStyle>
+          <a:p>
+            <a:pPr algn="ctr"/>
+            <a:r>
+              <a:rPr lang="en-US" sz="1600" b="1" dirty="0" smtClean="0">
+                <a:solidFill>
+                  <a:schemeClr val="bg1"/>
+                </a:solidFill>
+              </a:rPr>
+              <a:t>Database</a:t>
+            </a:r>
+            <a:r>
+              <a:rPr lang="ru-RU" sz="1600" b="1" dirty="0" smtClean="0">
+                <a:solidFill>
+                  <a:schemeClr val="bg1"/>
+                </a:solidFill>
+              </a:rPr>
+              <a:t> </a:t>
+            </a:r>
+            <a:r>
+              <a:rPr lang="en-US" sz="1600" b="1" dirty="0" smtClean="0">
+                <a:solidFill>
+                  <a:schemeClr val="bg1"/>
+                </a:solidFill>
+              </a:rPr>
+              <a:t>API</a:t>
+            </a:r>
+            <a:endParaRPr lang="ru-RU" sz="1600" b="1" dirty="0">
+              <a:solidFill>
+                <a:schemeClr val="bg1"/>
+              </a:solidFill>
+            </a:endParaRPr>
+          </a:p>
+        </p:txBody>
+      </p:sp>
+      <p:sp>
+        <p:nvSpPr>
+          <p:cNvPr id="51" name="TextBox 50"/>
+          <p:cNvSpPr txBox="1"/>
+          <p:nvPr/>
+        </p:nvSpPr>
+        <p:spPr>
+          <a:xfrm>
+            <a:off x="1043553" y="3583744"/>
+            <a:ext cx="2406077" cy="317311"/>
+          </a:xfrm>
+          <a:prstGeom prst="rect">
+            <a:avLst/>
+          </a:prstGeom>
+          <a:solidFill>
+            <a:schemeClr val="accent1">
+              <a:lumMod val="50000"/>
+            </a:schemeClr>
+          </a:solidFill>
+          <a:ln>
+            <a:solidFill>
+              <a:schemeClr val="accent1">
+                <a:lumMod val="60000"/>
+                <a:lumOff val="40000"/>
+              </a:schemeClr>
+            </a:solidFill>
+          </a:ln>
+        </p:spPr>
+        <p:txBody>
+          <a:bodyPr wrap="square" rtlCol="0" anchor="ctr">
+            <a:noAutofit/>
+          </a:bodyPr>
+          <a:lstStyle>
+            <a:defPPr>
+              <a:defRPr lang="ru-RU"/>
+            </a:defPPr>
+            <a:lvl1pPr algn="ctr">
+              <a:defRPr b="1">
+                <a:solidFill>
+                  <a:schemeClr val="bg1"/>
+                </a:solidFill>
+              </a:defRPr>
+            </a:lvl1pPr>
+          </a:lstStyle>
+          <a:p>
+            <a:r>
+              <a:rPr lang="en-US" dirty="0"/>
+              <a:t>Data model</a:t>
             </a:r>
             <a:endParaRPr lang="ru-RU" dirty="0"/>
+          </a:p>
+        </p:txBody>
+      </p:sp>
+      <p:sp>
+        <p:nvSpPr>
+          <p:cNvPr id="52" name="Прямоугольник 51"/>
+          <p:cNvSpPr/>
+          <p:nvPr/>
+        </p:nvSpPr>
+        <p:spPr>
+          <a:xfrm>
+            <a:off x="1043553" y="3969667"/>
+            <a:ext cx="2406286" cy="1793728"/>
+          </a:xfrm>
+          <a:prstGeom prst="rect">
+            <a:avLst/>
+          </a:prstGeom>
+          <a:noFill/>
+          <a:ln>
+            <a:solidFill>
+              <a:schemeClr val="accent1">
+                <a:lumMod val="75000"/>
+              </a:schemeClr>
+            </a:solidFill>
+          </a:ln>
+        </p:spPr>
+        <p:txBody>
+          <a:bodyPr wrap="square" rtlCol="0" anchor="t">
+            <a:noAutofit/>
+          </a:bodyPr>
+          <a:lstStyle/>
+          <a:p>
+            <a:pPr marL="171450" indent="-171450">
+              <a:buFont typeface="Arial" panose="020B0604020202020204" pitchFamily="34" charset="0"/>
+              <a:buChar char="•"/>
+            </a:pPr>
+            <a:r>
+              <a:rPr lang="en-US" sz="1200" dirty="0" smtClean="0">
+                <a:solidFill>
+                  <a:schemeClr val="accent1">
+                    <a:lumMod val="50000"/>
+                  </a:schemeClr>
+                </a:solidFill>
+              </a:rPr>
+              <a:t>Every </a:t>
+            </a:r>
+            <a:r>
+              <a:rPr lang="en-US" sz="1200" dirty="0" err="1">
+                <a:solidFill>
+                  <a:schemeClr val="accent1">
+                    <a:lumMod val="50000"/>
+                  </a:schemeClr>
+                </a:solidFill>
+              </a:rPr>
+              <a:t>datapoint</a:t>
+            </a:r>
+            <a:r>
+              <a:rPr lang="en-US" sz="1200" dirty="0">
+                <a:solidFill>
+                  <a:schemeClr val="accent1">
+                    <a:lumMod val="50000"/>
+                  </a:schemeClr>
+                </a:solidFill>
+              </a:rPr>
+              <a:t> </a:t>
+            </a:r>
+            <a:r>
+              <a:rPr lang="en-US" sz="1200" dirty="0" smtClean="0">
+                <a:solidFill>
+                  <a:schemeClr val="accent1">
+                    <a:lumMod val="50000"/>
+                  </a:schemeClr>
+                </a:solidFill>
+              </a:rPr>
+              <a:t>is </a:t>
+            </a:r>
+            <a:r>
+              <a:rPr lang="en-US" sz="1200" dirty="0">
+                <a:solidFill>
+                  <a:schemeClr val="accent1">
+                    <a:lumMod val="50000"/>
+                  </a:schemeClr>
+                </a:solidFill>
+              </a:rPr>
+              <a:t>represented by a dictionary </a:t>
+            </a:r>
+            <a:r>
+              <a:rPr lang="en-US" sz="1200" dirty="0" smtClean="0">
+                <a:solidFill>
+                  <a:schemeClr val="accent1">
+                    <a:lumMod val="50000"/>
+                  </a:schemeClr>
+                </a:solidFill>
+              </a:rPr>
+              <a:t>with ‘name</a:t>
+            </a:r>
+            <a:r>
+              <a:rPr lang="en-US" sz="1200" dirty="0">
+                <a:solidFill>
+                  <a:schemeClr val="accent1">
+                    <a:lumMod val="50000"/>
+                  </a:schemeClr>
+                </a:solidFill>
+              </a:rPr>
+              <a:t>’, ‘</a:t>
+            </a:r>
+            <a:r>
+              <a:rPr lang="en-US" sz="1200" dirty="0" err="1">
+                <a:solidFill>
+                  <a:schemeClr val="accent1">
+                    <a:lumMod val="50000"/>
+                  </a:schemeClr>
+                </a:solidFill>
+              </a:rPr>
+              <a:t>freq</a:t>
+            </a:r>
+            <a:r>
+              <a:rPr lang="en-US" sz="1200" dirty="0">
+                <a:solidFill>
+                  <a:schemeClr val="accent1">
+                    <a:lumMod val="50000"/>
+                  </a:schemeClr>
+                </a:solidFill>
+              </a:rPr>
+              <a:t>’, ‘date’, ‘value’ </a:t>
+            </a:r>
+            <a:r>
+              <a:rPr lang="en-US" sz="1200" dirty="0" smtClean="0">
+                <a:solidFill>
+                  <a:schemeClr val="accent1">
+                    <a:lumMod val="50000"/>
+                  </a:schemeClr>
+                </a:solidFill>
+              </a:rPr>
+              <a:t>keys</a:t>
+            </a:r>
+          </a:p>
+          <a:p>
+            <a:pPr marL="171450" indent="-171450">
+              <a:buFont typeface="Arial" panose="020B0604020202020204" pitchFamily="34" charset="0"/>
+              <a:buChar char="•"/>
+            </a:pPr>
+            <a:r>
+              <a:rPr lang="en-US" sz="1200" dirty="0" smtClean="0">
+                <a:solidFill>
+                  <a:schemeClr val="accent1">
+                    <a:lumMod val="50000"/>
+                  </a:schemeClr>
+                </a:solidFill>
+              </a:rPr>
+              <a:t>‘name’ has </a:t>
+            </a:r>
+            <a:r>
+              <a:rPr lang="en-US" sz="1200" i="1" dirty="0" err="1" smtClean="0">
+                <a:solidFill>
+                  <a:schemeClr val="accent1">
+                    <a:lumMod val="50000"/>
+                  </a:schemeClr>
+                </a:solidFill>
+              </a:rPr>
+              <a:t>VARNAMES_unit</a:t>
+            </a:r>
+            <a:r>
+              <a:rPr lang="en-US" sz="1200" i="1" dirty="0" smtClean="0">
+                <a:solidFill>
+                  <a:schemeClr val="accent1">
+                    <a:lumMod val="50000"/>
+                  </a:schemeClr>
+                </a:solidFill>
+              </a:rPr>
+              <a:t> </a:t>
+            </a:r>
+            <a:r>
+              <a:rPr lang="en-US" sz="1200" dirty="0" smtClean="0">
+                <a:solidFill>
+                  <a:schemeClr val="accent1">
+                    <a:lumMod val="50000"/>
+                  </a:schemeClr>
+                </a:solidFill>
+              </a:rPr>
+              <a:t>format</a:t>
+            </a:r>
+            <a:endParaRPr lang="ru-RU" sz="1200" dirty="0">
+              <a:solidFill>
+                <a:schemeClr val="accent1">
+                  <a:lumMod val="50000"/>
+                </a:schemeClr>
+              </a:solidFill>
+            </a:endParaRPr>
+          </a:p>
+        </p:txBody>
+      </p:sp>
+      <p:sp>
+        <p:nvSpPr>
+          <p:cNvPr id="53" name="TextBox 52"/>
+          <p:cNvSpPr txBox="1"/>
+          <p:nvPr/>
+        </p:nvSpPr>
+        <p:spPr>
+          <a:xfrm>
+            <a:off x="9943451" y="1836243"/>
+            <a:ext cx="1100716" cy="3369859"/>
+          </a:xfrm>
+          <a:prstGeom prst="rect">
+            <a:avLst/>
+          </a:prstGeom>
+          <a:noFill/>
+          <a:ln>
+            <a:solidFill>
+              <a:schemeClr val="accent1">
+                <a:lumMod val="75000"/>
+              </a:schemeClr>
+            </a:solidFill>
+          </a:ln>
+        </p:spPr>
+        <p:txBody>
+          <a:bodyPr wrap="square" rtlCol="0" anchor="ctr">
+            <a:noAutofit/>
+          </a:bodyPr>
+          <a:lstStyle>
+            <a:defPPr>
+              <a:defRPr lang="ru-RU"/>
+            </a:defPPr>
+            <a:lvl1pPr algn="ctr">
+              <a:defRPr sz="1200" b="0">
+                <a:solidFill>
+                  <a:schemeClr val="accent1">
+                    <a:lumMod val="50000"/>
+                  </a:schemeClr>
+                </a:solidFill>
+              </a:defRPr>
+            </a:lvl1pPr>
+          </a:lstStyle>
+          <a:p>
+            <a:r>
+              <a:rPr lang="en-US" dirty="0" err="1"/>
+              <a:t>Visualisation</a:t>
+            </a:r>
+            <a:endParaRPr lang="ru-RU" dirty="0"/>
+          </a:p>
+        </p:txBody>
+      </p:sp>
+      <p:sp>
+        <p:nvSpPr>
+          <p:cNvPr id="55" name="TextBox 54"/>
+          <p:cNvSpPr txBox="1"/>
+          <p:nvPr/>
+        </p:nvSpPr>
+        <p:spPr>
+          <a:xfrm>
+            <a:off x="9889898" y="1384604"/>
+            <a:ext cx="1161147" cy="342030"/>
+          </a:xfrm>
+          <a:prstGeom prst="rect">
+            <a:avLst/>
+          </a:prstGeom>
+          <a:solidFill>
+            <a:schemeClr val="accent1">
+              <a:lumMod val="50000"/>
+            </a:schemeClr>
+          </a:solidFill>
+          <a:ln>
+            <a:solidFill>
+              <a:schemeClr val="accent1">
+                <a:lumMod val="60000"/>
+                <a:lumOff val="40000"/>
+              </a:schemeClr>
+            </a:solidFill>
+          </a:ln>
+        </p:spPr>
+        <p:txBody>
+          <a:bodyPr wrap="square" rtlCol="0" anchor="ctr">
+            <a:noAutofit/>
+          </a:bodyPr>
+          <a:lstStyle>
+            <a:defPPr>
+              <a:defRPr lang="ru-RU"/>
+            </a:defPPr>
+          </a:lstStyle>
+          <a:p>
+            <a:pPr algn="ctr"/>
+            <a:r>
+              <a:rPr lang="en-US" b="1" dirty="0" err="1" smtClean="0">
+                <a:solidFill>
+                  <a:schemeClr val="bg1"/>
+                </a:solidFill>
+              </a:rPr>
+              <a:t>Viz</a:t>
+            </a:r>
+            <a:endParaRPr lang="ru-RU" b="1" dirty="0">
+              <a:solidFill>
+                <a:schemeClr val="bg1"/>
+              </a:solidFill>
+            </a:endParaRPr>
+          </a:p>
+        </p:txBody>
+      </p:sp>
+      <p:sp>
+        <p:nvSpPr>
+          <p:cNvPr id="56" name="TextBox 55"/>
+          <p:cNvSpPr txBox="1"/>
+          <p:nvPr/>
+        </p:nvSpPr>
+        <p:spPr>
+          <a:xfrm>
+            <a:off x="1001502" y="875674"/>
+            <a:ext cx="2488850" cy="342030"/>
+          </a:xfrm>
+          <a:prstGeom prst="rect">
+            <a:avLst/>
+          </a:prstGeom>
+          <a:noFill/>
+          <a:ln>
+            <a:noFill/>
+          </a:ln>
+        </p:spPr>
+        <p:txBody>
+          <a:bodyPr wrap="square" rtlCol="0" anchor="ctr">
+            <a:noAutofit/>
+          </a:bodyPr>
+          <a:lstStyle>
+            <a:defPPr>
+              <a:defRPr lang="ru-RU"/>
+            </a:defPPr>
+          </a:lstStyle>
+          <a:p>
+            <a:r>
+              <a:rPr lang="en-US" b="1" dirty="0" err="1" smtClean="0">
+                <a:solidFill>
+                  <a:schemeClr val="accent1">
+                    <a:lumMod val="50000"/>
+                  </a:schemeClr>
+                </a:solidFill>
+              </a:rPr>
+              <a:t>Minikep</a:t>
+            </a:r>
+            <a:r>
+              <a:rPr lang="en-US" b="1" dirty="0" smtClean="0">
+                <a:solidFill>
+                  <a:schemeClr val="accent1">
+                    <a:lumMod val="50000"/>
+                  </a:schemeClr>
+                </a:solidFill>
+              </a:rPr>
+              <a:t> data pipeline</a:t>
+            </a:r>
+            <a:endParaRPr lang="ru-RU" b="1" dirty="0">
+              <a:solidFill>
+                <a:schemeClr val="accent1">
+                  <a:lumMod val="50000"/>
+                </a:schemeClr>
+              </a:solidFill>
+            </a:endParaRPr>
+          </a:p>
+        </p:txBody>
+      </p:sp>
+      <p:sp>
+        <p:nvSpPr>
+          <p:cNvPr id="57" name="TextBox 56"/>
+          <p:cNvSpPr txBox="1"/>
+          <p:nvPr/>
+        </p:nvSpPr>
+        <p:spPr>
+          <a:xfrm>
+            <a:off x="8592044" y="5440026"/>
+            <a:ext cx="2379311" cy="419520"/>
+          </a:xfrm>
+          <a:prstGeom prst="rect">
+            <a:avLst/>
+          </a:prstGeom>
+          <a:noFill/>
+          <a:ln>
+            <a:noFill/>
+          </a:ln>
+        </p:spPr>
+        <p:txBody>
+          <a:bodyPr wrap="square" rtlCol="0" anchor="ctr">
+            <a:noAutofit/>
+          </a:bodyPr>
+          <a:lstStyle>
+            <a:defPPr>
+              <a:defRPr lang="ru-RU"/>
+            </a:defPPr>
+          </a:lstStyle>
+          <a:p>
+            <a:pPr algn="r"/>
+            <a:r>
+              <a:rPr lang="en-US" sz="1200" dirty="0" smtClean="0">
+                <a:solidFill>
+                  <a:schemeClr val="accent1">
+                    <a:lumMod val="50000"/>
+                  </a:schemeClr>
+                </a:solidFill>
+              </a:rPr>
+              <a:t>Last edited: October 30, 2017</a:t>
+            </a:r>
+            <a:endParaRPr lang="ru-RU" sz="1200" dirty="0">
+              <a:solidFill>
+                <a:schemeClr val="accent1">
+                  <a:lumMod val="50000"/>
+                </a:schemeClr>
+              </a:solidFill>
+            </a:endParaRPr>
+          </a:p>
+        </p:txBody>
+      </p:sp>
+      <p:sp>
+        <p:nvSpPr>
+          <p:cNvPr id="60" name="Равнобедренный треугольник 59"/>
+          <p:cNvSpPr/>
+          <p:nvPr/>
+        </p:nvSpPr>
+        <p:spPr>
+          <a:xfrm rot="10800000">
+            <a:off x="7064060" y="4539081"/>
+            <a:ext cx="252000" cy="123842"/>
+          </a:xfrm>
+          <a:prstGeom prst="triangle">
+            <a:avLst/>
+          </a:prstGeom>
+          <a:solidFill>
+            <a:schemeClr val="accent1">
+              <a:lumMod val="50000"/>
+            </a:schemeClr>
+          </a:solidFill>
+          <a:ln>
+            <a:solidFill>
+              <a:schemeClr val="accent1">
+                <a:lumMod val="60000"/>
+                <a:lumOff val="40000"/>
+              </a:schemeClr>
+            </a:solidFill>
+          </a:ln>
+        </p:spPr>
+        <p:txBody>
+          <a:bodyPr wrap="square" rtlCol="0" anchor="ctr">
+            <a:noAutofit/>
+          </a:bodyPr>
+          <a:lstStyle/>
+          <a:p>
+            <a:pPr algn="ctr"/>
+            <a:endParaRPr lang="ru-RU" b="1">
+              <a:solidFill>
+                <a:schemeClr val="bg1"/>
+              </a:solidFill>
+            </a:endParaRPr>
           </a:p>
         </p:txBody>
       </p:sp>
     </p:spTree>
     <p:extLst>
       <p:ext uri="{BB962C8B-B14F-4D97-AF65-F5344CB8AC3E}">
-        <p14:creationId xmlns:p14="http://schemas.microsoft.com/office/powerpoint/2010/main" val="1919002539"/>
+        <p14:creationId xmlns:p14="http://schemas.microsoft.com/office/powerpoint/2010/main" val="2828584255"/>
       </p:ext>
     </p:extLst>
   </p:cSld>

--- a/map.pptx
+++ b/map.pptx
@@ -5,11 +5,12 @@
     <p:sldMasterId id="2147483648" r:id="rId1"/>
   </p:sldMasterIdLst>
   <p:notesMasterIdLst>
-    <p:notesMasterId r:id="rId4"/>
+    <p:notesMasterId r:id="rId5"/>
   </p:notesMasterIdLst>
   <p:sldIdLst>
     <p:sldId id="257" r:id="rId2"/>
     <p:sldId id="259" r:id="rId3"/>
+    <p:sldId id="260" r:id="rId4"/>
   </p:sldIdLst>
   <p:sldSz cx="12192000" cy="6858000"/>
   <p:notesSz cx="6858000" cy="9144000"/>
@@ -116,7 +117,7 @@
             <a:srgbClr val="A4A3A4"/>
           </p15:clr>
         </p15:guide>
-        <p15:guide id="2" pos="3795" userDrawn="1">
+        <p15:guide id="2" pos="619" userDrawn="1">
           <p15:clr>
             <a:srgbClr val="A4A3A4"/>
           </p15:clr>
@@ -223,7 +224,7 @@
           <a:p>
             <a:fld id="{573D5B0D-F674-4196-80C5-F4D3D91B1BAE}" type="datetimeFigureOut">
               <a:rPr lang="ru-RU" smtClean="0"/>
-              <a:t>29.10.2017</a:t>
+              <a:t>04.11.2017</a:t>
             </a:fld>
             <a:endParaRPr lang="ru-RU"/>
           </a:p>
@@ -659,6 +660,90 @@
 </p:notes>
 </file>
 
+<file path=ppt/notesSlides/notesSlide3.xml><?xml version="1.0" encoding="utf-8"?>
+<p:notes xmlns:a="http://schemas.openxmlformats.org/drawingml/2006/main" xmlns:r="http://schemas.openxmlformats.org/officeDocument/2006/relationships" xmlns:p="http://schemas.openxmlformats.org/presentationml/2006/main">
+  <p:cSld>
+    <p:spTree>
+      <p:nvGrpSpPr>
+        <p:cNvPr id="1" name=""/>
+        <p:cNvGrpSpPr/>
+        <p:nvPr/>
+      </p:nvGrpSpPr>
+      <p:grpSpPr>
+        <a:xfrm>
+          <a:off x="0" y="0"/>
+          <a:ext cx="0" cy="0"/>
+          <a:chOff x="0" y="0"/>
+          <a:chExt cx="0" cy="0"/>
+        </a:xfrm>
+      </p:grpSpPr>
+      <p:sp>
+        <p:nvSpPr>
+          <p:cNvPr id="2" name="Образ слайда 1"/>
+          <p:cNvSpPr>
+            <a:spLocks noGrp="1" noRot="1" noChangeAspect="1"/>
+          </p:cNvSpPr>
+          <p:nvPr>
+            <p:ph type="sldImg"/>
+          </p:nvPr>
+        </p:nvSpPr>
+        <p:spPr/>
+      </p:sp>
+      <p:sp>
+        <p:nvSpPr>
+          <p:cNvPr id="3" name="Заметки 2"/>
+          <p:cNvSpPr>
+            <a:spLocks noGrp="1"/>
+          </p:cNvSpPr>
+          <p:nvPr>
+            <p:ph type="body" idx="1"/>
+          </p:nvPr>
+        </p:nvSpPr>
+        <p:spPr/>
+        <p:txBody>
+          <a:bodyPr/>
+          <a:lstStyle/>
+          <a:p>
+            <a:endParaRPr lang="ru-RU"/>
+          </a:p>
+        </p:txBody>
+      </p:sp>
+      <p:sp>
+        <p:nvSpPr>
+          <p:cNvPr id="4" name="Номер слайда 3"/>
+          <p:cNvSpPr>
+            <a:spLocks noGrp="1"/>
+          </p:cNvSpPr>
+          <p:nvPr>
+            <p:ph type="sldNum" sz="quarter" idx="10"/>
+          </p:nvPr>
+        </p:nvSpPr>
+        <p:spPr/>
+        <p:txBody>
+          <a:bodyPr/>
+          <a:lstStyle/>
+          <a:p>
+            <a:fld id="{1EE182AC-F58A-4909-8484-CDC7E5932FCA}" type="slidenum">
+              <a:rPr lang="ru-RU" smtClean="0"/>
+              <a:t>3</a:t>
+            </a:fld>
+            <a:endParaRPr lang="ru-RU"/>
+          </a:p>
+        </p:txBody>
+      </p:sp>
+    </p:spTree>
+    <p:extLst>
+      <p:ext uri="{BB962C8B-B14F-4D97-AF65-F5344CB8AC3E}">
+        <p14:creationId xmlns:p14="http://schemas.microsoft.com/office/powerpoint/2010/main" val="450889019"/>
+      </p:ext>
+    </p:extLst>
+  </p:cSld>
+  <p:clrMapOvr>
+    <a:masterClrMapping/>
+  </p:clrMapOvr>
+</p:notes>
+</file>
+
 <file path=ppt/slideLayouts/slideLayout1.xml><?xml version="1.0" encoding="utf-8"?>
 <p:sldLayout xmlns:a="http://schemas.openxmlformats.org/drawingml/2006/main" xmlns:r="http://schemas.openxmlformats.org/officeDocument/2006/relationships" xmlns:p="http://schemas.openxmlformats.org/presentationml/2006/main" type="title" preserve="1">
   <p:cSld name="Титульный слайд">
@@ -790,7 +875,7 @@
           <a:p>
             <a:fld id="{EBEEA62A-6F29-4A21-B196-732B57BF6BDE}" type="datetimeFigureOut">
               <a:rPr lang="ru-RU" smtClean="0"/>
-              <a:t>29.10.2017</a:t>
+              <a:t>04.11.2017</a:t>
             </a:fld>
             <a:endParaRPr lang="ru-RU"/>
           </a:p>
@@ -960,7 +1045,7 @@
           <a:p>
             <a:fld id="{EBEEA62A-6F29-4A21-B196-732B57BF6BDE}" type="datetimeFigureOut">
               <a:rPr lang="ru-RU" smtClean="0"/>
-              <a:t>29.10.2017</a:t>
+              <a:t>04.11.2017</a:t>
             </a:fld>
             <a:endParaRPr lang="ru-RU"/>
           </a:p>
@@ -1140,7 +1225,7 @@
           <a:p>
             <a:fld id="{EBEEA62A-6F29-4A21-B196-732B57BF6BDE}" type="datetimeFigureOut">
               <a:rPr lang="ru-RU" smtClean="0"/>
-              <a:t>29.10.2017</a:t>
+              <a:t>04.11.2017</a:t>
             </a:fld>
             <a:endParaRPr lang="ru-RU"/>
           </a:p>
@@ -1310,7 +1395,7 @@
           <a:p>
             <a:fld id="{EBEEA62A-6F29-4A21-B196-732B57BF6BDE}" type="datetimeFigureOut">
               <a:rPr lang="ru-RU" smtClean="0"/>
-              <a:t>29.10.2017</a:t>
+              <a:t>04.11.2017</a:t>
             </a:fld>
             <a:endParaRPr lang="ru-RU"/>
           </a:p>
@@ -1556,7 +1641,7 @@
           <a:p>
             <a:fld id="{EBEEA62A-6F29-4A21-B196-732B57BF6BDE}" type="datetimeFigureOut">
               <a:rPr lang="ru-RU" smtClean="0"/>
-              <a:t>29.10.2017</a:t>
+              <a:t>04.11.2017</a:t>
             </a:fld>
             <a:endParaRPr lang="ru-RU"/>
           </a:p>
@@ -1788,7 +1873,7 @@
           <a:p>
             <a:fld id="{EBEEA62A-6F29-4A21-B196-732B57BF6BDE}" type="datetimeFigureOut">
               <a:rPr lang="ru-RU" smtClean="0"/>
-              <a:t>29.10.2017</a:t>
+              <a:t>04.11.2017</a:t>
             </a:fld>
             <a:endParaRPr lang="ru-RU"/>
           </a:p>
@@ -2155,7 +2240,7 @@
           <a:p>
             <a:fld id="{EBEEA62A-6F29-4A21-B196-732B57BF6BDE}" type="datetimeFigureOut">
               <a:rPr lang="ru-RU" smtClean="0"/>
-              <a:t>29.10.2017</a:t>
+              <a:t>04.11.2017</a:t>
             </a:fld>
             <a:endParaRPr lang="ru-RU"/>
           </a:p>
@@ -2273,7 +2358,7 @@
           <a:p>
             <a:fld id="{EBEEA62A-6F29-4A21-B196-732B57BF6BDE}" type="datetimeFigureOut">
               <a:rPr lang="ru-RU" smtClean="0"/>
-              <a:t>29.10.2017</a:t>
+              <a:t>04.11.2017</a:t>
             </a:fld>
             <a:endParaRPr lang="ru-RU"/>
           </a:p>
@@ -2368,7 +2453,7 @@
           <a:p>
             <a:fld id="{EBEEA62A-6F29-4A21-B196-732B57BF6BDE}" type="datetimeFigureOut">
               <a:rPr lang="ru-RU" smtClean="0"/>
-              <a:t>29.10.2017</a:t>
+              <a:t>04.11.2017</a:t>
             </a:fld>
             <a:endParaRPr lang="ru-RU"/>
           </a:p>
@@ -2645,7 +2730,7 @@
           <a:p>
             <a:fld id="{EBEEA62A-6F29-4A21-B196-732B57BF6BDE}" type="datetimeFigureOut">
               <a:rPr lang="ru-RU" smtClean="0"/>
-              <a:t>29.10.2017</a:t>
+              <a:t>04.11.2017</a:t>
             </a:fld>
             <a:endParaRPr lang="ru-RU"/>
           </a:p>
@@ -2898,7 +2983,7 @@
           <a:p>
             <a:fld id="{EBEEA62A-6F29-4A21-B196-732B57BF6BDE}" type="datetimeFigureOut">
               <a:rPr lang="ru-RU" smtClean="0"/>
-              <a:t>29.10.2017</a:t>
+              <a:t>04.11.2017</a:t>
             </a:fld>
             <a:endParaRPr lang="ru-RU"/>
           </a:p>
@@ -3111,7 +3196,7 @@
           <a:p>
             <a:fld id="{EBEEA62A-6F29-4A21-B196-732B57BF6BDE}" type="datetimeFigureOut">
               <a:rPr lang="ru-RU" smtClean="0"/>
-              <a:t>29.10.2017</a:t>
+              <a:t>04.11.2017</a:t>
             </a:fld>
             <a:endParaRPr lang="ru-RU"/>
           </a:p>
@@ -5089,23 +5174,7 @@
           <a:p>
             <a:r>
               <a:rPr lang="en-US" dirty="0"/>
-              <a:t>Collect data </a:t>
-            </a:r>
-            <a:r>
-              <a:rPr lang="en-US" dirty="0"/>
-              <a:t>from </a:t>
-            </a:r>
-            <a:r>
-              <a:rPr lang="en-US" dirty="0"/>
-              <a:t>sources </a:t>
-            </a:r>
-            <a:r>
-              <a:rPr lang="en-US" dirty="0"/>
-              <a:t>and </a:t>
-            </a:r>
-            <a:r>
-              <a:rPr lang="en-US" dirty="0"/>
-              <a:t>extract </a:t>
+              <a:t>Collect data from sources and extract </a:t>
             </a:r>
             <a:r>
               <a:rPr lang="en-US" dirty="0" err="1" smtClean="0"/>
@@ -5808,11 +5877,7 @@
             </a:br>
             <a:r>
               <a:rPr lang="en-US" sz="1200" b="0" dirty="0"/>
-              <a:t>service to browse</a:t>
-            </a:r>
-            <a:r>
-              <a:rPr lang="en-US" sz="1200" b="0" dirty="0"/>
-              <a:t>, view and download data on the web.</a:t>
+              <a:t>service to browse, view and download data on the web.</a:t>
             </a:r>
             <a:endParaRPr lang="ru-RU" sz="1200" b="0" dirty="0"/>
           </a:p>
@@ -6622,6 +6687,2142 @@
     <p:extLst>
       <p:ext uri="{BB962C8B-B14F-4D97-AF65-F5344CB8AC3E}">
         <p14:creationId xmlns:p14="http://schemas.microsoft.com/office/powerpoint/2010/main" val="2828584255"/>
+      </p:ext>
+    </p:extLst>
+  </p:cSld>
+  <p:clrMapOvr>
+    <a:masterClrMapping/>
+  </p:clrMapOvr>
+  <p:timing>
+    <p:tnLst>
+      <p:par>
+        <p:cTn id="1" dur="indefinite" restart="never" nodeType="tmRoot"/>
+      </p:par>
+    </p:tnLst>
+  </p:timing>
+</p:sld>
+</file>
+
+<file path=ppt/slides/slide3.xml><?xml version="1.0" encoding="utf-8"?>
+<p:sld xmlns:a="http://schemas.openxmlformats.org/drawingml/2006/main" xmlns:r="http://schemas.openxmlformats.org/officeDocument/2006/relationships" xmlns:p="http://schemas.openxmlformats.org/presentationml/2006/main">
+  <p:cSld>
+    <p:spTree>
+      <p:nvGrpSpPr>
+        <p:cNvPr id="1" name=""/>
+        <p:cNvGrpSpPr/>
+        <p:nvPr/>
+      </p:nvGrpSpPr>
+      <p:grpSpPr>
+        <a:xfrm>
+          <a:off x="0" y="0"/>
+          <a:ext cx="0" cy="0"/>
+          <a:chOff x="0" y="0"/>
+          <a:chExt cx="0" cy="0"/>
+        </a:xfrm>
+      </p:grpSpPr>
+      <p:sp>
+        <p:nvSpPr>
+          <p:cNvPr id="2" name="Прямоугольник 1"/>
+          <p:cNvSpPr/>
+          <p:nvPr/>
+        </p:nvSpPr>
+        <p:spPr>
+          <a:xfrm>
+            <a:off x="-754743" y="-1838883"/>
+            <a:ext cx="6342743" cy="10770389"/>
+          </a:xfrm>
+          <a:prstGeom prst="rect">
+            <a:avLst/>
+          </a:prstGeom>
+          <a:solidFill>
+            <a:schemeClr val="accent1">
+              <a:lumMod val="40000"/>
+              <a:lumOff val="60000"/>
+            </a:schemeClr>
+          </a:solidFill>
+          <a:ln>
+            <a:solidFill>
+              <a:schemeClr val="accent1">
+                <a:lumMod val="40000"/>
+                <a:lumOff val="60000"/>
+              </a:schemeClr>
+            </a:solidFill>
+          </a:ln>
+        </p:spPr>
+        <p:style>
+          <a:lnRef idx="2">
+            <a:schemeClr val="accent1">
+              <a:shade val="50000"/>
+            </a:schemeClr>
+          </a:lnRef>
+          <a:fillRef idx="1">
+            <a:schemeClr val="accent1"/>
+          </a:fillRef>
+          <a:effectRef idx="0">
+            <a:schemeClr val="accent1"/>
+          </a:effectRef>
+          <a:fontRef idx="minor">
+            <a:schemeClr val="lt1"/>
+          </a:fontRef>
+        </p:style>
+        <p:txBody>
+          <a:bodyPr rtlCol="0" anchor="ctr"/>
+          <a:lstStyle/>
+          <a:p>
+            <a:pPr algn="ctr"/>
+            <a:endParaRPr lang="ru-RU"/>
+          </a:p>
+        </p:txBody>
+      </p:sp>
+      <p:sp>
+        <p:nvSpPr>
+          <p:cNvPr id="12" name="TextBox 11"/>
+          <p:cNvSpPr txBox="1"/>
+          <p:nvPr/>
+        </p:nvSpPr>
+        <p:spPr>
+          <a:xfrm>
+            <a:off x="924625" y="6450862"/>
+            <a:ext cx="1964414" cy="1391336"/>
+          </a:xfrm>
+          <a:prstGeom prst="rect">
+            <a:avLst/>
+          </a:prstGeom>
+          <a:noFill/>
+          <a:ln>
+            <a:solidFill>
+              <a:schemeClr val="accent1">
+                <a:lumMod val="75000"/>
+              </a:schemeClr>
+            </a:solidFill>
+          </a:ln>
+        </p:spPr>
+        <p:txBody>
+          <a:bodyPr wrap="square" rtlCol="0">
+            <a:noAutofit/>
+          </a:bodyPr>
+          <a:lstStyle>
+            <a:defPPr>
+              <a:defRPr lang="ru-RU"/>
+            </a:defPPr>
+            <a:lvl1pPr>
+              <a:defRPr sz="1400" b="1">
+                <a:solidFill>
+                  <a:schemeClr val="accent1">
+                    <a:lumMod val="50000"/>
+                  </a:schemeClr>
+                </a:solidFill>
+              </a:defRPr>
+            </a:lvl1pPr>
+          </a:lstStyle>
+          <a:p>
+            <a:r>
+              <a:rPr lang="en-US" sz="1200" dirty="0" smtClean="0"/>
+              <a:t>User A:</a:t>
+            </a:r>
+          </a:p>
+          <a:p>
+            <a:r>
+              <a:rPr lang="en-US" sz="1200" b="0" dirty="0" smtClean="0"/>
+              <a:t>- comes to a web site</a:t>
+            </a:r>
+          </a:p>
+          <a:p>
+            <a:r>
+              <a:rPr lang="en-US" sz="1200" b="0" dirty="0" smtClean="0"/>
+              <a:t>- selects a variable</a:t>
+            </a:r>
+          </a:p>
+          <a:p>
+            <a:r>
+              <a:rPr lang="en-US" sz="1200" b="0" dirty="0" smtClean="0"/>
+              <a:t>- views the chart</a:t>
+            </a:r>
+          </a:p>
+          <a:p>
+            <a:r>
+              <a:rPr lang="en-US" sz="1200" b="0" dirty="0" smtClean="0"/>
+              <a:t>- reads variable info</a:t>
+            </a:r>
+            <a:endParaRPr lang="en-US" sz="1200" b="0" dirty="0"/>
+          </a:p>
+          <a:p>
+            <a:r>
+              <a:rPr lang="en-US" sz="1200" b="0" dirty="0" smtClean="0"/>
+              <a:t>- downloads data locally</a:t>
+            </a:r>
+          </a:p>
+          <a:p>
+            <a:r>
+              <a:rPr lang="en-US" sz="1200" b="0" dirty="0" smtClean="0"/>
+              <a:t>- shares chart on FB</a:t>
+            </a:r>
+            <a:endParaRPr lang="ru-RU" sz="1200" b="0" dirty="0"/>
+          </a:p>
+        </p:txBody>
+      </p:sp>
+      <p:sp>
+        <p:nvSpPr>
+          <p:cNvPr id="20" name="TextBox 19"/>
+          <p:cNvSpPr txBox="1"/>
+          <p:nvPr/>
+        </p:nvSpPr>
+        <p:spPr>
+          <a:xfrm>
+            <a:off x="894495" y="3754927"/>
+            <a:ext cx="2582235" cy="436937"/>
+          </a:xfrm>
+          <a:prstGeom prst="rect">
+            <a:avLst/>
+          </a:prstGeom>
+          <a:noFill/>
+          <a:ln>
+            <a:solidFill>
+              <a:schemeClr val="accent1">
+                <a:lumMod val="75000"/>
+              </a:schemeClr>
+            </a:solidFill>
+          </a:ln>
+        </p:spPr>
+        <p:txBody>
+          <a:bodyPr wrap="square" rtlCol="0" anchor="ctr">
+            <a:noAutofit/>
+          </a:bodyPr>
+          <a:lstStyle>
+            <a:defPPr>
+              <a:defRPr lang="ru-RU"/>
+            </a:defPPr>
+            <a:lvl1pPr>
+              <a:defRPr sz="1200" b="0">
+                <a:solidFill>
+                  <a:schemeClr val="accent1">
+                    <a:lumMod val="50000"/>
+                  </a:schemeClr>
+                </a:solidFill>
+              </a:defRPr>
+            </a:lvl1pPr>
+          </a:lstStyle>
+          <a:p>
+            <a:r>
+              <a:rPr lang="en-US" b="1" dirty="0" err="1" smtClean="0"/>
+              <a:t>ru</a:t>
+            </a:r>
+            <a:r>
+              <a:rPr lang="en-US" b="1" dirty="0" smtClean="0"/>
+              <a:t>/series/VARNAME - </a:t>
+            </a:r>
+            <a:r>
+              <a:rPr lang="en-US" dirty="0" smtClean="0"/>
+              <a:t>shorter </a:t>
+            </a:r>
+            <a:r>
+              <a:rPr lang="en-US" dirty="0"/>
+              <a:t>URL syntax </a:t>
+            </a:r>
+            <a:r>
+              <a:rPr lang="en-US" dirty="0" smtClean="0"/>
+              <a:t>for </a:t>
+            </a:r>
+            <a:r>
+              <a:rPr lang="en-US" i="1" dirty="0" err="1" smtClean="0"/>
+              <a:t>datapoint</a:t>
+            </a:r>
+            <a:r>
+              <a:rPr lang="en-US" dirty="0" smtClean="0"/>
+              <a:t> and </a:t>
+            </a:r>
+            <a:r>
+              <a:rPr lang="en-US" i="1" dirty="0" smtClean="0"/>
+              <a:t>info</a:t>
+            </a:r>
+            <a:r>
+              <a:rPr lang="en-US" dirty="0" smtClean="0"/>
+              <a:t> methods</a:t>
+            </a:r>
+            <a:endParaRPr lang="ru-RU" dirty="0"/>
+          </a:p>
+        </p:txBody>
+      </p:sp>
+      <p:sp>
+        <p:nvSpPr>
+          <p:cNvPr id="22" name="TextBox 21"/>
+          <p:cNvSpPr txBox="1"/>
+          <p:nvPr/>
+        </p:nvSpPr>
+        <p:spPr>
+          <a:xfrm>
+            <a:off x="912613" y="2767293"/>
+            <a:ext cx="2564117" cy="689672"/>
+          </a:xfrm>
+          <a:prstGeom prst="rect">
+            <a:avLst/>
+          </a:prstGeom>
+          <a:noFill/>
+          <a:ln>
+            <a:solidFill>
+              <a:schemeClr val="accent1">
+                <a:lumMod val="75000"/>
+              </a:schemeClr>
+            </a:solidFill>
+          </a:ln>
+        </p:spPr>
+        <p:txBody>
+          <a:bodyPr wrap="square" rtlCol="0" anchor="ctr">
+            <a:noAutofit/>
+          </a:bodyPr>
+          <a:lstStyle>
+            <a:defPPr>
+              <a:defRPr lang="ru-RU"/>
+            </a:defPPr>
+            <a:lvl1pPr>
+              <a:defRPr sz="1200" b="0">
+                <a:solidFill>
+                  <a:schemeClr val="accent1">
+                    <a:lumMod val="50000"/>
+                  </a:schemeClr>
+                </a:solidFill>
+              </a:defRPr>
+            </a:lvl1pPr>
+          </a:lstStyle>
+          <a:p>
+            <a:r>
+              <a:rPr lang="en-US" b="1" dirty="0" err="1"/>
+              <a:t>api</a:t>
+            </a:r>
+            <a:r>
+              <a:rPr lang="en-US" b="1" dirty="0"/>
+              <a:t>/</a:t>
+            </a:r>
+            <a:r>
+              <a:rPr lang="en-US" b="1" dirty="0" err="1"/>
+              <a:t>datapoints</a:t>
+            </a:r>
+            <a:r>
+              <a:rPr lang="en-US" b="1" dirty="0"/>
+              <a:t> </a:t>
+            </a:r>
+            <a:r>
+              <a:rPr lang="en-US" dirty="0"/>
+              <a:t>– get time series data</a:t>
+            </a:r>
+          </a:p>
+          <a:p>
+            <a:r>
+              <a:rPr lang="en-US" b="1" dirty="0" err="1" smtClean="0"/>
+              <a:t>api</a:t>
+            </a:r>
+            <a:r>
+              <a:rPr lang="en-US" b="1" dirty="0" smtClean="0"/>
+              <a:t>/info </a:t>
+            </a:r>
+            <a:r>
+              <a:rPr lang="en-US" dirty="0" smtClean="0"/>
+              <a:t>– show variable info </a:t>
+            </a:r>
+          </a:p>
+          <a:p>
+            <a:r>
+              <a:rPr lang="en-US" b="1" dirty="0" err="1" smtClean="0"/>
+              <a:t>api</a:t>
+            </a:r>
+            <a:r>
+              <a:rPr lang="en-US" b="1" dirty="0" smtClean="0"/>
+              <a:t>/names </a:t>
+            </a:r>
+            <a:r>
+              <a:rPr lang="en-US" dirty="0" smtClean="0"/>
+              <a:t>– list available variables</a:t>
+            </a:r>
+            <a:endParaRPr lang="ru-RU" dirty="0"/>
+          </a:p>
+        </p:txBody>
+      </p:sp>
+      <p:sp>
+        <p:nvSpPr>
+          <p:cNvPr id="42" name="TextBox 41"/>
+          <p:cNvSpPr txBox="1"/>
+          <p:nvPr/>
+        </p:nvSpPr>
+        <p:spPr>
+          <a:xfrm>
+            <a:off x="3540462" y="-705498"/>
+            <a:ext cx="1569648" cy="1005561"/>
+          </a:xfrm>
+          <a:prstGeom prst="rect">
+            <a:avLst/>
+          </a:prstGeom>
+          <a:noFill/>
+          <a:ln>
+            <a:solidFill>
+              <a:schemeClr val="accent1">
+                <a:lumMod val="75000"/>
+              </a:schemeClr>
+            </a:solidFill>
+          </a:ln>
+        </p:spPr>
+        <p:txBody>
+          <a:bodyPr wrap="square" rtlCol="0" anchor="t">
+            <a:noAutofit/>
+          </a:bodyPr>
+          <a:lstStyle>
+            <a:defPPr>
+              <a:defRPr lang="ru-RU"/>
+            </a:defPPr>
+            <a:lvl1pPr>
+              <a:defRPr sz="1200" b="0">
+                <a:solidFill>
+                  <a:schemeClr val="accent1">
+                    <a:lumMod val="50000"/>
+                  </a:schemeClr>
+                </a:solidFill>
+              </a:defRPr>
+            </a:lvl1pPr>
+          </a:lstStyle>
+          <a:p>
+            <a:r>
+              <a:rPr lang="en-US" dirty="0" smtClean="0"/>
+              <a:t>Run </a:t>
+            </a:r>
+            <a:r>
+              <a:rPr lang="en-US" dirty="0"/>
+              <a:t>parsers periodically and </a:t>
+            </a:r>
+            <a:r>
+              <a:rPr lang="en-US" dirty="0" smtClean="0"/>
+              <a:t>upload parser output to </a:t>
+            </a:r>
+            <a:r>
+              <a:rPr lang="en-US" dirty="0"/>
+              <a:t>database.</a:t>
+            </a:r>
+            <a:endParaRPr lang="ru-RU" dirty="0"/>
+          </a:p>
+        </p:txBody>
+      </p:sp>
+      <p:sp>
+        <p:nvSpPr>
+          <p:cNvPr id="43" name="TextBox 42"/>
+          <p:cNvSpPr txBox="1"/>
+          <p:nvPr/>
+        </p:nvSpPr>
+        <p:spPr>
+          <a:xfrm>
+            <a:off x="2180443" y="-703792"/>
+            <a:ext cx="1200574" cy="1005123"/>
+          </a:xfrm>
+          <a:prstGeom prst="rect">
+            <a:avLst/>
+          </a:prstGeom>
+          <a:noFill/>
+          <a:ln>
+            <a:solidFill>
+              <a:schemeClr val="accent1">
+                <a:lumMod val="75000"/>
+              </a:schemeClr>
+            </a:solidFill>
+          </a:ln>
+        </p:spPr>
+        <p:txBody>
+          <a:bodyPr wrap="square" rtlCol="0" anchor="t">
+            <a:noAutofit/>
+          </a:bodyPr>
+          <a:lstStyle>
+            <a:defPPr>
+              <a:defRPr lang="ru-RU"/>
+            </a:defPPr>
+            <a:lvl1pPr>
+              <a:defRPr sz="1200" b="0">
+                <a:solidFill>
+                  <a:schemeClr val="accent1">
+                    <a:lumMod val="50000"/>
+                  </a:schemeClr>
+                </a:solidFill>
+              </a:defRPr>
+            </a:lvl1pPr>
+          </a:lstStyle>
+          <a:p>
+            <a:r>
+              <a:rPr lang="en-US" dirty="0"/>
+              <a:t>Collect data from sources and extract </a:t>
+            </a:r>
+            <a:r>
+              <a:rPr lang="en-US" dirty="0" err="1" smtClean="0"/>
+              <a:t>datapoints</a:t>
+            </a:r>
+            <a:r>
+              <a:rPr lang="en-US" dirty="0" smtClean="0"/>
+              <a:t>.</a:t>
+            </a:r>
+            <a:endParaRPr lang="en-US" dirty="0"/>
+          </a:p>
+        </p:txBody>
+      </p:sp>
+      <p:sp>
+        <p:nvSpPr>
+          <p:cNvPr id="46" name="TextBox 45"/>
+          <p:cNvSpPr txBox="1"/>
+          <p:nvPr/>
+        </p:nvSpPr>
+        <p:spPr>
+          <a:xfrm>
+            <a:off x="896578" y="-1203869"/>
+            <a:ext cx="1142939" cy="342030"/>
+          </a:xfrm>
+          <a:prstGeom prst="rect">
+            <a:avLst/>
+          </a:prstGeom>
+          <a:solidFill>
+            <a:schemeClr val="accent1">
+              <a:lumMod val="50000"/>
+            </a:schemeClr>
+          </a:solidFill>
+          <a:ln>
+            <a:solidFill>
+              <a:schemeClr val="accent1">
+                <a:lumMod val="60000"/>
+                <a:lumOff val="40000"/>
+              </a:schemeClr>
+            </a:solidFill>
+          </a:ln>
+        </p:spPr>
+        <p:txBody>
+          <a:bodyPr wrap="square" rtlCol="0" anchor="ctr">
+            <a:noAutofit/>
+          </a:bodyPr>
+          <a:lstStyle>
+            <a:defPPr>
+              <a:defRPr lang="ru-RU"/>
+            </a:defPPr>
+          </a:lstStyle>
+          <a:p>
+            <a:pPr algn="ctr"/>
+            <a:r>
+              <a:rPr lang="en-US" b="1" dirty="0">
+                <a:solidFill>
+                  <a:schemeClr val="bg1"/>
+                </a:solidFill>
+              </a:rPr>
+              <a:t>Sources</a:t>
+            </a:r>
+            <a:endParaRPr lang="ru-RU" b="1" dirty="0">
+              <a:solidFill>
+                <a:schemeClr val="bg1"/>
+              </a:solidFill>
+            </a:endParaRPr>
+          </a:p>
+        </p:txBody>
+      </p:sp>
+      <p:sp>
+        <p:nvSpPr>
+          <p:cNvPr id="14" name="TextBox 13"/>
+          <p:cNvSpPr txBox="1"/>
+          <p:nvPr/>
+        </p:nvSpPr>
+        <p:spPr>
+          <a:xfrm>
+            <a:off x="834345" y="3476447"/>
+            <a:ext cx="2564117" cy="202150"/>
+          </a:xfrm>
+          <a:prstGeom prst="rect">
+            <a:avLst/>
+          </a:prstGeom>
+          <a:noFill/>
+          <a:ln>
+            <a:noFill/>
+            <a:prstDash val="dash"/>
+          </a:ln>
+        </p:spPr>
+        <p:txBody>
+          <a:bodyPr wrap="square" rtlCol="0">
+            <a:noAutofit/>
+          </a:bodyPr>
+          <a:lstStyle>
+            <a:defPPr>
+              <a:defRPr lang="ru-RU"/>
+            </a:defPPr>
+          </a:lstStyle>
+          <a:p>
+            <a:r>
+              <a:rPr lang="en-US" sz="1200" b="1" dirty="0">
+                <a:solidFill>
+                  <a:schemeClr val="accent1">
+                    <a:lumMod val="50000"/>
+                  </a:schemeClr>
+                </a:solidFill>
+              </a:rPr>
+              <a:t>Custom </a:t>
+            </a:r>
+            <a:r>
+              <a:rPr lang="en-US" sz="1200" b="1" dirty="0" smtClean="0">
+                <a:solidFill>
+                  <a:schemeClr val="accent1">
+                    <a:lumMod val="50000"/>
+                  </a:schemeClr>
+                </a:solidFill>
+              </a:rPr>
+              <a:t>API (GET)</a:t>
+            </a:r>
+            <a:endParaRPr lang="ru-RU" sz="1200" b="1" dirty="0">
+              <a:solidFill>
+                <a:schemeClr val="accent1">
+                  <a:lumMod val="50000"/>
+                </a:schemeClr>
+              </a:solidFill>
+            </a:endParaRPr>
+          </a:p>
+        </p:txBody>
+      </p:sp>
+      <p:sp>
+        <p:nvSpPr>
+          <p:cNvPr id="61" name="TextBox 60"/>
+          <p:cNvSpPr txBox="1"/>
+          <p:nvPr/>
+        </p:nvSpPr>
+        <p:spPr>
+          <a:xfrm>
+            <a:off x="3661522" y="2761388"/>
+            <a:ext cx="1439808" cy="1430476"/>
+          </a:xfrm>
+          <a:prstGeom prst="rect">
+            <a:avLst/>
+          </a:prstGeom>
+          <a:noFill/>
+          <a:ln>
+            <a:solidFill>
+              <a:schemeClr val="accent1">
+                <a:lumMod val="75000"/>
+              </a:schemeClr>
+            </a:solidFill>
+          </a:ln>
+        </p:spPr>
+        <p:txBody>
+          <a:bodyPr wrap="square" rtlCol="0" anchor="t">
+            <a:noAutofit/>
+          </a:bodyPr>
+          <a:lstStyle>
+            <a:defPPr>
+              <a:defRPr lang="ru-RU"/>
+            </a:defPPr>
+            <a:lvl1pPr>
+              <a:defRPr sz="1200" b="0">
+                <a:solidFill>
+                  <a:schemeClr val="accent1">
+                    <a:lumMod val="50000"/>
+                  </a:schemeClr>
+                </a:solidFill>
+              </a:defRPr>
+            </a:lvl1pPr>
+          </a:lstStyle>
+          <a:p>
+            <a:r>
+              <a:rPr lang="en-US" dirty="0" smtClean="0"/>
+              <a:t>Insert </a:t>
+            </a:r>
+            <a:r>
+              <a:rPr lang="en-US" dirty="0"/>
+              <a:t>incoming dictionaries to database, overwriting existing data.</a:t>
+            </a:r>
+            <a:endParaRPr lang="ru-RU" dirty="0"/>
+          </a:p>
+        </p:txBody>
+      </p:sp>
+      <p:sp>
+        <p:nvSpPr>
+          <p:cNvPr id="64" name="TextBox 63"/>
+          <p:cNvSpPr txBox="1"/>
+          <p:nvPr/>
+        </p:nvSpPr>
+        <p:spPr>
+          <a:xfrm>
+            <a:off x="896579" y="-703791"/>
+            <a:ext cx="1142939" cy="434522"/>
+          </a:xfrm>
+          <a:prstGeom prst="rect">
+            <a:avLst/>
+          </a:prstGeom>
+          <a:noFill/>
+          <a:ln>
+            <a:solidFill>
+              <a:schemeClr val="accent1">
+                <a:lumMod val="75000"/>
+              </a:schemeClr>
+            </a:solidFill>
+          </a:ln>
+        </p:spPr>
+        <p:txBody>
+          <a:bodyPr wrap="square" rtlCol="0" anchor="ctr">
+            <a:noAutofit/>
+          </a:bodyPr>
+          <a:lstStyle>
+            <a:defPPr>
+              <a:defRPr lang="ru-RU"/>
+            </a:defPPr>
+            <a:lvl1pPr>
+              <a:defRPr b="1">
+                <a:solidFill>
+                  <a:schemeClr val="accent1">
+                    <a:lumMod val="50000"/>
+                  </a:schemeClr>
+                </a:solidFill>
+              </a:defRPr>
+            </a:lvl1pPr>
+          </a:lstStyle>
+          <a:p>
+            <a:r>
+              <a:rPr lang="en-US" sz="1400" b="0" dirty="0" smtClean="0"/>
+              <a:t>Statics files</a:t>
+            </a:r>
+          </a:p>
+        </p:txBody>
+      </p:sp>
+      <p:sp>
+        <p:nvSpPr>
+          <p:cNvPr id="30" name="TextBox 29"/>
+          <p:cNvSpPr txBox="1"/>
+          <p:nvPr/>
+        </p:nvSpPr>
+        <p:spPr>
+          <a:xfrm>
+            <a:off x="2180443" y="-1207492"/>
+            <a:ext cx="1200574" cy="342030"/>
+          </a:xfrm>
+          <a:prstGeom prst="rect">
+            <a:avLst/>
+          </a:prstGeom>
+          <a:solidFill>
+            <a:schemeClr val="accent1">
+              <a:lumMod val="50000"/>
+            </a:schemeClr>
+          </a:solidFill>
+          <a:ln>
+            <a:solidFill>
+              <a:schemeClr val="accent1">
+                <a:lumMod val="60000"/>
+                <a:lumOff val="40000"/>
+              </a:schemeClr>
+            </a:solidFill>
+          </a:ln>
+        </p:spPr>
+        <p:txBody>
+          <a:bodyPr wrap="square" rtlCol="0" anchor="ctr">
+            <a:noAutofit/>
+          </a:bodyPr>
+          <a:lstStyle>
+            <a:defPPr>
+              <a:defRPr lang="ru-RU"/>
+            </a:defPPr>
+          </a:lstStyle>
+          <a:p>
+            <a:pPr algn="ctr"/>
+            <a:r>
+              <a:rPr lang="en-US" b="1" dirty="0" smtClean="0">
+                <a:solidFill>
+                  <a:schemeClr val="bg1"/>
+                </a:solidFill>
+              </a:rPr>
+              <a:t>Parsers</a:t>
+            </a:r>
+            <a:endParaRPr lang="ru-RU" b="1" dirty="0">
+              <a:solidFill>
+                <a:schemeClr val="bg1"/>
+              </a:solidFill>
+            </a:endParaRPr>
+          </a:p>
+        </p:txBody>
+      </p:sp>
+      <p:sp>
+        <p:nvSpPr>
+          <p:cNvPr id="31" name="TextBox 30"/>
+          <p:cNvSpPr txBox="1"/>
+          <p:nvPr/>
+        </p:nvSpPr>
+        <p:spPr>
+          <a:xfrm>
+            <a:off x="3550705" y="562930"/>
+            <a:ext cx="1557323" cy="332806"/>
+          </a:xfrm>
+          <a:prstGeom prst="rect">
+            <a:avLst/>
+          </a:prstGeom>
+          <a:solidFill>
+            <a:schemeClr val="accent1">
+              <a:lumMod val="50000"/>
+            </a:schemeClr>
+          </a:solidFill>
+          <a:ln>
+            <a:solidFill>
+              <a:schemeClr val="accent1">
+                <a:lumMod val="60000"/>
+                <a:lumOff val="40000"/>
+              </a:schemeClr>
+            </a:solidFill>
+          </a:ln>
+        </p:spPr>
+        <p:txBody>
+          <a:bodyPr wrap="square" rtlCol="0" anchor="ctr">
+            <a:noAutofit/>
+          </a:bodyPr>
+          <a:lstStyle>
+            <a:defPPr>
+              <a:defRPr lang="ru-RU"/>
+            </a:defPPr>
+            <a:lvl1pPr algn="ctr">
+              <a:defRPr b="1">
+                <a:solidFill>
+                  <a:schemeClr val="bg1"/>
+                </a:solidFill>
+              </a:defRPr>
+            </a:lvl1pPr>
+          </a:lstStyle>
+          <a:p>
+            <a:r>
+              <a:rPr lang="en-US" dirty="0"/>
+              <a:t>S</a:t>
+            </a:r>
+            <a:r>
+              <a:rPr lang="en-US" dirty="0" smtClean="0"/>
+              <a:t>chema</a:t>
+            </a:r>
+            <a:endParaRPr lang="ru-RU" dirty="0"/>
+          </a:p>
+        </p:txBody>
+      </p:sp>
+      <p:sp>
+        <p:nvSpPr>
+          <p:cNvPr id="33" name="TextBox 32"/>
+          <p:cNvSpPr txBox="1"/>
+          <p:nvPr/>
+        </p:nvSpPr>
+        <p:spPr>
+          <a:xfrm>
+            <a:off x="903274" y="4402317"/>
+            <a:ext cx="1985766" cy="342030"/>
+          </a:xfrm>
+          <a:prstGeom prst="rect">
+            <a:avLst/>
+          </a:prstGeom>
+          <a:solidFill>
+            <a:schemeClr val="accent1">
+              <a:lumMod val="50000"/>
+            </a:schemeClr>
+          </a:solidFill>
+          <a:ln>
+            <a:solidFill>
+              <a:schemeClr val="accent1">
+                <a:lumMod val="60000"/>
+                <a:lumOff val="40000"/>
+              </a:schemeClr>
+            </a:solidFill>
+          </a:ln>
+        </p:spPr>
+        <p:txBody>
+          <a:bodyPr wrap="square" rtlCol="0" anchor="ctr">
+            <a:noAutofit/>
+          </a:bodyPr>
+          <a:lstStyle>
+            <a:defPPr>
+              <a:defRPr lang="ru-RU"/>
+            </a:defPPr>
+          </a:lstStyle>
+          <a:p>
+            <a:pPr algn="ctr"/>
+            <a:r>
+              <a:rPr lang="en-US" b="1" dirty="0" smtClean="0">
+                <a:solidFill>
+                  <a:schemeClr val="bg1"/>
+                </a:solidFill>
+              </a:rPr>
+              <a:t>Frontend</a:t>
+            </a:r>
+            <a:endParaRPr lang="ru-RU" b="1" dirty="0">
+              <a:solidFill>
+                <a:schemeClr val="bg1"/>
+              </a:solidFill>
+            </a:endParaRPr>
+          </a:p>
+        </p:txBody>
+      </p:sp>
+      <p:sp>
+        <p:nvSpPr>
+          <p:cNvPr id="34" name="TextBox 33"/>
+          <p:cNvSpPr txBox="1"/>
+          <p:nvPr/>
+        </p:nvSpPr>
+        <p:spPr>
+          <a:xfrm>
+            <a:off x="894497" y="6003931"/>
+            <a:ext cx="4213531" cy="342030"/>
+          </a:xfrm>
+          <a:prstGeom prst="rect">
+            <a:avLst/>
+          </a:prstGeom>
+          <a:solidFill>
+            <a:schemeClr val="accent1">
+              <a:lumMod val="50000"/>
+            </a:schemeClr>
+          </a:solidFill>
+          <a:ln>
+            <a:solidFill>
+              <a:schemeClr val="accent1">
+                <a:lumMod val="60000"/>
+                <a:lumOff val="40000"/>
+              </a:schemeClr>
+            </a:solidFill>
+          </a:ln>
+        </p:spPr>
+        <p:txBody>
+          <a:bodyPr wrap="square" rtlCol="0" anchor="ctr">
+            <a:noAutofit/>
+          </a:bodyPr>
+          <a:lstStyle>
+            <a:defPPr>
+              <a:defRPr lang="ru-RU"/>
+            </a:defPPr>
+          </a:lstStyle>
+          <a:p>
+            <a:pPr algn="ctr"/>
+            <a:r>
+              <a:rPr lang="en-US" b="1" dirty="0" smtClean="0">
+                <a:solidFill>
+                  <a:schemeClr val="bg1"/>
+                </a:solidFill>
+              </a:rPr>
+              <a:t>User case</a:t>
+            </a:r>
+            <a:endParaRPr lang="ru-RU" b="1" dirty="0">
+              <a:solidFill>
+                <a:schemeClr val="bg1"/>
+              </a:solidFill>
+            </a:endParaRPr>
+          </a:p>
+        </p:txBody>
+      </p:sp>
+      <p:sp>
+        <p:nvSpPr>
+          <p:cNvPr id="35" name="TextBox 34"/>
+          <p:cNvSpPr txBox="1"/>
+          <p:nvPr/>
+        </p:nvSpPr>
+        <p:spPr>
+          <a:xfrm>
+            <a:off x="3540460" y="-1208760"/>
+            <a:ext cx="1569649" cy="342030"/>
+          </a:xfrm>
+          <a:prstGeom prst="rect">
+            <a:avLst/>
+          </a:prstGeom>
+          <a:solidFill>
+            <a:schemeClr val="accent1">
+              <a:lumMod val="50000"/>
+            </a:schemeClr>
+          </a:solidFill>
+          <a:ln>
+            <a:solidFill>
+              <a:schemeClr val="accent1">
+                <a:lumMod val="60000"/>
+                <a:lumOff val="40000"/>
+              </a:schemeClr>
+            </a:solidFill>
+          </a:ln>
+        </p:spPr>
+        <p:txBody>
+          <a:bodyPr wrap="square" rtlCol="0" anchor="ctr">
+            <a:noAutofit/>
+          </a:bodyPr>
+          <a:lstStyle>
+            <a:defPPr>
+              <a:defRPr lang="ru-RU"/>
+            </a:defPPr>
+          </a:lstStyle>
+          <a:p>
+            <a:pPr algn="ctr"/>
+            <a:r>
+              <a:rPr lang="en-US" b="1" dirty="0" smtClean="0">
+                <a:solidFill>
+                  <a:schemeClr val="bg1"/>
+                </a:solidFill>
+              </a:rPr>
+              <a:t>Scheduler</a:t>
+            </a:r>
+            <a:endParaRPr lang="ru-RU" b="1" dirty="0">
+              <a:solidFill>
+                <a:schemeClr val="bg1"/>
+              </a:solidFill>
+            </a:endParaRPr>
+          </a:p>
+        </p:txBody>
+      </p:sp>
+      <p:sp>
+        <p:nvSpPr>
+          <p:cNvPr id="36" name="TextBox 35"/>
+          <p:cNvSpPr txBox="1"/>
+          <p:nvPr/>
+        </p:nvSpPr>
+        <p:spPr>
+          <a:xfrm>
+            <a:off x="896578" y="-144394"/>
+            <a:ext cx="1142939" cy="444458"/>
+          </a:xfrm>
+          <a:prstGeom prst="rect">
+            <a:avLst/>
+          </a:prstGeom>
+          <a:noFill/>
+          <a:ln>
+            <a:solidFill>
+              <a:schemeClr val="accent1">
+                <a:lumMod val="75000"/>
+              </a:schemeClr>
+            </a:solidFill>
+          </a:ln>
+        </p:spPr>
+        <p:txBody>
+          <a:bodyPr wrap="square" rtlCol="0" anchor="ctr">
+            <a:noAutofit/>
+          </a:bodyPr>
+          <a:lstStyle>
+            <a:defPPr>
+              <a:defRPr lang="ru-RU"/>
+            </a:defPPr>
+            <a:lvl1pPr>
+              <a:defRPr sz="1400" b="1">
+                <a:solidFill>
+                  <a:schemeClr val="accent1">
+                    <a:lumMod val="50000"/>
+                  </a:schemeClr>
+                </a:solidFill>
+              </a:defRPr>
+            </a:lvl1pPr>
+          </a:lstStyle>
+          <a:p>
+            <a:r>
+              <a:rPr lang="en-US" b="0" dirty="0"/>
+              <a:t>Other </a:t>
+            </a:r>
+            <a:r>
+              <a:rPr lang="en-US" b="0" dirty="0" smtClean="0"/>
+              <a:t>APIs</a:t>
+            </a:r>
+            <a:endParaRPr lang="ru-RU" b="0" dirty="0"/>
+          </a:p>
+        </p:txBody>
+      </p:sp>
+      <p:sp>
+        <p:nvSpPr>
+          <p:cNvPr id="39" name="TextBox 38"/>
+          <p:cNvSpPr txBox="1"/>
+          <p:nvPr/>
+        </p:nvSpPr>
+        <p:spPr>
+          <a:xfrm>
+            <a:off x="3143917" y="6443811"/>
+            <a:ext cx="1957415" cy="1398387"/>
+          </a:xfrm>
+          <a:prstGeom prst="rect">
+            <a:avLst/>
+          </a:prstGeom>
+          <a:noFill/>
+          <a:ln>
+            <a:solidFill>
+              <a:schemeClr val="accent1">
+                <a:lumMod val="75000"/>
+              </a:schemeClr>
+            </a:solidFill>
+          </a:ln>
+        </p:spPr>
+        <p:txBody>
+          <a:bodyPr wrap="square" rtlCol="0">
+            <a:noAutofit/>
+          </a:bodyPr>
+          <a:lstStyle>
+            <a:defPPr>
+              <a:defRPr lang="ru-RU"/>
+            </a:defPPr>
+            <a:lvl1pPr>
+              <a:defRPr sz="1400" b="1">
+                <a:solidFill>
+                  <a:schemeClr val="accent1">
+                    <a:lumMod val="50000"/>
+                  </a:schemeClr>
+                </a:solidFill>
+              </a:defRPr>
+            </a:lvl1pPr>
+          </a:lstStyle>
+          <a:p>
+            <a:r>
+              <a:rPr lang="en-US" sz="1200" dirty="0" smtClean="0"/>
+              <a:t>User B:</a:t>
+            </a:r>
+          </a:p>
+          <a:p>
+            <a:pPr marL="171450" indent="-171450">
+              <a:buFontTx/>
+              <a:buChar char="-"/>
+            </a:pPr>
+            <a:r>
+              <a:rPr lang="en-US" sz="1200" b="0" dirty="0" smtClean="0"/>
+              <a:t>downloads data using pandas or R</a:t>
+            </a:r>
+          </a:p>
+          <a:p>
+            <a:pPr marL="171450" indent="-171450">
+              <a:buFontTx/>
+              <a:buChar char="-"/>
+            </a:pPr>
+            <a:r>
+              <a:rPr lang="en-US" sz="1200" b="0" dirty="0" smtClean="0"/>
+              <a:t>draws charts </a:t>
+            </a:r>
+          </a:p>
+          <a:p>
+            <a:pPr marL="171450" indent="-171450">
+              <a:buFontTx/>
+              <a:buChar char="-"/>
+            </a:pPr>
+            <a:r>
+              <a:rPr lang="en-US" sz="1200" b="0" dirty="0" smtClean="0"/>
+              <a:t>makes models</a:t>
+            </a:r>
+          </a:p>
+          <a:p>
+            <a:pPr marL="171450" indent="-171450">
+              <a:buFontTx/>
+              <a:buChar char="-"/>
+            </a:pPr>
+            <a:r>
+              <a:rPr lang="en-US" sz="1200" b="0" dirty="0" smtClean="0"/>
+              <a:t>publishes notebook or report</a:t>
+            </a:r>
+            <a:endParaRPr lang="ru-RU" sz="1200" b="0" dirty="0"/>
+          </a:p>
+        </p:txBody>
+      </p:sp>
+      <p:sp>
+        <p:nvSpPr>
+          <p:cNvPr id="40" name="TextBox 39"/>
+          <p:cNvSpPr txBox="1"/>
+          <p:nvPr/>
+        </p:nvSpPr>
+        <p:spPr>
+          <a:xfrm>
+            <a:off x="914640" y="4741272"/>
+            <a:ext cx="1960952" cy="718770"/>
+          </a:xfrm>
+          <a:prstGeom prst="rect">
+            <a:avLst/>
+          </a:prstGeom>
+          <a:noFill/>
+          <a:ln>
+            <a:solidFill>
+              <a:schemeClr val="accent1">
+                <a:lumMod val="75000"/>
+              </a:schemeClr>
+            </a:solidFill>
+          </a:ln>
+        </p:spPr>
+        <p:txBody>
+          <a:bodyPr wrap="square" rtlCol="0" anchor="ctr">
+            <a:noAutofit/>
+          </a:bodyPr>
+          <a:lstStyle>
+            <a:defPPr>
+              <a:defRPr lang="ru-RU"/>
+            </a:defPPr>
+            <a:lvl1pPr>
+              <a:defRPr sz="1400" b="1">
+                <a:solidFill>
+                  <a:schemeClr val="accent1">
+                    <a:lumMod val="50000"/>
+                  </a:schemeClr>
+                </a:solidFill>
+              </a:defRPr>
+            </a:lvl1pPr>
+          </a:lstStyle>
+          <a:p>
+            <a:pPr algn="ctr"/>
+            <a:r>
+              <a:rPr lang="en-US" sz="1200" b="0" dirty="0" smtClean="0"/>
+              <a:t>Web-based service </a:t>
+            </a:r>
+            <a:r>
+              <a:rPr lang="en-US" sz="1200" b="0" dirty="0"/>
+              <a:t>to browse, view and download </a:t>
+            </a:r>
+            <a:r>
+              <a:rPr lang="en-US" sz="1200" b="0" dirty="0" smtClean="0"/>
+              <a:t>data.</a:t>
+            </a:r>
+            <a:endParaRPr lang="en-US" sz="1200" b="0" dirty="0"/>
+          </a:p>
+        </p:txBody>
+      </p:sp>
+      <p:sp>
+        <p:nvSpPr>
+          <p:cNvPr id="45" name="TextBox 44"/>
+          <p:cNvSpPr txBox="1"/>
+          <p:nvPr/>
+        </p:nvSpPr>
+        <p:spPr>
+          <a:xfrm>
+            <a:off x="3550705" y="964233"/>
+            <a:ext cx="1557323" cy="1057288"/>
+          </a:xfrm>
+          <a:prstGeom prst="rect">
+            <a:avLst/>
+          </a:prstGeom>
+          <a:noFill/>
+          <a:ln>
+            <a:solidFill>
+              <a:schemeClr val="accent1">
+                <a:lumMod val="75000"/>
+              </a:schemeClr>
+            </a:solidFill>
+          </a:ln>
+        </p:spPr>
+        <p:txBody>
+          <a:bodyPr wrap="square" rtlCol="0" anchor="t">
+            <a:noAutofit/>
+          </a:bodyPr>
+          <a:lstStyle>
+            <a:defPPr>
+              <a:defRPr lang="ru-RU"/>
+            </a:defPPr>
+            <a:lvl1pPr>
+              <a:defRPr sz="1200" b="1">
+                <a:solidFill>
+                  <a:schemeClr val="accent1">
+                    <a:lumMod val="50000"/>
+                  </a:schemeClr>
+                </a:solidFill>
+              </a:defRPr>
+            </a:lvl1pPr>
+          </a:lstStyle>
+          <a:p>
+            <a:r>
+              <a:rPr lang="en-US" b="0" dirty="0"/>
+              <a:t>One table with fields for ‘name’, ‘</a:t>
+            </a:r>
+            <a:r>
+              <a:rPr lang="en-US" b="0" dirty="0" err="1"/>
+              <a:t>freq</a:t>
+            </a:r>
+            <a:r>
+              <a:rPr lang="en-US" b="0" dirty="0"/>
+              <a:t>’, ‘date’ and ‘value’.</a:t>
+            </a:r>
+            <a:endParaRPr lang="ru-RU" b="0" dirty="0"/>
+          </a:p>
+        </p:txBody>
+      </p:sp>
+      <p:sp>
+        <p:nvSpPr>
+          <p:cNvPr id="3" name="Прямоугольник 2"/>
+          <p:cNvSpPr/>
+          <p:nvPr/>
+        </p:nvSpPr>
+        <p:spPr>
+          <a:xfrm>
+            <a:off x="3633085" y="2484388"/>
+            <a:ext cx="1296883" cy="276999"/>
+          </a:xfrm>
+          <a:prstGeom prst="rect">
+            <a:avLst/>
+          </a:prstGeom>
+        </p:spPr>
+        <p:txBody>
+          <a:bodyPr wrap="square">
+            <a:spAutoFit/>
+          </a:bodyPr>
+          <a:lstStyle/>
+          <a:p>
+            <a:r>
+              <a:rPr lang="en-US" sz="1200" b="1" dirty="0" smtClean="0">
+                <a:solidFill>
+                  <a:schemeClr val="accent1">
+                    <a:lumMod val="50000"/>
+                  </a:schemeClr>
+                </a:solidFill>
+              </a:rPr>
+              <a:t>Upload (POST) </a:t>
+            </a:r>
+            <a:endParaRPr lang="ru-RU" sz="1200" dirty="0">
+              <a:solidFill>
+                <a:schemeClr val="accent1">
+                  <a:lumMod val="50000"/>
+                </a:schemeClr>
+              </a:solidFill>
+            </a:endParaRPr>
+          </a:p>
+        </p:txBody>
+      </p:sp>
+      <p:sp>
+        <p:nvSpPr>
+          <p:cNvPr id="47" name="Прямоугольник 46"/>
+          <p:cNvSpPr/>
+          <p:nvPr/>
+        </p:nvSpPr>
+        <p:spPr>
+          <a:xfrm>
+            <a:off x="856126" y="2532244"/>
+            <a:ext cx="1350555" cy="276999"/>
+          </a:xfrm>
+          <a:prstGeom prst="rect">
+            <a:avLst/>
+          </a:prstGeom>
+        </p:spPr>
+        <p:txBody>
+          <a:bodyPr wrap="square">
+            <a:spAutoFit/>
+          </a:bodyPr>
+          <a:lstStyle/>
+          <a:p>
+            <a:r>
+              <a:rPr lang="en-US" sz="1200" b="1" dirty="0" smtClean="0">
+                <a:solidFill>
+                  <a:schemeClr val="accent1">
+                    <a:lumMod val="50000"/>
+                  </a:schemeClr>
+                </a:solidFill>
+              </a:rPr>
+              <a:t>Retrieve (GET) </a:t>
+            </a:r>
+            <a:endParaRPr lang="ru-RU" sz="1200" dirty="0">
+              <a:solidFill>
+                <a:schemeClr val="accent1">
+                  <a:lumMod val="50000"/>
+                </a:schemeClr>
+              </a:solidFill>
+            </a:endParaRPr>
+          </a:p>
+        </p:txBody>
+      </p:sp>
+      <p:sp>
+        <p:nvSpPr>
+          <p:cNvPr id="49" name="TextBox 48"/>
+          <p:cNvSpPr txBox="1"/>
+          <p:nvPr/>
+        </p:nvSpPr>
+        <p:spPr>
+          <a:xfrm>
+            <a:off x="894496" y="2152513"/>
+            <a:ext cx="4213531" cy="324361"/>
+          </a:xfrm>
+          <a:prstGeom prst="rect">
+            <a:avLst/>
+          </a:prstGeom>
+          <a:solidFill>
+            <a:schemeClr val="accent1">
+              <a:lumMod val="50000"/>
+            </a:schemeClr>
+          </a:solidFill>
+          <a:ln>
+            <a:solidFill>
+              <a:schemeClr val="accent1">
+                <a:lumMod val="60000"/>
+                <a:lumOff val="40000"/>
+              </a:schemeClr>
+            </a:solidFill>
+          </a:ln>
+        </p:spPr>
+        <p:txBody>
+          <a:bodyPr wrap="square" rtlCol="0" anchor="ctr">
+            <a:noAutofit/>
+          </a:bodyPr>
+          <a:lstStyle>
+            <a:defPPr>
+              <a:defRPr lang="ru-RU"/>
+            </a:defPPr>
+          </a:lstStyle>
+          <a:p>
+            <a:pPr algn="ctr"/>
+            <a:r>
+              <a:rPr lang="en-US" sz="1600" b="1" dirty="0" smtClean="0">
+                <a:solidFill>
+                  <a:schemeClr val="bg1"/>
+                </a:solidFill>
+              </a:rPr>
+              <a:t>Database</a:t>
+            </a:r>
+            <a:r>
+              <a:rPr lang="ru-RU" sz="1600" b="1" dirty="0" smtClean="0">
+                <a:solidFill>
+                  <a:schemeClr val="bg1"/>
+                </a:solidFill>
+              </a:rPr>
+              <a:t> </a:t>
+            </a:r>
+            <a:r>
+              <a:rPr lang="en-US" sz="1600" b="1" dirty="0" smtClean="0">
+                <a:solidFill>
+                  <a:schemeClr val="bg1"/>
+                </a:solidFill>
+              </a:rPr>
+              <a:t>API</a:t>
+            </a:r>
+            <a:endParaRPr lang="ru-RU" sz="1600" b="1" dirty="0">
+              <a:solidFill>
+                <a:schemeClr val="bg1"/>
+              </a:solidFill>
+            </a:endParaRPr>
+          </a:p>
+        </p:txBody>
+      </p:sp>
+      <p:sp>
+        <p:nvSpPr>
+          <p:cNvPr id="51" name="TextBox 50"/>
+          <p:cNvSpPr txBox="1"/>
+          <p:nvPr/>
+        </p:nvSpPr>
+        <p:spPr>
+          <a:xfrm>
+            <a:off x="894497" y="582946"/>
+            <a:ext cx="2457797" cy="285889"/>
+          </a:xfrm>
+          <a:prstGeom prst="rect">
+            <a:avLst/>
+          </a:prstGeom>
+          <a:solidFill>
+            <a:schemeClr val="accent1">
+              <a:lumMod val="50000"/>
+            </a:schemeClr>
+          </a:solidFill>
+          <a:ln>
+            <a:solidFill>
+              <a:schemeClr val="accent1">
+                <a:lumMod val="60000"/>
+                <a:lumOff val="40000"/>
+              </a:schemeClr>
+            </a:solidFill>
+          </a:ln>
+        </p:spPr>
+        <p:txBody>
+          <a:bodyPr wrap="square" rtlCol="0" anchor="ctr">
+            <a:noAutofit/>
+          </a:bodyPr>
+          <a:lstStyle>
+            <a:defPPr>
+              <a:defRPr lang="ru-RU"/>
+            </a:defPPr>
+            <a:lvl1pPr algn="ctr">
+              <a:defRPr b="1">
+                <a:solidFill>
+                  <a:schemeClr val="bg1"/>
+                </a:solidFill>
+              </a:defRPr>
+            </a:lvl1pPr>
+          </a:lstStyle>
+          <a:p>
+            <a:r>
+              <a:rPr lang="en-US" dirty="0"/>
+              <a:t>Data model</a:t>
+            </a:r>
+            <a:endParaRPr lang="ru-RU" dirty="0"/>
+          </a:p>
+        </p:txBody>
+      </p:sp>
+      <p:sp>
+        <p:nvSpPr>
+          <p:cNvPr id="52" name="Прямоугольник 51"/>
+          <p:cNvSpPr/>
+          <p:nvPr/>
+        </p:nvSpPr>
+        <p:spPr>
+          <a:xfrm>
+            <a:off x="894496" y="968868"/>
+            <a:ext cx="2457797" cy="1052653"/>
+          </a:xfrm>
+          <a:prstGeom prst="rect">
+            <a:avLst/>
+          </a:prstGeom>
+          <a:noFill/>
+          <a:ln>
+            <a:solidFill>
+              <a:schemeClr val="accent1">
+                <a:lumMod val="75000"/>
+              </a:schemeClr>
+            </a:solidFill>
+          </a:ln>
+        </p:spPr>
+        <p:txBody>
+          <a:bodyPr wrap="square" rtlCol="0" anchor="t">
+            <a:noAutofit/>
+          </a:bodyPr>
+          <a:lstStyle/>
+          <a:p>
+            <a:pPr marL="171450" indent="-171450">
+              <a:buFont typeface="Arial" panose="020B0604020202020204" pitchFamily="34" charset="0"/>
+              <a:buChar char="•"/>
+            </a:pPr>
+            <a:r>
+              <a:rPr lang="en-US" sz="1200" dirty="0" smtClean="0">
+                <a:solidFill>
+                  <a:schemeClr val="accent1">
+                    <a:lumMod val="50000"/>
+                  </a:schemeClr>
+                </a:solidFill>
+              </a:rPr>
+              <a:t>Every </a:t>
+            </a:r>
+            <a:r>
+              <a:rPr lang="en-US" sz="1200" dirty="0" err="1">
+                <a:solidFill>
+                  <a:schemeClr val="accent1">
+                    <a:lumMod val="50000"/>
+                  </a:schemeClr>
+                </a:solidFill>
+              </a:rPr>
+              <a:t>datapoint</a:t>
+            </a:r>
+            <a:r>
+              <a:rPr lang="en-US" sz="1200" dirty="0">
+                <a:solidFill>
+                  <a:schemeClr val="accent1">
+                    <a:lumMod val="50000"/>
+                  </a:schemeClr>
+                </a:solidFill>
+              </a:rPr>
+              <a:t> </a:t>
+            </a:r>
+            <a:r>
+              <a:rPr lang="en-US" sz="1200" dirty="0" smtClean="0">
+                <a:solidFill>
+                  <a:schemeClr val="accent1">
+                    <a:lumMod val="50000"/>
+                  </a:schemeClr>
+                </a:solidFill>
+              </a:rPr>
+              <a:t>is </a:t>
+            </a:r>
+            <a:r>
+              <a:rPr lang="en-US" sz="1200" dirty="0">
+                <a:solidFill>
+                  <a:schemeClr val="accent1">
+                    <a:lumMod val="50000"/>
+                  </a:schemeClr>
+                </a:solidFill>
+              </a:rPr>
+              <a:t>represented by a dictionary </a:t>
+            </a:r>
+            <a:r>
+              <a:rPr lang="en-US" sz="1200" dirty="0" smtClean="0">
+                <a:solidFill>
+                  <a:schemeClr val="accent1">
+                    <a:lumMod val="50000"/>
+                  </a:schemeClr>
+                </a:solidFill>
+              </a:rPr>
+              <a:t>with ‘name</a:t>
+            </a:r>
+            <a:r>
+              <a:rPr lang="en-US" sz="1200" dirty="0">
+                <a:solidFill>
+                  <a:schemeClr val="accent1">
+                    <a:lumMod val="50000"/>
+                  </a:schemeClr>
+                </a:solidFill>
+              </a:rPr>
+              <a:t>’, ‘</a:t>
+            </a:r>
+            <a:r>
+              <a:rPr lang="en-US" sz="1200" dirty="0" err="1">
+                <a:solidFill>
+                  <a:schemeClr val="accent1">
+                    <a:lumMod val="50000"/>
+                  </a:schemeClr>
+                </a:solidFill>
+              </a:rPr>
+              <a:t>freq</a:t>
+            </a:r>
+            <a:r>
+              <a:rPr lang="en-US" sz="1200" dirty="0">
+                <a:solidFill>
+                  <a:schemeClr val="accent1">
+                    <a:lumMod val="50000"/>
+                  </a:schemeClr>
+                </a:solidFill>
+              </a:rPr>
+              <a:t>’, ‘date’, ‘value’ </a:t>
+            </a:r>
+            <a:r>
+              <a:rPr lang="en-US" sz="1200" dirty="0" smtClean="0">
+                <a:solidFill>
+                  <a:schemeClr val="accent1">
+                    <a:lumMod val="50000"/>
+                  </a:schemeClr>
+                </a:solidFill>
+              </a:rPr>
+              <a:t>keys</a:t>
+            </a:r>
+          </a:p>
+          <a:p>
+            <a:pPr marL="171450" indent="-171450">
+              <a:buFont typeface="Arial" panose="020B0604020202020204" pitchFamily="34" charset="0"/>
+              <a:buChar char="•"/>
+            </a:pPr>
+            <a:r>
+              <a:rPr lang="en-US" sz="1200" dirty="0" smtClean="0">
+                <a:solidFill>
+                  <a:schemeClr val="accent1">
+                    <a:lumMod val="50000"/>
+                  </a:schemeClr>
+                </a:solidFill>
+              </a:rPr>
+              <a:t>‘name’ has </a:t>
+            </a:r>
+            <a:r>
+              <a:rPr lang="en-US" sz="1200" i="1" dirty="0" err="1" smtClean="0">
+                <a:solidFill>
+                  <a:schemeClr val="accent1">
+                    <a:lumMod val="50000"/>
+                  </a:schemeClr>
+                </a:solidFill>
+              </a:rPr>
+              <a:t>VARNAMES_unit</a:t>
+            </a:r>
+            <a:r>
+              <a:rPr lang="en-US" sz="1200" i="1" dirty="0" smtClean="0">
+                <a:solidFill>
+                  <a:schemeClr val="accent1">
+                    <a:lumMod val="50000"/>
+                  </a:schemeClr>
+                </a:solidFill>
+              </a:rPr>
+              <a:t> </a:t>
+            </a:r>
+            <a:r>
+              <a:rPr lang="en-US" sz="1200" dirty="0" smtClean="0">
+                <a:solidFill>
+                  <a:schemeClr val="accent1">
+                    <a:lumMod val="50000"/>
+                  </a:schemeClr>
+                </a:solidFill>
+              </a:rPr>
+              <a:t>format</a:t>
+            </a:r>
+            <a:endParaRPr lang="ru-RU" sz="1200" dirty="0">
+              <a:solidFill>
+                <a:schemeClr val="accent1">
+                  <a:lumMod val="50000"/>
+                </a:schemeClr>
+              </a:solidFill>
+            </a:endParaRPr>
+          </a:p>
+        </p:txBody>
+      </p:sp>
+      <p:sp>
+        <p:nvSpPr>
+          <p:cNvPr id="53" name="TextBox 52"/>
+          <p:cNvSpPr txBox="1"/>
+          <p:nvPr/>
+        </p:nvSpPr>
+        <p:spPr>
+          <a:xfrm>
+            <a:off x="894495" y="5564942"/>
+            <a:ext cx="4213532" cy="378040"/>
+          </a:xfrm>
+          <a:prstGeom prst="rect">
+            <a:avLst/>
+          </a:prstGeom>
+          <a:noFill/>
+          <a:ln>
+            <a:solidFill>
+              <a:schemeClr val="accent1">
+                <a:lumMod val="75000"/>
+              </a:schemeClr>
+            </a:solidFill>
+          </a:ln>
+        </p:spPr>
+        <p:txBody>
+          <a:bodyPr wrap="square" rtlCol="0" anchor="ctr">
+            <a:noAutofit/>
+          </a:bodyPr>
+          <a:lstStyle>
+            <a:defPPr>
+              <a:defRPr lang="ru-RU"/>
+            </a:defPPr>
+            <a:lvl1pPr algn="ctr">
+              <a:defRPr sz="1200" b="0">
+                <a:solidFill>
+                  <a:schemeClr val="accent1">
+                    <a:lumMod val="50000"/>
+                  </a:schemeClr>
+                </a:solidFill>
+              </a:defRPr>
+            </a:lvl1pPr>
+          </a:lstStyle>
+          <a:p>
+            <a:r>
+              <a:rPr lang="en-US" dirty="0" err="1" smtClean="0"/>
+              <a:t>Visualisation</a:t>
+            </a:r>
+            <a:r>
+              <a:rPr lang="en-US" dirty="0" smtClean="0"/>
+              <a:t> procedures</a:t>
+            </a:r>
+            <a:endParaRPr lang="ru-RU" dirty="0"/>
+          </a:p>
+        </p:txBody>
+      </p:sp>
+      <p:sp>
+        <p:nvSpPr>
+          <p:cNvPr id="56" name="TextBox 55"/>
+          <p:cNvSpPr txBox="1"/>
+          <p:nvPr/>
+        </p:nvSpPr>
+        <p:spPr>
+          <a:xfrm>
+            <a:off x="-546735" y="-1710329"/>
+            <a:ext cx="2488850" cy="342030"/>
+          </a:xfrm>
+          <a:prstGeom prst="rect">
+            <a:avLst/>
+          </a:prstGeom>
+          <a:noFill/>
+          <a:ln>
+            <a:noFill/>
+          </a:ln>
+        </p:spPr>
+        <p:txBody>
+          <a:bodyPr wrap="square" rtlCol="0" anchor="ctr">
+            <a:noAutofit/>
+          </a:bodyPr>
+          <a:lstStyle>
+            <a:defPPr>
+              <a:defRPr lang="ru-RU"/>
+            </a:defPPr>
+          </a:lstStyle>
+          <a:p>
+            <a:r>
+              <a:rPr lang="en-US" b="1" dirty="0" err="1" smtClean="0">
+                <a:solidFill>
+                  <a:schemeClr val="accent1">
+                    <a:lumMod val="50000"/>
+                  </a:schemeClr>
+                </a:solidFill>
+              </a:rPr>
+              <a:t>Minikep</a:t>
+            </a:r>
+            <a:r>
+              <a:rPr lang="en-US" b="1" dirty="0" smtClean="0">
+                <a:solidFill>
+                  <a:schemeClr val="accent1">
+                    <a:lumMod val="50000"/>
+                  </a:schemeClr>
+                </a:solidFill>
+              </a:rPr>
+              <a:t> data pipeline</a:t>
+            </a:r>
+            <a:endParaRPr lang="ru-RU" b="1" dirty="0">
+              <a:solidFill>
+                <a:schemeClr val="accent1">
+                  <a:lumMod val="50000"/>
+                </a:schemeClr>
+              </a:solidFill>
+            </a:endParaRPr>
+          </a:p>
+        </p:txBody>
+      </p:sp>
+      <p:sp>
+        <p:nvSpPr>
+          <p:cNvPr id="57" name="TextBox 56"/>
+          <p:cNvSpPr txBox="1"/>
+          <p:nvPr/>
+        </p:nvSpPr>
+        <p:spPr>
+          <a:xfrm>
+            <a:off x="2750579" y="8511986"/>
+            <a:ext cx="2379311" cy="419520"/>
+          </a:xfrm>
+          <a:prstGeom prst="rect">
+            <a:avLst/>
+          </a:prstGeom>
+          <a:noFill/>
+          <a:ln>
+            <a:noFill/>
+          </a:ln>
+        </p:spPr>
+        <p:txBody>
+          <a:bodyPr wrap="square" rtlCol="0" anchor="ctr">
+            <a:noAutofit/>
+          </a:bodyPr>
+          <a:lstStyle>
+            <a:defPPr>
+              <a:defRPr lang="ru-RU"/>
+            </a:defPPr>
+          </a:lstStyle>
+          <a:p>
+            <a:pPr algn="r"/>
+            <a:r>
+              <a:rPr lang="en-US" sz="1200" dirty="0" smtClean="0">
+                <a:solidFill>
+                  <a:schemeClr val="accent1">
+                    <a:lumMod val="50000"/>
+                  </a:schemeClr>
+                </a:solidFill>
+              </a:rPr>
+              <a:t>Last edited: </a:t>
+            </a:r>
+            <a:r>
+              <a:rPr lang="en-US" sz="1200" dirty="0" smtClean="0">
+                <a:solidFill>
+                  <a:schemeClr val="accent1">
+                    <a:lumMod val="50000"/>
+                  </a:schemeClr>
+                </a:solidFill>
+              </a:rPr>
+              <a:t>November 4, </a:t>
+            </a:r>
+            <a:r>
+              <a:rPr lang="en-US" sz="1200" dirty="0" smtClean="0">
+                <a:solidFill>
+                  <a:schemeClr val="accent1">
+                    <a:lumMod val="50000"/>
+                  </a:schemeClr>
+                </a:solidFill>
+              </a:rPr>
+              <a:t>2017</a:t>
+            </a:r>
+            <a:endParaRPr lang="ru-RU" sz="1200" dirty="0">
+              <a:solidFill>
+                <a:schemeClr val="accent1">
+                  <a:lumMod val="50000"/>
+                </a:schemeClr>
+              </a:solidFill>
+            </a:endParaRPr>
+          </a:p>
+        </p:txBody>
+      </p:sp>
+      <p:sp>
+        <p:nvSpPr>
+          <p:cNvPr id="37" name="TextBox 36"/>
+          <p:cNvSpPr txBox="1"/>
+          <p:nvPr/>
+        </p:nvSpPr>
+        <p:spPr>
+          <a:xfrm>
+            <a:off x="3122262" y="4408627"/>
+            <a:ext cx="1985766" cy="342030"/>
+          </a:xfrm>
+          <a:prstGeom prst="rect">
+            <a:avLst/>
+          </a:prstGeom>
+          <a:solidFill>
+            <a:schemeClr val="accent1">
+              <a:lumMod val="50000"/>
+            </a:schemeClr>
+          </a:solidFill>
+          <a:ln>
+            <a:solidFill>
+              <a:schemeClr val="accent1">
+                <a:lumMod val="60000"/>
+                <a:lumOff val="40000"/>
+              </a:schemeClr>
+            </a:solidFill>
+          </a:ln>
+        </p:spPr>
+        <p:txBody>
+          <a:bodyPr wrap="square" rtlCol="0" anchor="ctr">
+            <a:noAutofit/>
+          </a:bodyPr>
+          <a:lstStyle>
+            <a:defPPr>
+              <a:defRPr lang="ru-RU"/>
+            </a:defPPr>
+          </a:lstStyle>
+          <a:p>
+            <a:pPr algn="ctr"/>
+            <a:r>
+              <a:rPr lang="en-US" b="1" dirty="0" smtClean="0">
+                <a:solidFill>
+                  <a:schemeClr val="bg1"/>
+                </a:solidFill>
+              </a:rPr>
+              <a:t>User code</a:t>
+            </a:r>
+            <a:endParaRPr lang="ru-RU" b="1" dirty="0">
+              <a:solidFill>
+                <a:schemeClr val="bg1"/>
+              </a:solidFill>
+            </a:endParaRPr>
+          </a:p>
+        </p:txBody>
+      </p:sp>
+      <p:sp>
+        <p:nvSpPr>
+          <p:cNvPr id="38" name="TextBox 37"/>
+          <p:cNvSpPr txBox="1"/>
+          <p:nvPr/>
+        </p:nvSpPr>
+        <p:spPr>
+          <a:xfrm>
+            <a:off x="3133628" y="4747582"/>
+            <a:ext cx="1960952" cy="718770"/>
+          </a:xfrm>
+          <a:prstGeom prst="rect">
+            <a:avLst/>
+          </a:prstGeom>
+          <a:noFill/>
+          <a:ln>
+            <a:solidFill>
+              <a:schemeClr val="accent1">
+                <a:lumMod val="75000"/>
+              </a:schemeClr>
+            </a:solidFill>
+          </a:ln>
+        </p:spPr>
+        <p:txBody>
+          <a:bodyPr wrap="square" rtlCol="0" anchor="ctr">
+            <a:noAutofit/>
+          </a:bodyPr>
+          <a:lstStyle>
+            <a:defPPr>
+              <a:defRPr lang="ru-RU"/>
+            </a:defPPr>
+            <a:lvl1pPr>
+              <a:defRPr sz="1400" b="1">
+                <a:solidFill>
+                  <a:schemeClr val="accent1">
+                    <a:lumMod val="50000"/>
+                  </a:schemeClr>
+                </a:solidFill>
+              </a:defRPr>
+            </a:lvl1pPr>
+          </a:lstStyle>
+          <a:p>
+            <a:pPr algn="ctr"/>
+            <a:r>
+              <a:rPr lang="en-US" sz="1200" b="0" dirty="0" smtClean="0"/>
+              <a:t>Code samples and notebooks</a:t>
+            </a:r>
+            <a:endParaRPr lang="en-US" sz="1200" b="0" dirty="0"/>
+          </a:p>
+        </p:txBody>
+      </p:sp>
+      <p:sp>
+        <p:nvSpPr>
+          <p:cNvPr id="41" name="Прямоугольник 40"/>
+          <p:cNvSpPr/>
+          <p:nvPr/>
+        </p:nvSpPr>
+        <p:spPr>
+          <a:xfrm>
+            <a:off x="-542468" y="-1208760"/>
+            <a:ext cx="1350555" cy="646331"/>
+          </a:xfrm>
+          <a:prstGeom prst="rect">
+            <a:avLst/>
+          </a:prstGeom>
+        </p:spPr>
+        <p:txBody>
+          <a:bodyPr wrap="square">
+            <a:spAutoFit/>
+          </a:bodyPr>
+          <a:lstStyle/>
+          <a:p>
+            <a:r>
+              <a:rPr lang="en-US" b="1" dirty="0" smtClean="0">
+                <a:solidFill>
+                  <a:schemeClr val="accent1">
+                    <a:lumMod val="50000"/>
+                  </a:schemeClr>
+                </a:solidFill>
+              </a:rPr>
+              <a:t>Extraction layer</a:t>
+            </a:r>
+            <a:endParaRPr lang="ru-RU" dirty="0">
+              <a:solidFill>
+                <a:schemeClr val="accent1">
+                  <a:lumMod val="50000"/>
+                </a:schemeClr>
+              </a:solidFill>
+            </a:endParaRPr>
+          </a:p>
+        </p:txBody>
+      </p:sp>
+      <p:sp>
+        <p:nvSpPr>
+          <p:cNvPr id="44" name="Прямоугольник 43"/>
+          <p:cNvSpPr/>
+          <p:nvPr/>
+        </p:nvSpPr>
+        <p:spPr>
+          <a:xfrm>
+            <a:off x="-546735" y="539175"/>
+            <a:ext cx="1350555" cy="646331"/>
+          </a:xfrm>
+          <a:prstGeom prst="rect">
+            <a:avLst/>
+          </a:prstGeom>
+        </p:spPr>
+        <p:txBody>
+          <a:bodyPr wrap="square">
+            <a:spAutoFit/>
+          </a:bodyPr>
+          <a:lstStyle/>
+          <a:p>
+            <a:r>
+              <a:rPr lang="en-US" b="1" dirty="0" smtClean="0">
+                <a:solidFill>
+                  <a:schemeClr val="accent1">
+                    <a:lumMod val="50000"/>
+                  </a:schemeClr>
+                </a:solidFill>
+              </a:rPr>
+              <a:t>Database</a:t>
+            </a:r>
+          </a:p>
+          <a:p>
+            <a:r>
+              <a:rPr lang="en-US" b="1" dirty="0" smtClean="0">
+                <a:solidFill>
+                  <a:schemeClr val="accent1">
+                    <a:lumMod val="50000"/>
+                  </a:schemeClr>
+                </a:solidFill>
+              </a:rPr>
+              <a:t>layer</a:t>
+            </a:r>
+            <a:endParaRPr lang="ru-RU" dirty="0">
+              <a:solidFill>
+                <a:schemeClr val="accent1">
+                  <a:lumMod val="50000"/>
+                </a:schemeClr>
+              </a:solidFill>
+            </a:endParaRPr>
+          </a:p>
+        </p:txBody>
+      </p:sp>
+      <p:sp>
+        <p:nvSpPr>
+          <p:cNvPr id="50" name="Прямоугольник 49"/>
+          <p:cNvSpPr/>
+          <p:nvPr/>
+        </p:nvSpPr>
+        <p:spPr>
+          <a:xfrm>
+            <a:off x="-605119" y="4385642"/>
+            <a:ext cx="1350555" cy="646331"/>
+          </a:xfrm>
+          <a:prstGeom prst="rect">
+            <a:avLst/>
+          </a:prstGeom>
+        </p:spPr>
+        <p:txBody>
+          <a:bodyPr wrap="square">
+            <a:spAutoFit/>
+          </a:bodyPr>
+          <a:lstStyle/>
+          <a:p>
+            <a:r>
+              <a:rPr lang="en-US" b="1" dirty="0" smtClean="0">
+                <a:solidFill>
+                  <a:schemeClr val="accent1">
+                    <a:lumMod val="50000"/>
+                  </a:schemeClr>
+                </a:solidFill>
+              </a:rPr>
+              <a:t>Frontend layer</a:t>
+            </a:r>
+            <a:endParaRPr lang="ru-RU" dirty="0">
+              <a:solidFill>
+                <a:schemeClr val="accent1">
+                  <a:lumMod val="50000"/>
+                </a:schemeClr>
+              </a:solidFill>
+            </a:endParaRPr>
+          </a:p>
+        </p:txBody>
+      </p:sp>
+      <p:sp>
+        <p:nvSpPr>
+          <p:cNvPr id="54" name="Прямоугольник 53"/>
+          <p:cNvSpPr/>
+          <p:nvPr/>
+        </p:nvSpPr>
+        <p:spPr>
+          <a:xfrm>
+            <a:off x="-583497" y="5934670"/>
+            <a:ext cx="1328933" cy="369332"/>
+          </a:xfrm>
+          <a:prstGeom prst="rect">
+            <a:avLst/>
+          </a:prstGeom>
+        </p:spPr>
+        <p:txBody>
+          <a:bodyPr wrap="square">
+            <a:spAutoFit/>
+          </a:bodyPr>
+          <a:lstStyle/>
+          <a:p>
+            <a:r>
+              <a:rPr lang="en-US" b="1" dirty="0" smtClean="0">
+                <a:solidFill>
+                  <a:schemeClr val="accent1">
+                    <a:lumMod val="50000"/>
+                  </a:schemeClr>
+                </a:solidFill>
+              </a:rPr>
+              <a:t>User case</a:t>
+            </a:r>
+            <a:endParaRPr lang="ru-RU" dirty="0">
+              <a:solidFill>
+                <a:schemeClr val="accent1">
+                  <a:lumMod val="50000"/>
+                </a:schemeClr>
+              </a:solidFill>
+            </a:endParaRPr>
+          </a:p>
+        </p:txBody>
+      </p:sp>
+      <p:sp>
+        <p:nvSpPr>
+          <p:cNvPr id="58" name="TextBox 57"/>
+          <p:cNvSpPr txBox="1"/>
+          <p:nvPr/>
+        </p:nvSpPr>
+        <p:spPr>
+          <a:xfrm>
+            <a:off x="856126" y="7947099"/>
+            <a:ext cx="4238454" cy="676694"/>
+          </a:xfrm>
+          <a:prstGeom prst="rect">
+            <a:avLst/>
+          </a:prstGeom>
+          <a:noFill/>
+          <a:ln>
+            <a:noFill/>
+          </a:ln>
+        </p:spPr>
+        <p:txBody>
+          <a:bodyPr wrap="square" rtlCol="0">
+            <a:noAutofit/>
+          </a:bodyPr>
+          <a:lstStyle>
+            <a:defPPr>
+              <a:defRPr lang="ru-RU"/>
+            </a:defPPr>
+            <a:lvl1pPr>
+              <a:defRPr sz="1400" b="1">
+                <a:solidFill>
+                  <a:schemeClr val="accent1">
+                    <a:lumMod val="50000"/>
+                  </a:schemeClr>
+                </a:solidFill>
+              </a:defRPr>
+            </a:lvl1pPr>
+          </a:lstStyle>
+          <a:p>
+            <a:r>
+              <a:rPr lang="en-US" sz="1200" b="0" dirty="0" smtClean="0"/>
+              <a:t>Not shown: data integrity checks, data transformations, variable naming enforcement, variable descriptions.</a:t>
+            </a:r>
+            <a:endParaRPr lang="ru-RU" sz="1200" b="0" dirty="0"/>
+          </a:p>
+        </p:txBody>
+      </p:sp>
+    </p:spTree>
+    <p:extLst>
+      <p:ext uri="{BB962C8B-B14F-4D97-AF65-F5344CB8AC3E}">
+        <p14:creationId xmlns:p14="http://schemas.microsoft.com/office/powerpoint/2010/main" val="4026592967"/>
       </p:ext>
     </p:extLst>
   </p:cSld>

--- a/map.pptx
+++ b/map.pptx
@@ -10,7 +10,7 @@
   <p:sldIdLst>
     <p:sldId id="257" r:id="rId2"/>
     <p:sldId id="259" r:id="rId3"/>
-    <p:sldId id="260" r:id="rId4"/>
+    <p:sldId id="261" r:id="rId4"/>
   </p:sldIdLst>
   <p:sldSz cx="12192000" cy="6858000"/>
   <p:notesSz cx="6858000" cy="9144000"/>
@@ -112,7 +112,7 @@
   <p:extLst>
     <p:ext uri="{EFAFB233-063F-42B5-8137-9DF3F51BA10A}">
       <p15:sldGuideLst xmlns:p15="http://schemas.microsoft.com/office/powerpoint/2012/main">
-        <p15:guide id="1" orient="horz" pos="913" userDrawn="1">
+        <p15:guide id="1" orient="horz" pos="935" userDrawn="1">
           <p15:clr>
             <a:srgbClr val="A4A3A4"/>
           </p15:clr>
@@ -224,7 +224,7 @@
           <a:p>
             <a:fld id="{573D5B0D-F674-4196-80C5-F4D3D91B1BAE}" type="datetimeFigureOut">
               <a:rPr lang="ru-RU" smtClean="0"/>
-              <a:t>04.11.2017</a:t>
+              <a:t>24.11.2017</a:t>
             </a:fld>
             <a:endParaRPr lang="ru-RU"/>
           </a:p>
@@ -734,7 +734,7 @@
     </p:spTree>
     <p:extLst>
       <p:ext uri="{BB962C8B-B14F-4D97-AF65-F5344CB8AC3E}">
-        <p14:creationId xmlns:p14="http://schemas.microsoft.com/office/powerpoint/2010/main" val="450889019"/>
+        <p14:creationId xmlns:p14="http://schemas.microsoft.com/office/powerpoint/2010/main" val="3294626107"/>
       </p:ext>
     </p:extLst>
   </p:cSld>
@@ -875,7 +875,7 @@
           <a:p>
             <a:fld id="{EBEEA62A-6F29-4A21-B196-732B57BF6BDE}" type="datetimeFigureOut">
               <a:rPr lang="ru-RU" smtClean="0"/>
-              <a:t>04.11.2017</a:t>
+              <a:t>24.11.2017</a:t>
             </a:fld>
             <a:endParaRPr lang="ru-RU"/>
           </a:p>
@@ -1045,7 +1045,7 @@
           <a:p>
             <a:fld id="{EBEEA62A-6F29-4A21-B196-732B57BF6BDE}" type="datetimeFigureOut">
               <a:rPr lang="ru-RU" smtClean="0"/>
-              <a:t>04.11.2017</a:t>
+              <a:t>24.11.2017</a:t>
             </a:fld>
             <a:endParaRPr lang="ru-RU"/>
           </a:p>
@@ -1225,7 +1225,7 @@
           <a:p>
             <a:fld id="{EBEEA62A-6F29-4A21-B196-732B57BF6BDE}" type="datetimeFigureOut">
               <a:rPr lang="ru-RU" smtClean="0"/>
-              <a:t>04.11.2017</a:t>
+              <a:t>24.11.2017</a:t>
             </a:fld>
             <a:endParaRPr lang="ru-RU"/>
           </a:p>
@@ -1395,7 +1395,7 @@
           <a:p>
             <a:fld id="{EBEEA62A-6F29-4A21-B196-732B57BF6BDE}" type="datetimeFigureOut">
               <a:rPr lang="ru-RU" smtClean="0"/>
-              <a:t>04.11.2017</a:t>
+              <a:t>24.11.2017</a:t>
             </a:fld>
             <a:endParaRPr lang="ru-RU"/>
           </a:p>
@@ -1641,7 +1641,7 @@
           <a:p>
             <a:fld id="{EBEEA62A-6F29-4A21-B196-732B57BF6BDE}" type="datetimeFigureOut">
               <a:rPr lang="ru-RU" smtClean="0"/>
-              <a:t>04.11.2017</a:t>
+              <a:t>24.11.2017</a:t>
             </a:fld>
             <a:endParaRPr lang="ru-RU"/>
           </a:p>
@@ -1873,7 +1873,7 @@
           <a:p>
             <a:fld id="{EBEEA62A-6F29-4A21-B196-732B57BF6BDE}" type="datetimeFigureOut">
               <a:rPr lang="ru-RU" smtClean="0"/>
-              <a:t>04.11.2017</a:t>
+              <a:t>24.11.2017</a:t>
             </a:fld>
             <a:endParaRPr lang="ru-RU"/>
           </a:p>
@@ -2240,7 +2240,7 @@
           <a:p>
             <a:fld id="{EBEEA62A-6F29-4A21-B196-732B57BF6BDE}" type="datetimeFigureOut">
               <a:rPr lang="ru-RU" smtClean="0"/>
-              <a:t>04.11.2017</a:t>
+              <a:t>24.11.2017</a:t>
             </a:fld>
             <a:endParaRPr lang="ru-RU"/>
           </a:p>
@@ -2358,7 +2358,7 @@
           <a:p>
             <a:fld id="{EBEEA62A-6F29-4A21-B196-732B57BF6BDE}" type="datetimeFigureOut">
               <a:rPr lang="ru-RU" smtClean="0"/>
-              <a:t>04.11.2017</a:t>
+              <a:t>24.11.2017</a:t>
             </a:fld>
             <a:endParaRPr lang="ru-RU"/>
           </a:p>
@@ -2453,7 +2453,7 @@
           <a:p>
             <a:fld id="{EBEEA62A-6F29-4A21-B196-732B57BF6BDE}" type="datetimeFigureOut">
               <a:rPr lang="ru-RU" smtClean="0"/>
-              <a:t>04.11.2017</a:t>
+              <a:t>24.11.2017</a:t>
             </a:fld>
             <a:endParaRPr lang="ru-RU"/>
           </a:p>
@@ -2730,7 +2730,7 @@
           <a:p>
             <a:fld id="{EBEEA62A-6F29-4A21-B196-732B57BF6BDE}" type="datetimeFigureOut">
               <a:rPr lang="ru-RU" smtClean="0"/>
-              <a:t>04.11.2017</a:t>
+              <a:t>24.11.2017</a:t>
             </a:fld>
             <a:endParaRPr lang="ru-RU"/>
           </a:p>
@@ -2983,7 +2983,7 @@
           <a:p>
             <a:fld id="{EBEEA62A-6F29-4A21-B196-732B57BF6BDE}" type="datetimeFigureOut">
               <a:rPr lang="ru-RU" smtClean="0"/>
-              <a:t>04.11.2017</a:t>
+              <a:t>24.11.2017</a:t>
             </a:fld>
             <a:endParaRPr lang="ru-RU"/>
           </a:p>
@@ -3196,7 +3196,7 @@
           <a:p>
             <a:fld id="{EBEEA62A-6F29-4A21-B196-732B57BF6BDE}" type="datetimeFigureOut">
               <a:rPr lang="ru-RU" smtClean="0"/>
-              <a:t>04.11.2017</a:t>
+              <a:t>24.11.2017</a:t>
             </a:fld>
             <a:endParaRPr lang="ru-RU"/>
           </a:p>
@@ -6722,155 +6722,14 @@
       </p:grpSpPr>
       <p:sp>
         <p:nvSpPr>
-          <p:cNvPr id="2" name="Прямоугольник 1"/>
-          <p:cNvSpPr/>
-          <p:nvPr/>
-        </p:nvSpPr>
-        <p:spPr>
-          <a:xfrm>
-            <a:off x="-754743" y="-1838883"/>
-            <a:ext cx="6342743" cy="10770389"/>
-          </a:xfrm>
-          <a:prstGeom prst="rect">
-            <a:avLst/>
-          </a:prstGeom>
-          <a:solidFill>
-            <a:schemeClr val="accent1">
-              <a:lumMod val="40000"/>
-              <a:lumOff val="60000"/>
-            </a:schemeClr>
-          </a:solidFill>
-          <a:ln>
-            <a:solidFill>
-              <a:schemeClr val="accent1">
-                <a:lumMod val="40000"/>
-                <a:lumOff val="60000"/>
-              </a:schemeClr>
-            </a:solidFill>
-          </a:ln>
-        </p:spPr>
-        <p:style>
-          <a:lnRef idx="2">
-            <a:schemeClr val="accent1">
-              <a:shade val="50000"/>
-            </a:schemeClr>
-          </a:lnRef>
-          <a:fillRef idx="1">
-            <a:schemeClr val="accent1"/>
-          </a:fillRef>
-          <a:effectRef idx="0">
-            <a:schemeClr val="accent1"/>
-          </a:effectRef>
-          <a:fontRef idx="minor">
-            <a:schemeClr val="lt1"/>
-          </a:fontRef>
-        </p:style>
-        <p:txBody>
-          <a:bodyPr rtlCol="0" anchor="ctr"/>
-          <a:lstStyle/>
-          <a:p>
-            <a:pPr algn="ctr"/>
-            <a:endParaRPr lang="ru-RU"/>
-          </a:p>
-        </p:txBody>
-      </p:sp>
-      <p:sp>
-        <p:nvSpPr>
-          <p:cNvPr id="12" name="TextBox 11"/>
+          <p:cNvPr id="42" name="TextBox 41"/>
           <p:cNvSpPr txBox="1"/>
           <p:nvPr/>
         </p:nvSpPr>
         <p:spPr>
           <a:xfrm>
-            <a:off x="924625" y="6450862"/>
-            <a:ext cx="1964414" cy="1391336"/>
-          </a:xfrm>
-          <a:prstGeom prst="rect">
-            <a:avLst/>
-          </a:prstGeom>
-          <a:noFill/>
-          <a:ln>
-            <a:solidFill>
-              <a:schemeClr val="accent1">
-                <a:lumMod val="75000"/>
-              </a:schemeClr>
-            </a:solidFill>
-          </a:ln>
-        </p:spPr>
-        <p:txBody>
-          <a:bodyPr wrap="square" rtlCol="0">
-            <a:noAutofit/>
-          </a:bodyPr>
-          <a:lstStyle>
-            <a:defPPr>
-              <a:defRPr lang="ru-RU"/>
-            </a:defPPr>
-            <a:lvl1pPr>
-              <a:defRPr sz="1400" b="1">
-                <a:solidFill>
-                  <a:schemeClr val="accent1">
-                    <a:lumMod val="50000"/>
-                  </a:schemeClr>
-                </a:solidFill>
-              </a:defRPr>
-            </a:lvl1pPr>
-          </a:lstStyle>
-          <a:p>
-            <a:r>
-              <a:rPr lang="en-US" sz="1200" dirty="0" smtClean="0"/>
-              <a:t>User A:</a:t>
-            </a:r>
-          </a:p>
-          <a:p>
-            <a:r>
-              <a:rPr lang="en-US" sz="1200" b="0" dirty="0" smtClean="0"/>
-              <a:t>- comes to a web site</a:t>
-            </a:r>
-          </a:p>
-          <a:p>
-            <a:r>
-              <a:rPr lang="en-US" sz="1200" b="0" dirty="0" smtClean="0"/>
-              <a:t>- selects a variable</a:t>
-            </a:r>
-          </a:p>
-          <a:p>
-            <a:r>
-              <a:rPr lang="en-US" sz="1200" b="0" dirty="0" smtClean="0"/>
-              <a:t>- views the chart</a:t>
-            </a:r>
-          </a:p>
-          <a:p>
-            <a:r>
-              <a:rPr lang="en-US" sz="1200" b="0" dirty="0" smtClean="0"/>
-              <a:t>- reads variable info</a:t>
-            </a:r>
-            <a:endParaRPr lang="en-US" sz="1200" b="0" dirty="0"/>
-          </a:p>
-          <a:p>
-            <a:r>
-              <a:rPr lang="en-US" sz="1200" b="0" dirty="0" smtClean="0"/>
-              <a:t>- downloads data locally</a:t>
-            </a:r>
-          </a:p>
-          <a:p>
-            <a:r>
-              <a:rPr lang="en-US" sz="1200" b="0" dirty="0" smtClean="0"/>
-              <a:t>- shares chart on FB</a:t>
-            </a:r>
-            <a:endParaRPr lang="ru-RU" sz="1200" b="0" dirty="0"/>
-          </a:p>
-        </p:txBody>
-      </p:sp>
-      <p:sp>
-        <p:nvSpPr>
-          <p:cNvPr id="20" name="TextBox 19"/>
-          <p:cNvSpPr txBox="1"/>
-          <p:nvPr/>
-        </p:nvSpPr>
-        <p:spPr>
-          <a:xfrm>
-            <a:off x="894495" y="3754927"/>
-            <a:ext cx="2582235" cy="436937"/>
+            <a:off x="2581317" y="867870"/>
+            <a:ext cx="1821756" cy="528151"/>
           </a:xfrm>
           <a:prstGeom prst="rect">
             <a:avLst/>
@@ -6903,41 +6762,18 @@
             </a:lvl1pPr>
           </a:lstStyle>
           <a:p>
-            <a:r>
-              <a:rPr lang="en-US" b="1" dirty="0" err="1" smtClean="0"/>
-              <a:t>ru</a:t>
-            </a:r>
+            <a:pPr algn="ctr"/>
             <a:r>
               <a:rPr lang="en-US" b="1" dirty="0" smtClean="0"/>
-              <a:t>/series/VARNAME - </a:t>
+              <a:t>Parser</a:t>
             </a:r>
             <a:r>
               <a:rPr lang="en-US" dirty="0" smtClean="0"/>
-              <a:t>shorter </a:t>
-            </a:r>
-            <a:r>
-              <a:rPr lang="en-US" dirty="0"/>
-              <a:t>URL syntax </a:t>
-            </a:r>
-            <a:r>
-              <a:rPr lang="en-US" dirty="0" smtClean="0"/>
-              <a:t>for </a:t>
-            </a:r>
-            <a:r>
-              <a:rPr lang="en-US" i="1" dirty="0" err="1" smtClean="0"/>
-              <a:t>datapoint</a:t>
-            </a:r>
-            <a:r>
-              <a:rPr lang="en-US" dirty="0" smtClean="0"/>
-              <a:t> and </a:t>
-            </a:r>
-            <a:r>
-              <a:rPr lang="en-US" i="1" dirty="0" smtClean="0"/>
-              <a:t>info</a:t>
-            </a:r>
-            <a:r>
-              <a:rPr lang="en-US" dirty="0" smtClean="0"/>
-              <a:t> methods</a:t>
+              <a:t> reads source and produces </a:t>
+            </a:r>
+            <a:r>
+              <a:rPr lang="en-US" dirty="0" err="1" smtClean="0"/>
+              <a:t>datapoints</a:t>
             </a:r>
             <a:endParaRPr lang="ru-RU" dirty="0"/>
           </a:p>
@@ -6945,19 +6781,129 @@
       </p:sp>
       <p:sp>
         <p:nvSpPr>
-          <p:cNvPr id="22" name="TextBox 21"/>
+          <p:cNvPr id="33" name="TextBox 32"/>
           <p:cNvSpPr txBox="1"/>
           <p:nvPr/>
         </p:nvSpPr>
         <p:spPr>
           <a:xfrm>
-            <a:off x="912613" y="2767293"/>
-            <a:ext cx="2564117" cy="689672"/>
+            <a:off x="982664" y="5058300"/>
+            <a:ext cx="1456865" cy="668001"/>
           </a:xfrm>
           <a:prstGeom prst="rect">
             <a:avLst/>
           </a:prstGeom>
+          <a:solidFill>
+            <a:schemeClr val="accent1">
+              <a:lumMod val="50000"/>
+            </a:schemeClr>
+          </a:solidFill>
+          <a:ln>
+            <a:solidFill>
+              <a:schemeClr val="accent1">
+                <a:lumMod val="60000"/>
+                <a:lumOff val="40000"/>
+              </a:schemeClr>
+            </a:solidFill>
+          </a:ln>
+        </p:spPr>
+        <p:txBody>
+          <a:bodyPr wrap="square" rtlCol="0" anchor="t">
+            <a:noAutofit/>
+          </a:bodyPr>
+          <a:lstStyle>
+            <a:defPPr>
+              <a:defRPr lang="ru-RU"/>
+            </a:defPPr>
+          </a:lstStyle>
+          <a:p>
+            <a:r>
+              <a:rPr lang="en-US" sz="1600" b="1" dirty="0" smtClean="0">
+                <a:solidFill>
+                  <a:schemeClr val="bg1"/>
+                </a:solidFill>
+              </a:rPr>
+              <a:t>Frontend</a:t>
+            </a:r>
+            <a:endParaRPr lang="ru-RU" sz="1600" b="1" dirty="0">
+              <a:solidFill>
+                <a:schemeClr val="bg1"/>
+              </a:solidFill>
+            </a:endParaRPr>
+          </a:p>
+        </p:txBody>
+      </p:sp>
+      <p:sp>
+        <p:nvSpPr>
+          <p:cNvPr id="45" name="TextBox 44"/>
+          <p:cNvSpPr txBox="1"/>
+          <p:nvPr/>
+        </p:nvSpPr>
+        <p:spPr>
+          <a:xfrm>
+            <a:off x="2578127" y="5058301"/>
+            <a:ext cx="1723418" cy="668001"/>
+          </a:xfrm>
+          <a:prstGeom prst="rect">
+            <a:avLst/>
+          </a:prstGeom>
           <a:noFill/>
+          <a:ln>
+            <a:solidFill>
+              <a:schemeClr val="accent1">
+                <a:lumMod val="75000"/>
+              </a:schemeClr>
+            </a:solidFill>
+          </a:ln>
+        </p:spPr>
+        <p:txBody>
+          <a:bodyPr wrap="square" rtlCol="0" anchor="ctr">
+            <a:noAutofit/>
+          </a:bodyPr>
+          <a:lstStyle>
+            <a:defPPr>
+              <a:defRPr lang="ru-RU"/>
+            </a:defPPr>
+            <a:lvl1pPr>
+              <a:defRPr sz="1200" b="1">
+                <a:solidFill>
+                  <a:schemeClr val="accent1">
+                    <a:lumMod val="50000"/>
+                  </a:schemeClr>
+                </a:solidFill>
+              </a:defRPr>
+            </a:lvl1pPr>
+          </a:lstStyle>
+          <a:p>
+            <a:pPr algn="ctr"/>
+            <a:r>
+              <a:rPr lang="en-US" b="0" dirty="0" smtClean="0"/>
+              <a:t>User browses data at web interface</a:t>
+            </a:r>
+            <a:endParaRPr lang="ru-RU" b="0" dirty="0"/>
+          </a:p>
+        </p:txBody>
+      </p:sp>
+      <p:sp>
+        <p:nvSpPr>
+          <p:cNvPr id="44" name="TextBox 43"/>
+          <p:cNvSpPr txBox="1"/>
+          <p:nvPr/>
+        </p:nvSpPr>
+        <p:spPr>
+          <a:xfrm>
+            <a:off x="2581317" y="209752"/>
+            <a:ext cx="1821756" cy="475205"/>
+          </a:xfrm>
+          <a:prstGeom prst="rect">
+            <a:avLst/>
+          </a:prstGeom>
+          <a:solidFill>
+            <a:schemeClr val="accent2">
+              <a:lumMod val="60000"/>
+              <a:lumOff val="40000"/>
+            </a:schemeClr>
+          </a:solidFill>
           <a:ln>
             <a:solidFill>
               <a:schemeClr val="accent1">
@@ -6985,53 +6931,10 @@
             </a:lvl1pPr>
           </a:lstStyle>
           <a:p>
-            <a:r>
-              <a:rPr lang="en-US" b="1" dirty="0" err="1"/>
-              <a:t>api</a:t>
-            </a:r>
-            <a:r>
-              <a:rPr lang="en-US" b="1" dirty="0"/>
-              <a:t>/</a:t>
-            </a:r>
-            <a:r>
-              <a:rPr lang="en-US" b="1" dirty="0" err="1"/>
-              <a:t>datapoints</a:t>
-            </a:r>
-            <a:r>
-              <a:rPr lang="en-US" b="1" dirty="0"/>
-              <a:t> </a:t>
-            </a:r>
-            <a:r>
-              <a:rPr lang="en-US" dirty="0"/>
-              <a:t>– get time series data</a:t>
-            </a:r>
-          </a:p>
-          <a:p>
-            <a:r>
-              <a:rPr lang="en-US" b="1" dirty="0" err="1" smtClean="0"/>
-              <a:t>api</a:t>
-            </a:r>
-            <a:r>
-              <a:rPr lang="en-US" b="1" dirty="0" smtClean="0"/>
-              <a:t>/info </a:t>
-            </a:r>
+            <a:pPr algn="ctr"/>
             <a:r>
               <a:rPr lang="en-US" dirty="0" smtClean="0"/>
-              <a:t>– show variable info </a:t>
-            </a:r>
-          </a:p>
-          <a:p>
-            <a:r>
-              <a:rPr lang="en-US" b="1" dirty="0" err="1" smtClean="0"/>
-              <a:t>api</a:t>
-            </a:r>
-            <a:r>
-              <a:rPr lang="en-US" b="1" dirty="0" smtClean="0"/>
-              <a:t>/names </a:t>
-            </a:r>
-            <a:r>
-              <a:rPr lang="en-US" dirty="0" smtClean="0"/>
-              <a:t>– list available variables</a:t>
+              <a:t>Static file or other API</a:t>
             </a:r>
             <a:endParaRPr lang="ru-RU" dirty="0"/>
           </a:p>
@@ -7039,1285 +6942,14 @@
       </p:sp>
       <p:sp>
         <p:nvSpPr>
-          <p:cNvPr id="42" name="TextBox 41"/>
+          <p:cNvPr id="50" name="TextBox 49"/>
           <p:cNvSpPr txBox="1"/>
           <p:nvPr/>
         </p:nvSpPr>
         <p:spPr>
           <a:xfrm>
-            <a:off x="3540462" y="-705498"/>
-            <a:ext cx="1569648" cy="1005561"/>
-          </a:xfrm>
-          <a:prstGeom prst="rect">
-            <a:avLst/>
-          </a:prstGeom>
-          <a:noFill/>
-          <a:ln>
-            <a:solidFill>
-              <a:schemeClr val="accent1">
-                <a:lumMod val="75000"/>
-              </a:schemeClr>
-            </a:solidFill>
-          </a:ln>
-        </p:spPr>
-        <p:txBody>
-          <a:bodyPr wrap="square" rtlCol="0" anchor="t">
-            <a:noAutofit/>
-          </a:bodyPr>
-          <a:lstStyle>
-            <a:defPPr>
-              <a:defRPr lang="ru-RU"/>
-            </a:defPPr>
-            <a:lvl1pPr>
-              <a:defRPr sz="1200" b="0">
-                <a:solidFill>
-                  <a:schemeClr val="accent1">
-                    <a:lumMod val="50000"/>
-                  </a:schemeClr>
-                </a:solidFill>
-              </a:defRPr>
-            </a:lvl1pPr>
-          </a:lstStyle>
-          <a:p>
-            <a:r>
-              <a:rPr lang="en-US" dirty="0" smtClean="0"/>
-              <a:t>Run </a:t>
-            </a:r>
-            <a:r>
-              <a:rPr lang="en-US" dirty="0"/>
-              <a:t>parsers periodically and </a:t>
-            </a:r>
-            <a:r>
-              <a:rPr lang="en-US" dirty="0" smtClean="0"/>
-              <a:t>upload parser output to </a:t>
-            </a:r>
-            <a:r>
-              <a:rPr lang="en-US" dirty="0"/>
-              <a:t>database.</a:t>
-            </a:r>
-            <a:endParaRPr lang="ru-RU" dirty="0"/>
-          </a:p>
-        </p:txBody>
-      </p:sp>
-      <p:sp>
-        <p:nvSpPr>
-          <p:cNvPr id="43" name="TextBox 42"/>
-          <p:cNvSpPr txBox="1"/>
-          <p:nvPr/>
-        </p:nvSpPr>
-        <p:spPr>
-          <a:xfrm>
-            <a:off x="2180443" y="-703792"/>
-            <a:ext cx="1200574" cy="1005123"/>
-          </a:xfrm>
-          <a:prstGeom prst="rect">
-            <a:avLst/>
-          </a:prstGeom>
-          <a:noFill/>
-          <a:ln>
-            <a:solidFill>
-              <a:schemeClr val="accent1">
-                <a:lumMod val="75000"/>
-              </a:schemeClr>
-            </a:solidFill>
-          </a:ln>
-        </p:spPr>
-        <p:txBody>
-          <a:bodyPr wrap="square" rtlCol="0" anchor="t">
-            <a:noAutofit/>
-          </a:bodyPr>
-          <a:lstStyle>
-            <a:defPPr>
-              <a:defRPr lang="ru-RU"/>
-            </a:defPPr>
-            <a:lvl1pPr>
-              <a:defRPr sz="1200" b="0">
-                <a:solidFill>
-                  <a:schemeClr val="accent1">
-                    <a:lumMod val="50000"/>
-                  </a:schemeClr>
-                </a:solidFill>
-              </a:defRPr>
-            </a:lvl1pPr>
-          </a:lstStyle>
-          <a:p>
-            <a:r>
-              <a:rPr lang="en-US" dirty="0"/>
-              <a:t>Collect data from sources and extract </a:t>
-            </a:r>
-            <a:r>
-              <a:rPr lang="en-US" dirty="0" err="1" smtClean="0"/>
-              <a:t>datapoints</a:t>
-            </a:r>
-            <a:r>
-              <a:rPr lang="en-US" dirty="0" smtClean="0"/>
-              <a:t>.</a:t>
-            </a:r>
-            <a:endParaRPr lang="en-US" dirty="0"/>
-          </a:p>
-        </p:txBody>
-      </p:sp>
-      <p:sp>
-        <p:nvSpPr>
-          <p:cNvPr id="46" name="TextBox 45"/>
-          <p:cNvSpPr txBox="1"/>
-          <p:nvPr/>
-        </p:nvSpPr>
-        <p:spPr>
-          <a:xfrm>
-            <a:off x="896578" y="-1203869"/>
-            <a:ext cx="1142939" cy="342030"/>
-          </a:xfrm>
-          <a:prstGeom prst="rect">
-            <a:avLst/>
-          </a:prstGeom>
-          <a:solidFill>
-            <a:schemeClr val="accent1">
-              <a:lumMod val="50000"/>
-            </a:schemeClr>
-          </a:solidFill>
-          <a:ln>
-            <a:solidFill>
-              <a:schemeClr val="accent1">
-                <a:lumMod val="60000"/>
-                <a:lumOff val="40000"/>
-              </a:schemeClr>
-            </a:solidFill>
-          </a:ln>
-        </p:spPr>
-        <p:txBody>
-          <a:bodyPr wrap="square" rtlCol="0" anchor="ctr">
-            <a:noAutofit/>
-          </a:bodyPr>
-          <a:lstStyle>
-            <a:defPPr>
-              <a:defRPr lang="ru-RU"/>
-            </a:defPPr>
-          </a:lstStyle>
-          <a:p>
-            <a:pPr algn="ctr"/>
-            <a:r>
-              <a:rPr lang="en-US" b="1" dirty="0">
-                <a:solidFill>
-                  <a:schemeClr val="bg1"/>
-                </a:solidFill>
-              </a:rPr>
-              <a:t>Sources</a:t>
-            </a:r>
-            <a:endParaRPr lang="ru-RU" b="1" dirty="0">
-              <a:solidFill>
-                <a:schemeClr val="bg1"/>
-              </a:solidFill>
-            </a:endParaRPr>
-          </a:p>
-        </p:txBody>
-      </p:sp>
-      <p:sp>
-        <p:nvSpPr>
-          <p:cNvPr id="14" name="TextBox 13"/>
-          <p:cNvSpPr txBox="1"/>
-          <p:nvPr/>
-        </p:nvSpPr>
-        <p:spPr>
-          <a:xfrm>
-            <a:off x="834345" y="3476447"/>
-            <a:ext cx="2564117" cy="202150"/>
-          </a:xfrm>
-          <a:prstGeom prst="rect">
-            <a:avLst/>
-          </a:prstGeom>
-          <a:noFill/>
-          <a:ln>
-            <a:noFill/>
-            <a:prstDash val="dash"/>
-          </a:ln>
-        </p:spPr>
-        <p:txBody>
-          <a:bodyPr wrap="square" rtlCol="0">
-            <a:noAutofit/>
-          </a:bodyPr>
-          <a:lstStyle>
-            <a:defPPr>
-              <a:defRPr lang="ru-RU"/>
-            </a:defPPr>
-          </a:lstStyle>
-          <a:p>
-            <a:r>
-              <a:rPr lang="en-US" sz="1200" b="1" dirty="0">
-                <a:solidFill>
-                  <a:schemeClr val="accent1">
-                    <a:lumMod val="50000"/>
-                  </a:schemeClr>
-                </a:solidFill>
-              </a:rPr>
-              <a:t>Custom </a:t>
-            </a:r>
-            <a:r>
-              <a:rPr lang="en-US" sz="1200" b="1" dirty="0" smtClean="0">
-                <a:solidFill>
-                  <a:schemeClr val="accent1">
-                    <a:lumMod val="50000"/>
-                  </a:schemeClr>
-                </a:solidFill>
-              </a:rPr>
-              <a:t>API (GET)</a:t>
-            </a:r>
-            <a:endParaRPr lang="ru-RU" sz="1200" b="1" dirty="0">
-              <a:solidFill>
-                <a:schemeClr val="accent1">
-                  <a:lumMod val="50000"/>
-                </a:schemeClr>
-              </a:solidFill>
-            </a:endParaRPr>
-          </a:p>
-        </p:txBody>
-      </p:sp>
-      <p:sp>
-        <p:nvSpPr>
-          <p:cNvPr id="61" name="TextBox 60"/>
-          <p:cNvSpPr txBox="1"/>
-          <p:nvPr/>
-        </p:nvSpPr>
-        <p:spPr>
-          <a:xfrm>
-            <a:off x="3661522" y="2761388"/>
-            <a:ext cx="1439808" cy="1430476"/>
-          </a:xfrm>
-          <a:prstGeom prst="rect">
-            <a:avLst/>
-          </a:prstGeom>
-          <a:noFill/>
-          <a:ln>
-            <a:solidFill>
-              <a:schemeClr val="accent1">
-                <a:lumMod val="75000"/>
-              </a:schemeClr>
-            </a:solidFill>
-          </a:ln>
-        </p:spPr>
-        <p:txBody>
-          <a:bodyPr wrap="square" rtlCol="0" anchor="t">
-            <a:noAutofit/>
-          </a:bodyPr>
-          <a:lstStyle>
-            <a:defPPr>
-              <a:defRPr lang="ru-RU"/>
-            </a:defPPr>
-            <a:lvl1pPr>
-              <a:defRPr sz="1200" b="0">
-                <a:solidFill>
-                  <a:schemeClr val="accent1">
-                    <a:lumMod val="50000"/>
-                  </a:schemeClr>
-                </a:solidFill>
-              </a:defRPr>
-            </a:lvl1pPr>
-          </a:lstStyle>
-          <a:p>
-            <a:r>
-              <a:rPr lang="en-US" dirty="0" smtClean="0"/>
-              <a:t>Insert </a:t>
-            </a:r>
-            <a:r>
-              <a:rPr lang="en-US" dirty="0"/>
-              <a:t>incoming dictionaries to database, overwriting existing data.</a:t>
-            </a:r>
-            <a:endParaRPr lang="ru-RU" dirty="0"/>
-          </a:p>
-        </p:txBody>
-      </p:sp>
-      <p:sp>
-        <p:nvSpPr>
-          <p:cNvPr id="64" name="TextBox 63"/>
-          <p:cNvSpPr txBox="1"/>
-          <p:nvPr/>
-        </p:nvSpPr>
-        <p:spPr>
-          <a:xfrm>
-            <a:off x="896579" y="-703791"/>
-            <a:ext cx="1142939" cy="434522"/>
-          </a:xfrm>
-          <a:prstGeom prst="rect">
-            <a:avLst/>
-          </a:prstGeom>
-          <a:noFill/>
-          <a:ln>
-            <a:solidFill>
-              <a:schemeClr val="accent1">
-                <a:lumMod val="75000"/>
-              </a:schemeClr>
-            </a:solidFill>
-          </a:ln>
-        </p:spPr>
-        <p:txBody>
-          <a:bodyPr wrap="square" rtlCol="0" anchor="ctr">
-            <a:noAutofit/>
-          </a:bodyPr>
-          <a:lstStyle>
-            <a:defPPr>
-              <a:defRPr lang="ru-RU"/>
-            </a:defPPr>
-            <a:lvl1pPr>
-              <a:defRPr b="1">
-                <a:solidFill>
-                  <a:schemeClr val="accent1">
-                    <a:lumMod val="50000"/>
-                  </a:schemeClr>
-                </a:solidFill>
-              </a:defRPr>
-            </a:lvl1pPr>
-          </a:lstStyle>
-          <a:p>
-            <a:r>
-              <a:rPr lang="en-US" sz="1400" b="0" dirty="0" smtClean="0"/>
-              <a:t>Statics files</a:t>
-            </a:r>
-          </a:p>
-        </p:txBody>
-      </p:sp>
-      <p:sp>
-        <p:nvSpPr>
-          <p:cNvPr id="30" name="TextBox 29"/>
-          <p:cNvSpPr txBox="1"/>
-          <p:nvPr/>
-        </p:nvSpPr>
-        <p:spPr>
-          <a:xfrm>
-            <a:off x="2180443" y="-1207492"/>
-            <a:ext cx="1200574" cy="342030"/>
-          </a:xfrm>
-          <a:prstGeom prst="rect">
-            <a:avLst/>
-          </a:prstGeom>
-          <a:solidFill>
-            <a:schemeClr val="accent1">
-              <a:lumMod val="50000"/>
-            </a:schemeClr>
-          </a:solidFill>
-          <a:ln>
-            <a:solidFill>
-              <a:schemeClr val="accent1">
-                <a:lumMod val="60000"/>
-                <a:lumOff val="40000"/>
-              </a:schemeClr>
-            </a:solidFill>
-          </a:ln>
-        </p:spPr>
-        <p:txBody>
-          <a:bodyPr wrap="square" rtlCol="0" anchor="ctr">
-            <a:noAutofit/>
-          </a:bodyPr>
-          <a:lstStyle>
-            <a:defPPr>
-              <a:defRPr lang="ru-RU"/>
-            </a:defPPr>
-          </a:lstStyle>
-          <a:p>
-            <a:pPr algn="ctr"/>
-            <a:r>
-              <a:rPr lang="en-US" b="1" dirty="0" smtClean="0">
-                <a:solidFill>
-                  <a:schemeClr val="bg1"/>
-                </a:solidFill>
-              </a:rPr>
-              <a:t>Parsers</a:t>
-            </a:r>
-            <a:endParaRPr lang="ru-RU" b="1" dirty="0">
-              <a:solidFill>
-                <a:schemeClr val="bg1"/>
-              </a:solidFill>
-            </a:endParaRPr>
-          </a:p>
-        </p:txBody>
-      </p:sp>
-      <p:sp>
-        <p:nvSpPr>
-          <p:cNvPr id="31" name="TextBox 30"/>
-          <p:cNvSpPr txBox="1"/>
-          <p:nvPr/>
-        </p:nvSpPr>
-        <p:spPr>
-          <a:xfrm>
-            <a:off x="3550705" y="562930"/>
-            <a:ext cx="1557323" cy="332806"/>
-          </a:xfrm>
-          <a:prstGeom prst="rect">
-            <a:avLst/>
-          </a:prstGeom>
-          <a:solidFill>
-            <a:schemeClr val="accent1">
-              <a:lumMod val="50000"/>
-            </a:schemeClr>
-          </a:solidFill>
-          <a:ln>
-            <a:solidFill>
-              <a:schemeClr val="accent1">
-                <a:lumMod val="60000"/>
-                <a:lumOff val="40000"/>
-              </a:schemeClr>
-            </a:solidFill>
-          </a:ln>
-        </p:spPr>
-        <p:txBody>
-          <a:bodyPr wrap="square" rtlCol="0" anchor="ctr">
-            <a:noAutofit/>
-          </a:bodyPr>
-          <a:lstStyle>
-            <a:defPPr>
-              <a:defRPr lang="ru-RU"/>
-            </a:defPPr>
-            <a:lvl1pPr algn="ctr">
-              <a:defRPr b="1">
-                <a:solidFill>
-                  <a:schemeClr val="bg1"/>
-                </a:solidFill>
-              </a:defRPr>
-            </a:lvl1pPr>
-          </a:lstStyle>
-          <a:p>
-            <a:r>
-              <a:rPr lang="en-US" dirty="0"/>
-              <a:t>S</a:t>
-            </a:r>
-            <a:r>
-              <a:rPr lang="en-US" dirty="0" smtClean="0"/>
-              <a:t>chema</a:t>
-            </a:r>
-            <a:endParaRPr lang="ru-RU" dirty="0"/>
-          </a:p>
-        </p:txBody>
-      </p:sp>
-      <p:sp>
-        <p:nvSpPr>
-          <p:cNvPr id="33" name="TextBox 32"/>
-          <p:cNvSpPr txBox="1"/>
-          <p:nvPr/>
-        </p:nvSpPr>
-        <p:spPr>
-          <a:xfrm>
-            <a:off x="903274" y="4402317"/>
-            <a:ext cx="1985766" cy="342030"/>
-          </a:xfrm>
-          <a:prstGeom prst="rect">
-            <a:avLst/>
-          </a:prstGeom>
-          <a:solidFill>
-            <a:schemeClr val="accent1">
-              <a:lumMod val="50000"/>
-            </a:schemeClr>
-          </a:solidFill>
-          <a:ln>
-            <a:solidFill>
-              <a:schemeClr val="accent1">
-                <a:lumMod val="60000"/>
-                <a:lumOff val="40000"/>
-              </a:schemeClr>
-            </a:solidFill>
-          </a:ln>
-        </p:spPr>
-        <p:txBody>
-          <a:bodyPr wrap="square" rtlCol="0" anchor="ctr">
-            <a:noAutofit/>
-          </a:bodyPr>
-          <a:lstStyle>
-            <a:defPPr>
-              <a:defRPr lang="ru-RU"/>
-            </a:defPPr>
-          </a:lstStyle>
-          <a:p>
-            <a:pPr algn="ctr"/>
-            <a:r>
-              <a:rPr lang="en-US" b="1" dirty="0" smtClean="0">
-                <a:solidFill>
-                  <a:schemeClr val="bg1"/>
-                </a:solidFill>
-              </a:rPr>
-              <a:t>Frontend</a:t>
-            </a:r>
-            <a:endParaRPr lang="ru-RU" b="1" dirty="0">
-              <a:solidFill>
-                <a:schemeClr val="bg1"/>
-              </a:solidFill>
-            </a:endParaRPr>
-          </a:p>
-        </p:txBody>
-      </p:sp>
-      <p:sp>
-        <p:nvSpPr>
-          <p:cNvPr id="34" name="TextBox 33"/>
-          <p:cNvSpPr txBox="1"/>
-          <p:nvPr/>
-        </p:nvSpPr>
-        <p:spPr>
-          <a:xfrm>
-            <a:off x="894497" y="6003931"/>
-            <a:ext cx="4213531" cy="342030"/>
-          </a:xfrm>
-          <a:prstGeom prst="rect">
-            <a:avLst/>
-          </a:prstGeom>
-          <a:solidFill>
-            <a:schemeClr val="accent1">
-              <a:lumMod val="50000"/>
-            </a:schemeClr>
-          </a:solidFill>
-          <a:ln>
-            <a:solidFill>
-              <a:schemeClr val="accent1">
-                <a:lumMod val="60000"/>
-                <a:lumOff val="40000"/>
-              </a:schemeClr>
-            </a:solidFill>
-          </a:ln>
-        </p:spPr>
-        <p:txBody>
-          <a:bodyPr wrap="square" rtlCol="0" anchor="ctr">
-            <a:noAutofit/>
-          </a:bodyPr>
-          <a:lstStyle>
-            <a:defPPr>
-              <a:defRPr lang="ru-RU"/>
-            </a:defPPr>
-          </a:lstStyle>
-          <a:p>
-            <a:pPr algn="ctr"/>
-            <a:r>
-              <a:rPr lang="en-US" b="1" dirty="0" smtClean="0">
-                <a:solidFill>
-                  <a:schemeClr val="bg1"/>
-                </a:solidFill>
-              </a:rPr>
-              <a:t>User case</a:t>
-            </a:r>
-            <a:endParaRPr lang="ru-RU" b="1" dirty="0">
-              <a:solidFill>
-                <a:schemeClr val="bg1"/>
-              </a:solidFill>
-            </a:endParaRPr>
-          </a:p>
-        </p:txBody>
-      </p:sp>
-      <p:sp>
-        <p:nvSpPr>
-          <p:cNvPr id="35" name="TextBox 34"/>
-          <p:cNvSpPr txBox="1"/>
-          <p:nvPr/>
-        </p:nvSpPr>
-        <p:spPr>
-          <a:xfrm>
-            <a:off x="3540460" y="-1208760"/>
-            <a:ext cx="1569649" cy="342030"/>
-          </a:xfrm>
-          <a:prstGeom prst="rect">
-            <a:avLst/>
-          </a:prstGeom>
-          <a:solidFill>
-            <a:schemeClr val="accent1">
-              <a:lumMod val="50000"/>
-            </a:schemeClr>
-          </a:solidFill>
-          <a:ln>
-            <a:solidFill>
-              <a:schemeClr val="accent1">
-                <a:lumMod val="60000"/>
-                <a:lumOff val="40000"/>
-              </a:schemeClr>
-            </a:solidFill>
-          </a:ln>
-        </p:spPr>
-        <p:txBody>
-          <a:bodyPr wrap="square" rtlCol="0" anchor="ctr">
-            <a:noAutofit/>
-          </a:bodyPr>
-          <a:lstStyle>
-            <a:defPPr>
-              <a:defRPr lang="ru-RU"/>
-            </a:defPPr>
-          </a:lstStyle>
-          <a:p>
-            <a:pPr algn="ctr"/>
-            <a:r>
-              <a:rPr lang="en-US" b="1" dirty="0" smtClean="0">
-                <a:solidFill>
-                  <a:schemeClr val="bg1"/>
-                </a:solidFill>
-              </a:rPr>
-              <a:t>Scheduler</a:t>
-            </a:r>
-            <a:endParaRPr lang="ru-RU" b="1" dirty="0">
-              <a:solidFill>
-                <a:schemeClr val="bg1"/>
-              </a:solidFill>
-            </a:endParaRPr>
-          </a:p>
-        </p:txBody>
-      </p:sp>
-      <p:sp>
-        <p:nvSpPr>
-          <p:cNvPr id="36" name="TextBox 35"/>
-          <p:cNvSpPr txBox="1"/>
-          <p:nvPr/>
-        </p:nvSpPr>
-        <p:spPr>
-          <a:xfrm>
-            <a:off x="896578" y="-144394"/>
-            <a:ext cx="1142939" cy="444458"/>
-          </a:xfrm>
-          <a:prstGeom prst="rect">
-            <a:avLst/>
-          </a:prstGeom>
-          <a:noFill/>
-          <a:ln>
-            <a:solidFill>
-              <a:schemeClr val="accent1">
-                <a:lumMod val="75000"/>
-              </a:schemeClr>
-            </a:solidFill>
-          </a:ln>
-        </p:spPr>
-        <p:txBody>
-          <a:bodyPr wrap="square" rtlCol="0" anchor="ctr">
-            <a:noAutofit/>
-          </a:bodyPr>
-          <a:lstStyle>
-            <a:defPPr>
-              <a:defRPr lang="ru-RU"/>
-            </a:defPPr>
-            <a:lvl1pPr>
-              <a:defRPr sz="1400" b="1">
-                <a:solidFill>
-                  <a:schemeClr val="accent1">
-                    <a:lumMod val="50000"/>
-                  </a:schemeClr>
-                </a:solidFill>
-              </a:defRPr>
-            </a:lvl1pPr>
-          </a:lstStyle>
-          <a:p>
-            <a:r>
-              <a:rPr lang="en-US" b="0" dirty="0"/>
-              <a:t>Other </a:t>
-            </a:r>
-            <a:r>
-              <a:rPr lang="en-US" b="0" dirty="0" smtClean="0"/>
-              <a:t>APIs</a:t>
-            </a:r>
-            <a:endParaRPr lang="ru-RU" b="0" dirty="0"/>
-          </a:p>
-        </p:txBody>
-      </p:sp>
-      <p:sp>
-        <p:nvSpPr>
-          <p:cNvPr id="39" name="TextBox 38"/>
-          <p:cNvSpPr txBox="1"/>
-          <p:nvPr/>
-        </p:nvSpPr>
-        <p:spPr>
-          <a:xfrm>
-            <a:off x="3143917" y="6443811"/>
-            <a:ext cx="1957415" cy="1398387"/>
-          </a:xfrm>
-          <a:prstGeom prst="rect">
-            <a:avLst/>
-          </a:prstGeom>
-          <a:noFill/>
-          <a:ln>
-            <a:solidFill>
-              <a:schemeClr val="accent1">
-                <a:lumMod val="75000"/>
-              </a:schemeClr>
-            </a:solidFill>
-          </a:ln>
-        </p:spPr>
-        <p:txBody>
-          <a:bodyPr wrap="square" rtlCol="0">
-            <a:noAutofit/>
-          </a:bodyPr>
-          <a:lstStyle>
-            <a:defPPr>
-              <a:defRPr lang="ru-RU"/>
-            </a:defPPr>
-            <a:lvl1pPr>
-              <a:defRPr sz="1400" b="1">
-                <a:solidFill>
-                  <a:schemeClr val="accent1">
-                    <a:lumMod val="50000"/>
-                  </a:schemeClr>
-                </a:solidFill>
-              </a:defRPr>
-            </a:lvl1pPr>
-          </a:lstStyle>
-          <a:p>
-            <a:r>
-              <a:rPr lang="en-US" sz="1200" dirty="0" smtClean="0"/>
-              <a:t>User B:</a:t>
-            </a:r>
-          </a:p>
-          <a:p>
-            <a:pPr marL="171450" indent="-171450">
-              <a:buFontTx/>
-              <a:buChar char="-"/>
-            </a:pPr>
-            <a:r>
-              <a:rPr lang="en-US" sz="1200" b="0" dirty="0" smtClean="0"/>
-              <a:t>downloads data using pandas or R</a:t>
-            </a:r>
-          </a:p>
-          <a:p>
-            <a:pPr marL="171450" indent="-171450">
-              <a:buFontTx/>
-              <a:buChar char="-"/>
-            </a:pPr>
-            <a:r>
-              <a:rPr lang="en-US" sz="1200" b="0" dirty="0" smtClean="0"/>
-              <a:t>draws charts </a:t>
-            </a:r>
-          </a:p>
-          <a:p>
-            <a:pPr marL="171450" indent="-171450">
-              <a:buFontTx/>
-              <a:buChar char="-"/>
-            </a:pPr>
-            <a:r>
-              <a:rPr lang="en-US" sz="1200" b="0" dirty="0" smtClean="0"/>
-              <a:t>makes models</a:t>
-            </a:r>
-          </a:p>
-          <a:p>
-            <a:pPr marL="171450" indent="-171450">
-              <a:buFontTx/>
-              <a:buChar char="-"/>
-            </a:pPr>
-            <a:r>
-              <a:rPr lang="en-US" sz="1200" b="0" dirty="0" smtClean="0"/>
-              <a:t>publishes notebook or report</a:t>
-            </a:r>
-            <a:endParaRPr lang="ru-RU" sz="1200" b="0" dirty="0"/>
-          </a:p>
-        </p:txBody>
-      </p:sp>
-      <p:sp>
-        <p:nvSpPr>
-          <p:cNvPr id="40" name="TextBox 39"/>
-          <p:cNvSpPr txBox="1"/>
-          <p:nvPr/>
-        </p:nvSpPr>
-        <p:spPr>
-          <a:xfrm>
-            <a:off x="914640" y="4741272"/>
-            <a:ext cx="1960952" cy="718770"/>
-          </a:xfrm>
-          <a:prstGeom prst="rect">
-            <a:avLst/>
-          </a:prstGeom>
-          <a:noFill/>
-          <a:ln>
-            <a:solidFill>
-              <a:schemeClr val="accent1">
-                <a:lumMod val="75000"/>
-              </a:schemeClr>
-            </a:solidFill>
-          </a:ln>
-        </p:spPr>
-        <p:txBody>
-          <a:bodyPr wrap="square" rtlCol="0" anchor="ctr">
-            <a:noAutofit/>
-          </a:bodyPr>
-          <a:lstStyle>
-            <a:defPPr>
-              <a:defRPr lang="ru-RU"/>
-            </a:defPPr>
-            <a:lvl1pPr>
-              <a:defRPr sz="1400" b="1">
-                <a:solidFill>
-                  <a:schemeClr val="accent1">
-                    <a:lumMod val="50000"/>
-                  </a:schemeClr>
-                </a:solidFill>
-              </a:defRPr>
-            </a:lvl1pPr>
-          </a:lstStyle>
-          <a:p>
-            <a:pPr algn="ctr"/>
-            <a:r>
-              <a:rPr lang="en-US" sz="1200" b="0" dirty="0" smtClean="0"/>
-              <a:t>Web-based service </a:t>
-            </a:r>
-            <a:r>
-              <a:rPr lang="en-US" sz="1200" b="0" dirty="0"/>
-              <a:t>to browse, view and download </a:t>
-            </a:r>
-            <a:r>
-              <a:rPr lang="en-US" sz="1200" b="0" dirty="0" smtClean="0"/>
-              <a:t>data.</a:t>
-            </a:r>
-            <a:endParaRPr lang="en-US" sz="1200" b="0" dirty="0"/>
-          </a:p>
-        </p:txBody>
-      </p:sp>
-      <p:sp>
-        <p:nvSpPr>
-          <p:cNvPr id="45" name="TextBox 44"/>
-          <p:cNvSpPr txBox="1"/>
-          <p:nvPr/>
-        </p:nvSpPr>
-        <p:spPr>
-          <a:xfrm>
-            <a:off x="3550705" y="964233"/>
-            <a:ext cx="1557323" cy="1057288"/>
-          </a:xfrm>
-          <a:prstGeom prst="rect">
-            <a:avLst/>
-          </a:prstGeom>
-          <a:noFill/>
-          <a:ln>
-            <a:solidFill>
-              <a:schemeClr val="accent1">
-                <a:lumMod val="75000"/>
-              </a:schemeClr>
-            </a:solidFill>
-          </a:ln>
-        </p:spPr>
-        <p:txBody>
-          <a:bodyPr wrap="square" rtlCol="0" anchor="t">
-            <a:noAutofit/>
-          </a:bodyPr>
-          <a:lstStyle>
-            <a:defPPr>
-              <a:defRPr lang="ru-RU"/>
-            </a:defPPr>
-            <a:lvl1pPr>
-              <a:defRPr sz="1200" b="1">
-                <a:solidFill>
-                  <a:schemeClr val="accent1">
-                    <a:lumMod val="50000"/>
-                  </a:schemeClr>
-                </a:solidFill>
-              </a:defRPr>
-            </a:lvl1pPr>
-          </a:lstStyle>
-          <a:p>
-            <a:r>
-              <a:rPr lang="en-US" b="0" dirty="0"/>
-              <a:t>One table with fields for ‘name’, ‘</a:t>
-            </a:r>
-            <a:r>
-              <a:rPr lang="en-US" b="0" dirty="0" err="1"/>
-              <a:t>freq</a:t>
-            </a:r>
-            <a:r>
-              <a:rPr lang="en-US" b="0" dirty="0"/>
-              <a:t>’, ‘date’ and ‘value’.</a:t>
-            </a:r>
-            <a:endParaRPr lang="ru-RU" b="0" dirty="0"/>
-          </a:p>
-        </p:txBody>
-      </p:sp>
-      <p:sp>
-        <p:nvSpPr>
-          <p:cNvPr id="3" name="Прямоугольник 2"/>
-          <p:cNvSpPr/>
-          <p:nvPr/>
-        </p:nvSpPr>
-        <p:spPr>
-          <a:xfrm>
-            <a:off x="3633085" y="2484388"/>
-            <a:ext cx="1296883" cy="276999"/>
-          </a:xfrm>
-          <a:prstGeom prst="rect">
-            <a:avLst/>
-          </a:prstGeom>
-        </p:spPr>
-        <p:txBody>
-          <a:bodyPr wrap="square">
-            <a:spAutoFit/>
-          </a:bodyPr>
-          <a:lstStyle/>
-          <a:p>
-            <a:r>
-              <a:rPr lang="en-US" sz="1200" b="1" dirty="0" smtClean="0">
-                <a:solidFill>
-                  <a:schemeClr val="accent1">
-                    <a:lumMod val="50000"/>
-                  </a:schemeClr>
-                </a:solidFill>
-              </a:rPr>
-              <a:t>Upload (POST) </a:t>
-            </a:r>
-            <a:endParaRPr lang="ru-RU" sz="1200" dirty="0">
-              <a:solidFill>
-                <a:schemeClr val="accent1">
-                  <a:lumMod val="50000"/>
-                </a:schemeClr>
-              </a:solidFill>
-            </a:endParaRPr>
-          </a:p>
-        </p:txBody>
-      </p:sp>
-      <p:sp>
-        <p:nvSpPr>
-          <p:cNvPr id="47" name="Прямоугольник 46"/>
-          <p:cNvSpPr/>
-          <p:nvPr/>
-        </p:nvSpPr>
-        <p:spPr>
-          <a:xfrm>
-            <a:off x="856126" y="2532244"/>
-            <a:ext cx="1350555" cy="276999"/>
-          </a:xfrm>
-          <a:prstGeom prst="rect">
-            <a:avLst/>
-          </a:prstGeom>
-        </p:spPr>
-        <p:txBody>
-          <a:bodyPr wrap="square">
-            <a:spAutoFit/>
-          </a:bodyPr>
-          <a:lstStyle/>
-          <a:p>
-            <a:r>
-              <a:rPr lang="en-US" sz="1200" b="1" dirty="0" smtClean="0">
-                <a:solidFill>
-                  <a:schemeClr val="accent1">
-                    <a:lumMod val="50000"/>
-                  </a:schemeClr>
-                </a:solidFill>
-              </a:rPr>
-              <a:t>Retrieve (GET) </a:t>
-            </a:r>
-            <a:endParaRPr lang="ru-RU" sz="1200" dirty="0">
-              <a:solidFill>
-                <a:schemeClr val="accent1">
-                  <a:lumMod val="50000"/>
-                </a:schemeClr>
-              </a:solidFill>
-            </a:endParaRPr>
-          </a:p>
-        </p:txBody>
-      </p:sp>
-      <p:sp>
-        <p:nvSpPr>
-          <p:cNvPr id="49" name="TextBox 48"/>
-          <p:cNvSpPr txBox="1"/>
-          <p:nvPr/>
-        </p:nvSpPr>
-        <p:spPr>
-          <a:xfrm>
-            <a:off x="894496" y="2152513"/>
-            <a:ext cx="4213531" cy="324361"/>
-          </a:xfrm>
-          <a:prstGeom prst="rect">
-            <a:avLst/>
-          </a:prstGeom>
-          <a:solidFill>
-            <a:schemeClr val="accent1">
-              <a:lumMod val="50000"/>
-            </a:schemeClr>
-          </a:solidFill>
-          <a:ln>
-            <a:solidFill>
-              <a:schemeClr val="accent1">
-                <a:lumMod val="60000"/>
-                <a:lumOff val="40000"/>
-              </a:schemeClr>
-            </a:solidFill>
-          </a:ln>
-        </p:spPr>
-        <p:txBody>
-          <a:bodyPr wrap="square" rtlCol="0" anchor="ctr">
-            <a:noAutofit/>
-          </a:bodyPr>
-          <a:lstStyle>
-            <a:defPPr>
-              <a:defRPr lang="ru-RU"/>
-            </a:defPPr>
-          </a:lstStyle>
-          <a:p>
-            <a:pPr algn="ctr"/>
-            <a:r>
-              <a:rPr lang="en-US" sz="1600" b="1" dirty="0" smtClean="0">
-                <a:solidFill>
-                  <a:schemeClr val="bg1"/>
-                </a:solidFill>
-              </a:rPr>
-              <a:t>Database</a:t>
-            </a:r>
-            <a:r>
-              <a:rPr lang="ru-RU" sz="1600" b="1" dirty="0" smtClean="0">
-                <a:solidFill>
-                  <a:schemeClr val="bg1"/>
-                </a:solidFill>
-              </a:rPr>
-              <a:t> </a:t>
-            </a:r>
-            <a:r>
-              <a:rPr lang="en-US" sz="1600" b="1" dirty="0" smtClean="0">
-                <a:solidFill>
-                  <a:schemeClr val="bg1"/>
-                </a:solidFill>
-              </a:rPr>
-              <a:t>API</a:t>
-            </a:r>
-            <a:endParaRPr lang="ru-RU" sz="1600" b="1" dirty="0">
-              <a:solidFill>
-                <a:schemeClr val="bg1"/>
-              </a:solidFill>
-            </a:endParaRPr>
-          </a:p>
-        </p:txBody>
-      </p:sp>
-      <p:sp>
-        <p:nvSpPr>
-          <p:cNvPr id="51" name="TextBox 50"/>
-          <p:cNvSpPr txBox="1"/>
-          <p:nvPr/>
-        </p:nvSpPr>
-        <p:spPr>
-          <a:xfrm>
-            <a:off x="894497" y="582946"/>
-            <a:ext cx="2457797" cy="285889"/>
-          </a:xfrm>
-          <a:prstGeom prst="rect">
-            <a:avLst/>
-          </a:prstGeom>
-          <a:solidFill>
-            <a:schemeClr val="accent1">
-              <a:lumMod val="50000"/>
-            </a:schemeClr>
-          </a:solidFill>
-          <a:ln>
-            <a:solidFill>
-              <a:schemeClr val="accent1">
-                <a:lumMod val="60000"/>
-                <a:lumOff val="40000"/>
-              </a:schemeClr>
-            </a:solidFill>
-          </a:ln>
-        </p:spPr>
-        <p:txBody>
-          <a:bodyPr wrap="square" rtlCol="0" anchor="ctr">
-            <a:noAutofit/>
-          </a:bodyPr>
-          <a:lstStyle>
-            <a:defPPr>
-              <a:defRPr lang="ru-RU"/>
-            </a:defPPr>
-            <a:lvl1pPr algn="ctr">
-              <a:defRPr b="1">
-                <a:solidFill>
-                  <a:schemeClr val="bg1"/>
-                </a:solidFill>
-              </a:defRPr>
-            </a:lvl1pPr>
-          </a:lstStyle>
-          <a:p>
-            <a:r>
-              <a:rPr lang="en-US" dirty="0"/>
-              <a:t>Data model</a:t>
-            </a:r>
-            <a:endParaRPr lang="ru-RU" dirty="0"/>
-          </a:p>
-        </p:txBody>
-      </p:sp>
-      <p:sp>
-        <p:nvSpPr>
-          <p:cNvPr id="52" name="Прямоугольник 51"/>
-          <p:cNvSpPr/>
-          <p:nvPr/>
-        </p:nvSpPr>
-        <p:spPr>
-          <a:xfrm>
-            <a:off x="894496" y="968868"/>
-            <a:ext cx="2457797" cy="1052653"/>
-          </a:xfrm>
-          <a:prstGeom prst="rect">
-            <a:avLst/>
-          </a:prstGeom>
-          <a:noFill/>
-          <a:ln>
-            <a:solidFill>
-              <a:schemeClr val="accent1">
-                <a:lumMod val="75000"/>
-              </a:schemeClr>
-            </a:solidFill>
-          </a:ln>
-        </p:spPr>
-        <p:txBody>
-          <a:bodyPr wrap="square" rtlCol="0" anchor="t">
-            <a:noAutofit/>
-          </a:bodyPr>
-          <a:lstStyle/>
-          <a:p>
-            <a:pPr marL="171450" indent="-171450">
-              <a:buFont typeface="Arial" panose="020B0604020202020204" pitchFamily="34" charset="0"/>
-              <a:buChar char="•"/>
-            </a:pPr>
-            <a:r>
-              <a:rPr lang="en-US" sz="1200" dirty="0" smtClean="0">
-                <a:solidFill>
-                  <a:schemeClr val="accent1">
-                    <a:lumMod val="50000"/>
-                  </a:schemeClr>
-                </a:solidFill>
-              </a:rPr>
-              <a:t>Every </a:t>
-            </a:r>
-            <a:r>
-              <a:rPr lang="en-US" sz="1200" dirty="0" err="1">
-                <a:solidFill>
-                  <a:schemeClr val="accent1">
-                    <a:lumMod val="50000"/>
-                  </a:schemeClr>
-                </a:solidFill>
-              </a:rPr>
-              <a:t>datapoint</a:t>
-            </a:r>
-            <a:r>
-              <a:rPr lang="en-US" sz="1200" dirty="0">
-                <a:solidFill>
-                  <a:schemeClr val="accent1">
-                    <a:lumMod val="50000"/>
-                  </a:schemeClr>
-                </a:solidFill>
-              </a:rPr>
-              <a:t> </a:t>
-            </a:r>
-            <a:r>
-              <a:rPr lang="en-US" sz="1200" dirty="0" smtClean="0">
-                <a:solidFill>
-                  <a:schemeClr val="accent1">
-                    <a:lumMod val="50000"/>
-                  </a:schemeClr>
-                </a:solidFill>
-              </a:rPr>
-              <a:t>is </a:t>
-            </a:r>
-            <a:r>
-              <a:rPr lang="en-US" sz="1200" dirty="0">
-                <a:solidFill>
-                  <a:schemeClr val="accent1">
-                    <a:lumMod val="50000"/>
-                  </a:schemeClr>
-                </a:solidFill>
-              </a:rPr>
-              <a:t>represented by a dictionary </a:t>
-            </a:r>
-            <a:r>
-              <a:rPr lang="en-US" sz="1200" dirty="0" smtClean="0">
-                <a:solidFill>
-                  <a:schemeClr val="accent1">
-                    <a:lumMod val="50000"/>
-                  </a:schemeClr>
-                </a:solidFill>
-              </a:rPr>
-              <a:t>with ‘name</a:t>
-            </a:r>
-            <a:r>
-              <a:rPr lang="en-US" sz="1200" dirty="0">
-                <a:solidFill>
-                  <a:schemeClr val="accent1">
-                    <a:lumMod val="50000"/>
-                  </a:schemeClr>
-                </a:solidFill>
-              </a:rPr>
-              <a:t>’, ‘</a:t>
-            </a:r>
-            <a:r>
-              <a:rPr lang="en-US" sz="1200" dirty="0" err="1">
-                <a:solidFill>
-                  <a:schemeClr val="accent1">
-                    <a:lumMod val="50000"/>
-                  </a:schemeClr>
-                </a:solidFill>
-              </a:rPr>
-              <a:t>freq</a:t>
-            </a:r>
-            <a:r>
-              <a:rPr lang="en-US" sz="1200" dirty="0">
-                <a:solidFill>
-                  <a:schemeClr val="accent1">
-                    <a:lumMod val="50000"/>
-                  </a:schemeClr>
-                </a:solidFill>
-              </a:rPr>
-              <a:t>’, ‘date’, ‘value’ </a:t>
-            </a:r>
-            <a:r>
-              <a:rPr lang="en-US" sz="1200" dirty="0" smtClean="0">
-                <a:solidFill>
-                  <a:schemeClr val="accent1">
-                    <a:lumMod val="50000"/>
-                  </a:schemeClr>
-                </a:solidFill>
-              </a:rPr>
-              <a:t>keys</a:t>
-            </a:r>
-          </a:p>
-          <a:p>
-            <a:pPr marL="171450" indent="-171450">
-              <a:buFont typeface="Arial" panose="020B0604020202020204" pitchFamily="34" charset="0"/>
-              <a:buChar char="•"/>
-            </a:pPr>
-            <a:r>
-              <a:rPr lang="en-US" sz="1200" dirty="0" smtClean="0">
-                <a:solidFill>
-                  <a:schemeClr val="accent1">
-                    <a:lumMod val="50000"/>
-                  </a:schemeClr>
-                </a:solidFill>
-              </a:rPr>
-              <a:t>‘name’ has </a:t>
-            </a:r>
-            <a:r>
-              <a:rPr lang="en-US" sz="1200" i="1" dirty="0" err="1" smtClean="0">
-                <a:solidFill>
-                  <a:schemeClr val="accent1">
-                    <a:lumMod val="50000"/>
-                  </a:schemeClr>
-                </a:solidFill>
-              </a:rPr>
-              <a:t>VARNAMES_unit</a:t>
-            </a:r>
-            <a:r>
-              <a:rPr lang="en-US" sz="1200" i="1" dirty="0" smtClean="0">
-                <a:solidFill>
-                  <a:schemeClr val="accent1">
-                    <a:lumMod val="50000"/>
-                  </a:schemeClr>
-                </a:solidFill>
-              </a:rPr>
-              <a:t> </a:t>
-            </a:r>
-            <a:r>
-              <a:rPr lang="en-US" sz="1200" dirty="0" smtClean="0">
-                <a:solidFill>
-                  <a:schemeClr val="accent1">
-                    <a:lumMod val="50000"/>
-                  </a:schemeClr>
-                </a:solidFill>
-              </a:rPr>
-              <a:t>format</a:t>
-            </a:r>
-            <a:endParaRPr lang="ru-RU" sz="1200" dirty="0">
-              <a:solidFill>
-                <a:schemeClr val="accent1">
-                  <a:lumMod val="50000"/>
-                </a:schemeClr>
-              </a:solidFill>
-            </a:endParaRPr>
-          </a:p>
-        </p:txBody>
-      </p:sp>
-      <p:sp>
-        <p:nvSpPr>
-          <p:cNvPr id="53" name="TextBox 52"/>
-          <p:cNvSpPr txBox="1"/>
-          <p:nvPr/>
-        </p:nvSpPr>
-        <p:spPr>
-          <a:xfrm>
-            <a:off x="894495" y="5564942"/>
-            <a:ext cx="4213532" cy="378040"/>
+            <a:off x="2562885" y="1552722"/>
+            <a:ext cx="1840188" cy="478892"/>
           </a:xfrm>
           <a:prstGeom prst="rect">
             <a:avLst/>
@@ -8351,12 +6983,12 @@
           </a:lstStyle>
           <a:p>
             <a:r>
-              <a:rPr lang="en-US" dirty="0" err="1" smtClean="0"/>
-              <a:t>Visualisation</a:t>
+              <a:rPr lang="en-US" b="1" dirty="0" smtClean="0"/>
+              <a:t>Uploader </a:t>
             </a:r>
             <a:r>
               <a:rPr lang="en-US" dirty="0" smtClean="0"/>
-              <a:t> procedures</a:t>
+              <a:t>posts data to database</a:t>
             </a:r>
             <a:endParaRPr lang="ru-RU" dirty="0"/>
           </a:p>
@@ -8364,21 +6996,25 @@
       </p:sp>
       <p:sp>
         <p:nvSpPr>
-          <p:cNvPr id="56" name="TextBox 55"/>
+          <p:cNvPr id="54" name="TextBox 53"/>
           <p:cNvSpPr txBox="1"/>
           <p:nvPr/>
         </p:nvSpPr>
         <p:spPr>
           <a:xfrm>
-            <a:off x="-546735" y="-1710329"/>
-            <a:ext cx="2488850" cy="342030"/>
+            <a:off x="4544862" y="873284"/>
+            <a:ext cx="1623915" cy="1172078"/>
           </a:xfrm>
           <a:prstGeom prst="rect">
             <a:avLst/>
           </a:prstGeom>
           <a:noFill/>
           <a:ln>
-            <a:noFill/>
+            <a:solidFill>
+              <a:schemeClr val="accent1">
+                <a:lumMod val="75000"/>
+              </a:schemeClr>
+            </a:solidFill>
           </a:ln>
         </p:spPr>
         <p:txBody>
@@ -8389,55 +7025,49 @@
             <a:defPPr>
               <a:defRPr lang="ru-RU"/>
             </a:defPPr>
-          </a:lstStyle>
-          <a:p>
-            <a:r>
-              <a:rPr lang="en-US" b="1" dirty="0" err="1" smtClean="0">
+            <a:lvl1pPr>
+              <a:defRPr sz="1200" b="0">
                 <a:solidFill>
                   <a:schemeClr val="accent1">
                     <a:lumMod val="50000"/>
                   </a:schemeClr>
                 </a:solidFill>
-              </a:rPr>
-              <a:t>Minikep</a:t>
-            </a:r>
-            <a:r>
-              <a:rPr lang="en-US" b="1" dirty="0" smtClean="0">
-                <a:solidFill>
-                  <a:schemeClr val="accent1">
-                    <a:lumMod val="50000"/>
-                  </a:schemeClr>
-                </a:solidFill>
-              </a:rPr>
-              <a:t> data pipeline</a:t>
-            </a:r>
-            <a:endParaRPr lang="ru-RU" b="1" dirty="0">
-              <a:solidFill>
-                <a:schemeClr val="accent1">
-                  <a:lumMod val="50000"/>
-                </a:schemeClr>
-              </a:solidFill>
-            </a:endParaRPr>
-          </a:p>
-        </p:txBody>
-      </p:sp>
-      <p:sp>
-        <p:nvSpPr>
-          <p:cNvPr id="57" name="TextBox 56"/>
+              </a:defRPr>
+            </a:lvl1pPr>
+          </a:lstStyle>
+          <a:p>
+            <a:pPr algn="ctr"/>
+            <a:r>
+              <a:rPr lang="en-US" b="1" dirty="0" smtClean="0"/>
+              <a:t>Scheduler</a:t>
+            </a:r>
+            <a:r>
+              <a:rPr lang="en-US" dirty="0" smtClean="0"/>
+              <a:t> periodically runs parser and uploader</a:t>
+            </a:r>
+            <a:endParaRPr lang="ru-RU" dirty="0"/>
+          </a:p>
+        </p:txBody>
+      </p:sp>
+      <p:sp>
+        <p:nvSpPr>
+          <p:cNvPr id="62" name="TextBox 61"/>
           <p:cNvSpPr txBox="1"/>
           <p:nvPr/>
         </p:nvSpPr>
         <p:spPr>
           <a:xfrm>
-            <a:off x="2750579" y="8511986"/>
-            <a:ext cx="2379311" cy="419520"/>
+            <a:off x="2562885" y="3282873"/>
+            <a:ext cx="3467292" cy="475205"/>
           </a:xfrm>
           <a:prstGeom prst="rect">
             <a:avLst/>
           </a:prstGeom>
           <a:noFill/>
           <a:ln>
-            <a:noFill/>
+            <a:solidFill>
+              <a:schemeClr val="bg1"/>
+            </a:solidFill>
           </a:ln>
         </p:spPr>
         <p:txBody>
@@ -8448,59 +7078,141 @@
             <a:defPPr>
               <a:defRPr lang="ru-RU"/>
             </a:defPPr>
-          </a:lstStyle>
-          <a:p>
-            <a:pPr algn="r"/>
-            <a:r>
-              <a:rPr lang="en-US" sz="1200" dirty="0" smtClean="0">
+            <a:lvl1pPr>
+              <a:defRPr sz="1200" b="0">
                 <a:solidFill>
                   <a:schemeClr val="accent1">
                     <a:lumMod val="50000"/>
                   </a:schemeClr>
                 </a:solidFill>
-              </a:rPr>
-              <a:t>Last edited: </a:t>
-            </a:r>
-            <a:r>
-              <a:rPr lang="en-US" sz="1200" dirty="0" smtClean="0">
+              </a:defRPr>
+            </a:lvl1pPr>
+          </a:lstStyle>
+          <a:p>
+            <a:pPr marL="171450" indent="-171450">
+              <a:buFont typeface="Arial" panose="020B0604020202020204" pitchFamily="34" charset="0"/>
+              <a:buChar char="•"/>
+            </a:pPr>
+            <a:r>
+              <a:rPr lang="en-US" dirty="0" smtClean="0"/>
+              <a:t>Data stored as database entries</a:t>
+            </a:r>
+            <a:endParaRPr lang="ru-RU" dirty="0"/>
+          </a:p>
+        </p:txBody>
+      </p:sp>
+      <p:sp>
+        <p:nvSpPr>
+          <p:cNvPr id="63" name="TextBox 62"/>
+          <p:cNvSpPr txBox="1"/>
+          <p:nvPr/>
+        </p:nvSpPr>
+        <p:spPr>
+          <a:xfrm>
+            <a:off x="2581316" y="3758916"/>
+            <a:ext cx="3572217" cy="431620"/>
+          </a:xfrm>
+          <a:prstGeom prst="rect">
+            <a:avLst/>
+          </a:prstGeom>
+          <a:noFill/>
+          <a:ln>
+            <a:solidFill>
+              <a:schemeClr val="accent1">
+                <a:lumMod val="75000"/>
+              </a:schemeClr>
+            </a:solidFill>
+          </a:ln>
+        </p:spPr>
+        <p:txBody>
+          <a:bodyPr wrap="square" rtlCol="0" anchor="ctr">
+            <a:noAutofit/>
+          </a:bodyPr>
+          <a:lstStyle>
+            <a:defPPr>
+              <a:defRPr lang="ru-RU"/>
+            </a:defPPr>
+            <a:lvl1pPr>
+              <a:defRPr sz="1200" b="0">
                 <a:solidFill>
                   <a:schemeClr val="accent1">
                     <a:lumMod val="50000"/>
                   </a:schemeClr>
                 </a:solidFill>
-              </a:rPr>
-              <a:t>November 4, </a:t>
-            </a:r>
-            <a:r>
-              <a:rPr lang="en-US" sz="1200" dirty="0" smtClean="0">
+              </a:defRPr>
+            </a:lvl1pPr>
+          </a:lstStyle>
+          <a:p>
+            <a:pPr algn="ctr"/>
+            <a:r>
+              <a:rPr lang="en-US" dirty="0" smtClean="0"/>
+              <a:t>Public API to query data</a:t>
+            </a:r>
+            <a:endParaRPr lang="ru-RU" dirty="0"/>
+          </a:p>
+        </p:txBody>
+      </p:sp>
+      <p:sp>
+        <p:nvSpPr>
+          <p:cNvPr id="65" name="TextBox 64"/>
+          <p:cNvSpPr txBox="1"/>
+          <p:nvPr/>
+        </p:nvSpPr>
+        <p:spPr>
+          <a:xfrm>
+            <a:off x="4526429" y="5952794"/>
+            <a:ext cx="1627104" cy="806934"/>
+          </a:xfrm>
+          <a:prstGeom prst="rect">
+            <a:avLst/>
+          </a:prstGeom>
+          <a:noFill/>
+          <a:ln>
+            <a:solidFill>
+              <a:schemeClr val="accent1">
+                <a:lumMod val="75000"/>
+              </a:schemeClr>
+            </a:solidFill>
+          </a:ln>
+        </p:spPr>
+        <p:txBody>
+          <a:bodyPr wrap="square" rtlCol="0" anchor="ctr">
+            <a:noAutofit/>
+          </a:bodyPr>
+          <a:lstStyle>
+            <a:defPPr>
+              <a:defRPr lang="ru-RU"/>
+            </a:defPPr>
+            <a:lvl1pPr>
+              <a:defRPr sz="1200" b="1">
                 <a:solidFill>
                   <a:schemeClr val="accent1">
                     <a:lumMod val="50000"/>
                   </a:schemeClr>
                 </a:solidFill>
-              </a:rPr>
-              <a:t>2017</a:t>
-            </a:r>
-            <a:endParaRPr lang="ru-RU" sz="1200" dirty="0">
-              <a:solidFill>
-                <a:schemeClr val="accent1">
-                  <a:lumMod val="50000"/>
-                </a:schemeClr>
-              </a:solidFill>
-            </a:endParaRPr>
-          </a:p>
-        </p:txBody>
-      </p:sp>
-      <p:sp>
-        <p:nvSpPr>
-          <p:cNvPr id="37" name="TextBox 36"/>
+              </a:defRPr>
+            </a:lvl1pPr>
+          </a:lstStyle>
+          <a:p>
+            <a:pPr algn="ctr"/>
+            <a:r>
+              <a:rPr lang="en-US" b="0" dirty="0" smtClean="0"/>
+              <a:t>User downloads data in pandas/R, draws charts, builds models</a:t>
+            </a:r>
+            <a:endParaRPr lang="ru-RU" b="0" dirty="0"/>
+          </a:p>
+        </p:txBody>
+      </p:sp>
+      <p:sp>
+        <p:nvSpPr>
+          <p:cNvPr id="67" name="TextBox 66"/>
           <p:cNvSpPr txBox="1"/>
           <p:nvPr/>
         </p:nvSpPr>
         <p:spPr>
           <a:xfrm>
-            <a:off x="3122262" y="4408627"/>
-            <a:ext cx="1985766" cy="342030"/>
+            <a:off x="982663" y="2873884"/>
+            <a:ext cx="1456865" cy="1316652"/>
           </a:xfrm>
           <a:prstGeom prst="rect">
             <a:avLst/>
@@ -8520,6 +7232,178 @@
           </a:ln>
         </p:spPr>
         <p:txBody>
+          <a:bodyPr wrap="square" rtlCol="0" anchor="t">
+            <a:noAutofit/>
+          </a:bodyPr>
+          <a:lstStyle>
+            <a:defPPr>
+              <a:defRPr lang="ru-RU"/>
+            </a:defPPr>
+          </a:lstStyle>
+          <a:p>
+            <a:r>
+              <a:rPr lang="en-US" sz="1600" b="1" dirty="0" smtClean="0">
+                <a:solidFill>
+                  <a:schemeClr val="bg1"/>
+                </a:solidFill>
+              </a:rPr>
+              <a:t>Database API</a:t>
+            </a:r>
+            <a:endParaRPr lang="ru-RU" sz="1600" b="1" dirty="0">
+              <a:solidFill>
+                <a:schemeClr val="bg1"/>
+              </a:solidFill>
+            </a:endParaRPr>
+          </a:p>
+        </p:txBody>
+      </p:sp>
+      <p:sp>
+        <p:nvSpPr>
+          <p:cNvPr id="68" name="TextBox 67"/>
+          <p:cNvSpPr txBox="1"/>
+          <p:nvPr/>
+        </p:nvSpPr>
+        <p:spPr>
+          <a:xfrm>
+            <a:off x="982663" y="833092"/>
+            <a:ext cx="1456865" cy="1212270"/>
+          </a:xfrm>
+          <a:prstGeom prst="rect">
+            <a:avLst/>
+          </a:prstGeom>
+          <a:solidFill>
+            <a:schemeClr val="accent1">
+              <a:lumMod val="50000"/>
+            </a:schemeClr>
+          </a:solidFill>
+          <a:ln>
+            <a:solidFill>
+              <a:schemeClr val="accent1">
+                <a:lumMod val="60000"/>
+                <a:lumOff val="40000"/>
+              </a:schemeClr>
+            </a:solidFill>
+          </a:ln>
+        </p:spPr>
+        <p:txBody>
+          <a:bodyPr wrap="square" rtlCol="0" anchor="t">
+            <a:noAutofit/>
+          </a:bodyPr>
+          <a:lstStyle>
+            <a:defPPr>
+              <a:defRPr lang="ru-RU"/>
+            </a:defPPr>
+          </a:lstStyle>
+          <a:p>
+            <a:r>
+              <a:rPr lang="en-US" sz="1600" b="1" dirty="0" smtClean="0">
+                <a:solidFill>
+                  <a:schemeClr val="bg1"/>
+                </a:solidFill>
+              </a:rPr>
+              <a:t>Parsers and scheduler</a:t>
+            </a:r>
+            <a:endParaRPr lang="ru-RU" sz="1600" b="1" dirty="0">
+              <a:solidFill>
+                <a:schemeClr val="bg1"/>
+              </a:solidFill>
+            </a:endParaRPr>
+          </a:p>
+        </p:txBody>
+      </p:sp>
+      <p:sp>
+        <p:nvSpPr>
+          <p:cNvPr id="69" name="TextBox 68"/>
+          <p:cNvSpPr txBox="1"/>
+          <p:nvPr/>
+        </p:nvSpPr>
+        <p:spPr>
+          <a:xfrm>
+            <a:off x="982665" y="5952794"/>
+            <a:ext cx="1456865" cy="806934"/>
+          </a:xfrm>
+          <a:prstGeom prst="rect">
+            <a:avLst/>
+          </a:prstGeom>
+          <a:solidFill>
+            <a:schemeClr val="accent1">
+              <a:lumMod val="50000"/>
+            </a:schemeClr>
+          </a:solidFill>
+          <a:ln>
+            <a:solidFill>
+              <a:schemeClr val="accent1">
+                <a:lumMod val="60000"/>
+                <a:lumOff val="40000"/>
+              </a:schemeClr>
+            </a:solidFill>
+          </a:ln>
+        </p:spPr>
+        <p:txBody>
+          <a:bodyPr wrap="square" rtlCol="0" anchor="t">
+            <a:noAutofit/>
+          </a:bodyPr>
+          <a:lstStyle>
+            <a:defPPr>
+              <a:defRPr lang="ru-RU"/>
+            </a:defPPr>
+          </a:lstStyle>
+          <a:p>
+            <a:r>
+              <a:rPr lang="en-US" sz="1600" b="1" dirty="0" smtClean="0">
+                <a:solidFill>
+                  <a:schemeClr val="bg1"/>
+                </a:solidFill>
+              </a:rPr>
+              <a:t>User code</a:t>
+            </a:r>
+          </a:p>
+          <a:p>
+            <a:r>
+              <a:rPr lang="en-US" sz="1600" b="1" dirty="0" smtClean="0">
+                <a:solidFill>
+                  <a:schemeClr val="bg1"/>
+                </a:solidFill>
+              </a:rPr>
+              <a:t>examples</a:t>
+            </a:r>
+            <a:endParaRPr lang="ru-RU" sz="1600" b="1" dirty="0">
+              <a:solidFill>
+                <a:schemeClr val="bg1"/>
+              </a:solidFill>
+            </a:endParaRPr>
+          </a:p>
+        </p:txBody>
+      </p:sp>
+      <p:sp>
+        <p:nvSpPr>
+          <p:cNvPr id="71" name="TextBox 70"/>
+          <p:cNvSpPr txBox="1"/>
+          <p:nvPr/>
+        </p:nvSpPr>
+        <p:spPr>
+          <a:xfrm>
+            <a:off x="2581316" y="2221110"/>
+            <a:ext cx="1821757" cy="475205"/>
+          </a:xfrm>
+          <a:prstGeom prst="rect">
+            <a:avLst/>
+          </a:prstGeom>
+          <a:solidFill>
+            <a:schemeClr val="accent2">
+              <a:lumMod val="60000"/>
+              <a:lumOff val="40000"/>
+            </a:schemeClr>
+          </a:solidFill>
+          <a:ln>
+            <a:solidFill>
+              <a:schemeClr val="accent1">
+                <a:lumMod val="75000"/>
+              </a:schemeClr>
+            </a:solidFill>
+          </a:ln>
+        </p:spPr>
+        <p:txBody>
           <a:bodyPr wrap="square" rtlCol="0" anchor="ctr">
             <a:noAutofit/>
           </a:bodyPr>
@@ -8527,35 +7411,48 @@
             <a:defPPr>
               <a:defRPr lang="ru-RU"/>
             </a:defPPr>
+            <a:lvl1pPr>
+              <a:defRPr sz="1200" b="0">
+                <a:solidFill>
+                  <a:schemeClr val="accent1">
+                    <a:lumMod val="50000"/>
+                  </a:schemeClr>
+                </a:solidFill>
+              </a:defRPr>
+            </a:lvl1pPr>
           </a:lstStyle>
           <a:p>
             <a:pPr algn="ctr"/>
             <a:r>
-              <a:rPr lang="en-US" b="1" dirty="0" smtClean="0">
-                <a:solidFill>
-                  <a:schemeClr val="bg1"/>
-                </a:solidFill>
-              </a:rPr>
-              <a:t>User code</a:t>
-            </a:r>
-            <a:endParaRPr lang="ru-RU" b="1" dirty="0">
-              <a:solidFill>
-                <a:schemeClr val="bg1"/>
-              </a:solidFill>
-            </a:endParaRPr>
-          </a:p>
-        </p:txBody>
-      </p:sp>
-      <p:sp>
-        <p:nvSpPr>
-          <p:cNvPr id="38" name="TextBox 37"/>
+              <a:rPr lang="en-US" dirty="0" smtClean="0"/>
+              <a:t>List of </a:t>
+            </a:r>
+            <a:r>
+              <a:rPr lang="en-US" dirty="0" err="1" smtClean="0"/>
+              <a:t>datapoints</a:t>
+            </a:r>
+            <a:endParaRPr lang="en-US" dirty="0" smtClean="0"/>
+          </a:p>
+          <a:p>
+            <a:pPr algn="ctr"/>
+            <a:r>
+              <a:rPr lang="en-US" dirty="0" smtClean="0"/>
+              <a:t>in JSON</a:t>
+            </a:r>
+            <a:endParaRPr lang="ru-RU" dirty="0"/>
+          </a:p>
+        </p:txBody>
+      </p:sp>
+      <p:sp>
+        <p:nvSpPr>
+          <p:cNvPr id="72" name="TextBox 71"/>
           <p:cNvSpPr txBox="1"/>
           <p:nvPr/>
         </p:nvSpPr>
         <p:spPr>
           <a:xfrm>
-            <a:off x="3133628" y="4747582"/>
-            <a:ext cx="1960952" cy="718770"/>
+            <a:off x="2547641" y="2873884"/>
+            <a:ext cx="3605892" cy="431620"/>
           </a:xfrm>
           <a:prstGeom prst="rect">
             <a:avLst/>
@@ -8578,7 +7475,7 @@
               <a:defRPr lang="ru-RU"/>
             </a:defPPr>
             <a:lvl1pPr>
-              <a:defRPr sz="1400" b="1">
+              <a:defRPr sz="1200" b="0">
                 <a:solidFill>
                   <a:schemeClr val="accent1">
                     <a:lumMod val="50000"/>
@@ -8590,210 +7487,43 @@
           <a:p>
             <a:pPr algn="ctr"/>
             <a:r>
-              <a:rPr lang="en-US" sz="1200" b="0" dirty="0" smtClean="0"/>
-              <a:t>Code samples and notebooks</a:t>
-            </a:r>
-            <a:endParaRPr lang="en-US" sz="1200" b="0" dirty="0"/>
-          </a:p>
-        </p:txBody>
-      </p:sp>
-      <p:sp>
-        <p:nvSpPr>
-          <p:cNvPr id="41" name="Прямоугольник 40"/>
-          <p:cNvSpPr/>
-          <p:nvPr/>
-        </p:nvSpPr>
-        <p:spPr>
-          <a:xfrm>
-            <a:off x="-542468" y="-1208760"/>
-            <a:ext cx="1350555" cy="646331"/>
-          </a:xfrm>
-          <a:prstGeom prst="rect">
-            <a:avLst/>
-          </a:prstGeom>
-        </p:spPr>
-        <p:txBody>
-          <a:bodyPr wrap="square">
-            <a:spAutoFit/>
-          </a:bodyPr>
-          <a:lstStyle/>
-          <a:p>
-            <a:r>
-              <a:rPr lang="en-US" b="1" dirty="0" smtClean="0">
-                <a:solidFill>
-                  <a:schemeClr val="accent1">
-                    <a:lumMod val="50000"/>
-                  </a:schemeClr>
-                </a:solidFill>
-              </a:rPr>
-              <a:t>Extraction layer</a:t>
-            </a:r>
-            <a:endParaRPr lang="ru-RU" dirty="0">
-              <a:solidFill>
-                <a:schemeClr val="accent1">
-                  <a:lumMod val="50000"/>
-                </a:schemeClr>
-              </a:solidFill>
-            </a:endParaRPr>
-          </a:p>
-        </p:txBody>
-      </p:sp>
-      <p:sp>
-        <p:nvSpPr>
-          <p:cNvPr id="44" name="Прямоугольник 43"/>
-          <p:cNvSpPr/>
-          <p:nvPr/>
-        </p:nvSpPr>
-        <p:spPr>
-          <a:xfrm>
-            <a:off x="-546735" y="539175"/>
-            <a:ext cx="1350555" cy="646331"/>
-          </a:xfrm>
-          <a:prstGeom prst="rect">
-            <a:avLst/>
-          </a:prstGeom>
-        </p:spPr>
-        <p:txBody>
-          <a:bodyPr wrap="square">
-            <a:spAutoFit/>
-          </a:bodyPr>
-          <a:lstStyle/>
-          <a:p>
-            <a:r>
-              <a:rPr lang="en-US" b="1" dirty="0" smtClean="0">
-                <a:solidFill>
-                  <a:schemeClr val="accent1">
-                    <a:lumMod val="50000"/>
-                  </a:schemeClr>
-                </a:solidFill>
-              </a:rPr>
-              <a:t>Database</a:t>
-            </a:r>
-          </a:p>
-          <a:p>
-            <a:r>
-              <a:rPr lang="en-US" b="1" dirty="0" smtClean="0">
-                <a:solidFill>
-                  <a:schemeClr val="accent1">
-                    <a:lumMod val="50000"/>
-                  </a:schemeClr>
-                </a:solidFill>
-              </a:rPr>
-              <a:t>layer</a:t>
-            </a:r>
-            <a:endParaRPr lang="ru-RU" dirty="0">
-              <a:solidFill>
-                <a:schemeClr val="accent1">
-                  <a:lumMod val="50000"/>
-                </a:schemeClr>
-              </a:solidFill>
-            </a:endParaRPr>
-          </a:p>
-        </p:txBody>
-      </p:sp>
-      <p:sp>
-        <p:nvSpPr>
-          <p:cNvPr id="50" name="Прямоугольник 49"/>
-          <p:cNvSpPr/>
-          <p:nvPr/>
-        </p:nvSpPr>
-        <p:spPr>
-          <a:xfrm>
-            <a:off x="-605119" y="4385642"/>
-            <a:ext cx="1350555" cy="646331"/>
-          </a:xfrm>
-          <a:prstGeom prst="rect">
-            <a:avLst/>
-          </a:prstGeom>
-        </p:spPr>
-        <p:txBody>
-          <a:bodyPr wrap="square">
-            <a:spAutoFit/>
-          </a:bodyPr>
-          <a:lstStyle/>
-          <a:p>
-            <a:r>
-              <a:rPr lang="en-US" b="1" dirty="0" smtClean="0">
-                <a:solidFill>
-                  <a:schemeClr val="accent1">
-                    <a:lumMod val="50000"/>
-                  </a:schemeClr>
-                </a:solidFill>
-              </a:rPr>
-              <a:t>Frontend layer</a:t>
-            </a:r>
-            <a:endParaRPr lang="ru-RU" dirty="0">
-              <a:solidFill>
-                <a:schemeClr val="accent1">
-                  <a:lumMod val="50000"/>
-                </a:schemeClr>
-              </a:solidFill>
-            </a:endParaRPr>
-          </a:p>
-        </p:txBody>
-      </p:sp>
-      <p:sp>
-        <p:nvSpPr>
-          <p:cNvPr id="54" name="Прямоугольник 53"/>
-          <p:cNvSpPr/>
-          <p:nvPr/>
-        </p:nvSpPr>
-        <p:spPr>
-          <a:xfrm>
-            <a:off x="-583497" y="5934670"/>
-            <a:ext cx="1328933" cy="369332"/>
-          </a:xfrm>
-          <a:prstGeom prst="rect">
-            <a:avLst/>
-          </a:prstGeom>
-        </p:spPr>
-        <p:txBody>
-          <a:bodyPr wrap="square">
-            <a:spAutoFit/>
-          </a:bodyPr>
-          <a:lstStyle/>
-          <a:p>
-            <a:r>
-              <a:rPr lang="en-US" b="1" dirty="0" smtClean="0">
-                <a:solidFill>
-                  <a:schemeClr val="accent1">
-                    <a:lumMod val="50000"/>
-                  </a:schemeClr>
-                </a:solidFill>
-              </a:rPr>
-              <a:t>User case</a:t>
-            </a:r>
-            <a:endParaRPr lang="ru-RU" dirty="0">
-              <a:solidFill>
-                <a:schemeClr val="accent1">
-                  <a:lumMod val="50000"/>
-                </a:schemeClr>
-              </a:solidFill>
-            </a:endParaRPr>
-          </a:p>
-        </p:txBody>
-      </p:sp>
-      <p:sp>
-        <p:nvSpPr>
-          <p:cNvPr id="58" name="TextBox 57"/>
+              <a:rPr lang="en-US" dirty="0" smtClean="0"/>
+              <a:t>API to post / delete data + admin token</a:t>
+            </a:r>
+            <a:endParaRPr lang="ru-RU" dirty="0"/>
+          </a:p>
+        </p:txBody>
+      </p:sp>
+      <p:sp>
+        <p:nvSpPr>
+          <p:cNvPr id="73" name="TextBox 72"/>
           <p:cNvSpPr txBox="1"/>
           <p:nvPr/>
         </p:nvSpPr>
         <p:spPr>
           <a:xfrm>
-            <a:off x="856126" y="7947099"/>
-            <a:ext cx="4238454" cy="676694"/>
+            <a:off x="4529618" y="4368816"/>
+            <a:ext cx="1623915" cy="475205"/>
           </a:xfrm>
           <a:prstGeom prst="rect">
             <a:avLst/>
           </a:prstGeom>
-          <a:noFill/>
+          <a:solidFill>
+            <a:schemeClr val="accent2">
+              <a:lumMod val="60000"/>
+              <a:lumOff val="40000"/>
+            </a:schemeClr>
+          </a:solidFill>
           <a:ln>
-            <a:noFill/>
+            <a:solidFill>
+              <a:schemeClr val="accent1">
+                <a:lumMod val="75000"/>
+              </a:schemeClr>
+            </a:solidFill>
           </a:ln>
         </p:spPr>
         <p:txBody>
-          <a:bodyPr wrap="square" rtlCol="0">
+          <a:bodyPr wrap="square" rtlCol="0" anchor="ctr">
             <a:noAutofit/>
           </a:bodyPr>
           <a:lstStyle>
@@ -8801,7 +7531,7 @@
               <a:defRPr lang="ru-RU"/>
             </a:defPPr>
             <a:lvl1pPr>
-              <a:defRPr sz="1400" b="1">
+              <a:defRPr sz="1200" b="0">
                 <a:solidFill>
                   <a:schemeClr val="accent1">
                     <a:lumMod val="50000"/>
@@ -8811,18 +7541,282 @@
             </a:lvl1pPr>
           </a:lstStyle>
           <a:p>
-            <a:r>
-              <a:rPr lang="en-US" sz="1200" b="0" dirty="0" smtClean="0"/>
-              <a:t>Not shown: data integrity checks, data transformations, variable naming enforcement, variable descriptions.</a:t>
-            </a:r>
-            <a:endParaRPr lang="ru-RU" sz="1200" b="0" dirty="0"/>
-          </a:p>
-        </p:txBody>
-      </p:sp>
+            <a:pPr algn="ctr"/>
+            <a:r>
+              <a:rPr lang="en-US" dirty="0" smtClean="0"/>
+              <a:t>CSV file</a:t>
+            </a:r>
+            <a:endParaRPr lang="ru-RU" dirty="0"/>
+          </a:p>
+        </p:txBody>
+      </p:sp>
+      <p:sp>
+        <p:nvSpPr>
+          <p:cNvPr id="74" name="TextBox 73"/>
+          <p:cNvSpPr txBox="1"/>
+          <p:nvPr/>
+        </p:nvSpPr>
+        <p:spPr>
+          <a:xfrm>
+            <a:off x="2581317" y="4368817"/>
+            <a:ext cx="1720228" cy="475205"/>
+          </a:xfrm>
+          <a:prstGeom prst="rect">
+            <a:avLst/>
+          </a:prstGeom>
+          <a:solidFill>
+            <a:schemeClr val="accent2">
+              <a:lumMod val="60000"/>
+              <a:lumOff val="40000"/>
+            </a:schemeClr>
+          </a:solidFill>
+          <a:ln>
+            <a:solidFill>
+              <a:schemeClr val="accent1">
+                <a:lumMod val="75000"/>
+              </a:schemeClr>
+            </a:solidFill>
+          </a:ln>
+        </p:spPr>
+        <p:txBody>
+          <a:bodyPr wrap="square" rtlCol="0" anchor="ctr">
+            <a:noAutofit/>
+          </a:bodyPr>
+          <a:lstStyle>
+            <a:defPPr>
+              <a:defRPr lang="ru-RU"/>
+            </a:defPPr>
+            <a:lvl1pPr>
+              <a:defRPr sz="1200" b="0">
+                <a:solidFill>
+                  <a:schemeClr val="accent1">
+                    <a:lumMod val="50000"/>
+                  </a:schemeClr>
+                </a:solidFill>
+              </a:defRPr>
+            </a:lvl1pPr>
+          </a:lstStyle>
+          <a:p>
+            <a:pPr algn="ctr"/>
+            <a:r>
+              <a:rPr lang="en-US" dirty="0" smtClean="0"/>
+              <a:t>JSON</a:t>
+            </a:r>
+            <a:endParaRPr lang="ru-RU" dirty="0"/>
+          </a:p>
+        </p:txBody>
+      </p:sp>
+      <p:cxnSp>
+        <p:nvCxnSpPr>
+          <p:cNvPr id="10" name="Соединительная линия уступом 9"/>
+          <p:cNvCxnSpPr>
+            <a:stCxn id="45" idx="2"/>
+            <a:endCxn id="65" idx="1"/>
+          </p:cNvCxnSpPr>
+          <p:nvPr/>
+        </p:nvCxnSpPr>
+        <p:spPr>
+          <a:xfrm rot="16200000" flipH="1">
+            <a:off x="3668153" y="5497984"/>
+            <a:ext cx="629959" cy="1086593"/>
+          </a:xfrm>
+          <a:prstGeom prst="bentConnector2">
+            <a:avLst/>
+          </a:prstGeom>
+          <a:ln>
+            <a:tailEnd type="triangle"/>
+          </a:ln>
+        </p:spPr>
+        <p:style>
+          <a:lnRef idx="1">
+            <a:schemeClr val="accent1"/>
+          </a:lnRef>
+          <a:fillRef idx="0">
+            <a:schemeClr val="accent1"/>
+          </a:fillRef>
+          <a:effectRef idx="0">
+            <a:schemeClr val="accent1"/>
+          </a:effectRef>
+          <a:fontRef idx="minor">
+            <a:schemeClr val="tx1"/>
+          </a:fontRef>
+        </p:style>
+      </p:cxnSp>
+      <p:cxnSp>
+        <p:nvCxnSpPr>
+          <p:cNvPr id="13" name="Прямая со стрелкой 12"/>
+          <p:cNvCxnSpPr>
+            <a:stCxn id="73" idx="2"/>
+            <a:endCxn id="65" idx="0"/>
+          </p:cNvCxnSpPr>
+          <p:nvPr/>
+        </p:nvCxnSpPr>
+        <p:spPr>
+          <a:xfrm flipH="1">
+            <a:off x="5339981" y="4844021"/>
+            <a:ext cx="1595" cy="1108773"/>
+          </a:xfrm>
+          <a:prstGeom prst="straightConnector1">
+            <a:avLst/>
+          </a:prstGeom>
+          <a:ln>
+            <a:tailEnd type="triangle"/>
+          </a:ln>
+        </p:spPr>
+        <p:style>
+          <a:lnRef idx="1">
+            <a:schemeClr val="accent1"/>
+          </a:lnRef>
+          <a:fillRef idx="0">
+            <a:schemeClr val="accent1"/>
+          </a:fillRef>
+          <a:effectRef idx="0">
+            <a:schemeClr val="accent1"/>
+          </a:effectRef>
+          <a:fontRef idx="minor">
+            <a:schemeClr val="tx1"/>
+          </a:fontRef>
+        </p:style>
+      </p:cxnSp>
+      <p:cxnSp>
+        <p:nvCxnSpPr>
+          <p:cNvPr id="75" name="Прямая со стрелкой 74"/>
+          <p:cNvCxnSpPr>
+            <a:stCxn id="74" idx="2"/>
+            <a:endCxn id="45" idx="0"/>
+          </p:cNvCxnSpPr>
+          <p:nvPr/>
+        </p:nvCxnSpPr>
+        <p:spPr>
+          <a:xfrm flipH="1">
+            <a:off x="3439836" y="4844022"/>
+            <a:ext cx="1595" cy="214279"/>
+          </a:xfrm>
+          <a:prstGeom prst="straightConnector1">
+            <a:avLst/>
+          </a:prstGeom>
+          <a:ln>
+            <a:tailEnd type="triangle"/>
+          </a:ln>
+        </p:spPr>
+        <p:style>
+          <a:lnRef idx="1">
+            <a:schemeClr val="accent1"/>
+          </a:lnRef>
+          <a:fillRef idx="0">
+            <a:schemeClr val="accent1"/>
+          </a:fillRef>
+          <a:effectRef idx="0">
+            <a:schemeClr val="accent1"/>
+          </a:effectRef>
+          <a:fontRef idx="minor">
+            <a:schemeClr val="tx1"/>
+          </a:fontRef>
+        </p:style>
+      </p:cxnSp>
+      <p:cxnSp>
+        <p:nvCxnSpPr>
+          <p:cNvPr id="76" name="Прямая со стрелкой 75"/>
+          <p:cNvCxnSpPr/>
+          <p:nvPr/>
+        </p:nvCxnSpPr>
+        <p:spPr>
+          <a:xfrm flipH="1">
+            <a:off x="8769543" y="1843134"/>
+            <a:ext cx="1595" cy="214279"/>
+          </a:xfrm>
+          <a:prstGeom prst="straightConnector1">
+            <a:avLst/>
+          </a:prstGeom>
+          <a:ln>
+            <a:tailEnd type="triangle"/>
+          </a:ln>
+        </p:spPr>
+        <p:style>
+          <a:lnRef idx="1">
+            <a:schemeClr val="accent1"/>
+          </a:lnRef>
+          <a:fillRef idx="0">
+            <a:schemeClr val="accent1"/>
+          </a:fillRef>
+          <a:effectRef idx="0">
+            <a:schemeClr val="accent1"/>
+          </a:effectRef>
+          <a:fontRef idx="minor">
+            <a:schemeClr val="tx1"/>
+          </a:fontRef>
+        </p:style>
+      </p:cxnSp>
+      <p:cxnSp>
+        <p:nvCxnSpPr>
+          <p:cNvPr id="77" name="Прямая со стрелкой 76"/>
+          <p:cNvCxnSpPr/>
+          <p:nvPr/>
+        </p:nvCxnSpPr>
+        <p:spPr>
+          <a:xfrm flipH="1">
+            <a:off x="4365832" y="1130792"/>
+            <a:ext cx="179030" cy="0"/>
+          </a:xfrm>
+          <a:prstGeom prst="straightConnector1">
+            <a:avLst/>
+          </a:prstGeom>
+          <a:ln>
+            <a:tailEnd type="triangle"/>
+          </a:ln>
+        </p:spPr>
+        <p:style>
+          <a:lnRef idx="1">
+            <a:schemeClr val="accent1"/>
+          </a:lnRef>
+          <a:fillRef idx="0">
+            <a:schemeClr val="accent1"/>
+          </a:fillRef>
+          <a:effectRef idx="0">
+            <a:schemeClr val="accent1"/>
+          </a:effectRef>
+          <a:fontRef idx="minor">
+            <a:schemeClr val="tx1"/>
+          </a:fontRef>
+        </p:style>
+      </p:cxnSp>
+      <p:cxnSp>
+        <p:nvCxnSpPr>
+          <p:cNvPr id="78" name="Прямая со стрелкой 77"/>
+          <p:cNvCxnSpPr/>
+          <p:nvPr/>
+        </p:nvCxnSpPr>
+        <p:spPr>
+          <a:xfrm flipH="1">
+            <a:off x="4376563" y="1798344"/>
+            <a:ext cx="179030" cy="0"/>
+          </a:xfrm>
+          <a:prstGeom prst="straightConnector1">
+            <a:avLst/>
+          </a:prstGeom>
+          <a:ln>
+            <a:tailEnd type="triangle"/>
+          </a:ln>
+        </p:spPr>
+        <p:style>
+          <a:lnRef idx="1">
+            <a:schemeClr val="accent1"/>
+          </a:lnRef>
+          <a:fillRef idx="0">
+            <a:schemeClr val="accent1"/>
+          </a:fillRef>
+          <a:effectRef idx="0">
+            <a:schemeClr val="accent1"/>
+          </a:effectRef>
+          <a:fontRef idx="minor">
+            <a:schemeClr val="tx1"/>
+          </a:fontRef>
+        </p:style>
+      </p:cxnSp>
     </p:spTree>
     <p:extLst>
       <p:ext uri="{BB962C8B-B14F-4D97-AF65-F5344CB8AC3E}">
-        <p14:creationId xmlns:p14="http://schemas.microsoft.com/office/powerpoint/2010/main" val="4026592967"/>
+        <p14:creationId xmlns:p14="http://schemas.microsoft.com/office/powerpoint/2010/main" val="1949081421"/>
       </p:ext>
     </p:extLst>
   </p:cSld>
